--- a/2017 Jumpstart/2018 Beta Testing JumpStart_Rev2.pptx
+++ b/2017 Jumpstart/2018 Beta Testing JumpStart_Rev2.pptx
@@ -5,10 +5,10 @@
     <p:sldMasterId id="2147483653" r:id="rId1"/>
   </p:sldMasterIdLst>
   <p:notesMasterIdLst>
-    <p:notesMasterId r:id="rId44"/>
+    <p:notesMasterId r:id="rId45"/>
   </p:notesMasterIdLst>
   <p:handoutMasterIdLst>
-    <p:handoutMasterId r:id="rId45"/>
+    <p:handoutMasterId r:id="rId46"/>
   </p:handoutMasterIdLst>
   <p:sldIdLst>
     <p:sldId id="345" r:id="rId2"/>
@@ -23,36 +23,37 @@
     <p:sldId id="306" r:id="rId11"/>
     <p:sldId id="321" r:id="rId12"/>
     <p:sldId id="323" r:id="rId13"/>
-    <p:sldId id="349" r:id="rId14"/>
-    <p:sldId id="324" r:id="rId15"/>
-    <p:sldId id="348" r:id="rId16"/>
-    <p:sldId id="347" r:id="rId17"/>
-    <p:sldId id="350" r:id="rId18"/>
-    <p:sldId id="351" r:id="rId19"/>
-    <p:sldId id="322" r:id="rId20"/>
-    <p:sldId id="265" r:id="rId21"/>
-    <p:sldId id="316" r:id="rId22"/>
-    <p:sldId id="326" r:id="rId23"/>
-    <p:sldId id="325" r:id="rId24"/>
-    <p:sldId id="340" r:id="rId25"/>
-    <p:sldId id="319" r:id="rId26"/>
-    <p:sldId id="328" r:id="rId27"/>
-    <p:sldId id="329" r:id="rId28"/>
-    <p:sldId id="327" r:id="rId29"/>
-    <p:sldId id="330" r:id="rId30"/>
-    <p:sldId id="320" r:id="rId31"/>
-    <p:sldId id="332" r:id="rId32"/>
-    <p:sldId id="331" r:id="rId33"/>
-    <p:sldId id="333" r:id="rId34"/>
-    <p:sldId id="338" r:id="rId35"/>
-    <p:sldId id="339" r:id="rId36"/>
-    <p:sldId id="334" r:id="rId37"/>
-    <p:sldId id="335" r:id="rId38"/>
-    <p:sldId id="336" r:id="rId39"/>
-    <p:sldId id="337" r:id="rId40"/>
-    <p:sldId id="341" r:id="rId41"/>
-    <p:sldId id="296" r:id="rId42"/>
-    <p:sldId id="342" r:id="rId43"/>
+    <p:sldId id="352" r:id="rId14"/>
+    <p:sldId id="349" r:id="rId15"/>
+    <p:sldId id="324" r:id="rId16"/>
+    <p:sldId id="348" r:id="rId17"/>
+    <p:sldId id="347" r:id="rId18"/>
+    <p:sldId id="350" r:id="rId19"/>
+    <p:sldId id="351" r:id="rId20"/>
+    <p:sldId id="322" r:id="rId21"/>
+    <p:sldId id="265" r:id="rId22"/>
+    <p:sldId id="316" r:id="rId23"/>
+    <p:sldId id="326" r:id="rId24"/>
+    <p:sldId id="325" r:id="rId25"/>
+    <p:sldId id="340" r:id="rId26"/>
+    <p:sldId id="319" r:id="rId27"/>
+    <p:sldId id="328" r:id="rId28"/>
+    <p:sldId id="329" r:id="rId29"/>
+    <p:sldId id="327" r:id="rId30"/>
+    <p:sldId id="330" r:id="rId31"/>
+    <p:sldId id="320" r:id="rId32"/>
+    <p:sldId id="332" r:id="rId33"/>
+    <p:sldId id="331" r:id="rId34"/>
+    <p:sldId id="333" r:id="rId35"/>
+    <p:sldId id="338" r:id="rId36"/>
+    <p:sldId id="339" r:id="rId37"/>
+    <p:sldId id="334" r:id="rId38"/>
+    <p:sldId id="335" r:id="rId39"/>
+    <p:sldId id="336" r:id="rId40"/>
+    <p:sldId id="337" r:id="rId41"/>
+    <p:sldId id="341" r:id="rId42"/>
+    <p:sldId id="296" r:id="rId43"/>
+    <p:sldId id="342" r:id="rId44"/>
   </p:sldIdLst>
   <p:sldSz cx="9144000" cy="6858000" type="screen4x3"/>
   <p:notesSz cx="6881813" cy="9296400"/>
@@ -1256,7 +1257,7 @@
     </p:spTree>
     <p:extLst>
       <p:ext uri="{BB962C8B-B14F-4D97-AF65-F5344CB8AC3E}">
-        <p14:creationId xmlns:p14="http://schemas.microsoft.com/office/powerpoint/2010/main" val="1399159399"/>
+        <p14:creationId xmlns:p14="http://schemas.microsoft.com/office/powerpoint/2010/main" val="1757001932"/>
       </p:ext>
     </p:extLst>
   </p:cSld>
@@ -1312,27 +1313,11 @@
           <a:p>
             <a:r>
               <a:rPr lang="en-US" dirty="0"/>
-              <a:t>No need to down load JRE on </a:t>
-            </a:r>
-            <a:r>
-              <a:rPr lang="en-US" dirty="0" err="1"/>
-              <a:t>roboRIO</a:t>
-            </a:r>
-            <a:r>
-              <a:rPr lang="en-US" dirty="0"/>
-              <a:t> </a:t>
-            </a:r>
-            <a:r>
-              <a:rPr lang="en-US" dirty="0" err="1"/>
-              <a:t>afters</a:t>
-            </a:r>
-            <a:r>
-              <a:rPr lang="en-US" dirty="0"/>
-              <a:t> Eclipse Plug in</a:t>
+              <a:t>2018 Driver</a:t>
             </a:r>
             <a:r>
               <a:rPr lang="en-US" baseline="0" dirty="0"/>
-              <a:t> takes care of this now.</a:t>
+              <a:t> Station </a:t>
             </a:r>
             <a:endParaRPr lang="en-US" dirty="0"/>
           </a:p>
@@ -1356,7 +1341,7 @@
             <a:fld id="{584BE1D8-901D-468C-816A-82F16679A17E}" type="slidenum">
               <a:rPr lang="en-US" altLang="en-US" smtClean="0"/>
               <a:pPr/>
-              <a:t>20</a:t>
+              <a:t>19</a:t>
             </a:fld>
             <a:endParaRPr lang="en-US" altLang="en-US"/>
           </a:p>
@@ -1365,7 +1350,7 @@
     </p:spTree>
     <p:extLst>
       <p:ext uri="{BB962C8B-B14F-4D97-AF65-F5344CB8AC3E}">
-        <p14:creationId xmlns:p14="http://schemas.microsoft.com/office/powerpoint/2010/main" val="2722703668"/>
+        <p14:creationId xmlns:p14="http://schemas.microsoft.com/office/powerpoint/2010/main" val="1399159399"/>
       </p:ext>
     </p:extLst>
   </p:cSld>
@@ -1421,11 +1406,27 @@
           <a:p>
             <a:r>
               <a:rPr lang="en-US" dirty="0"/>
-              <a:t>Chris will give his speech about the radio’s   We believe both radios will still</a:t>
+              <a:t>No need to down load JRE on </a:t>
+            </a:r>
+            <a:r>
+              <a:rPr lang="en-US" dirty="0" err="1"/>
+              <a:t>roboRIO</a:t>
+            </a:r>
+            <a:r>
+              <a:rPr lang="en-US" dirty="0"/>
+              <a:t> </a:t>
+            </a:r>
+            <a:r>
+              <a:rPr lang="en-US" dirty="0" err="1"/>
+              <a:t>afters</a:t>
+            </a:r>
+            <a:r>
+              <a:rPr lang="en-US" dirty="0"/>
+              <a:t> Eclipse Plug in</a:t>
             </a:r>
             <a:r>
               <a:rPr lang="en-US" baseline="0" dirty="0"/>
-              <a:t> work 2016 and 2017 but still tune.</a:t>
+              <a:t> takes care of this now.</a:t>
             </a:r>
             <a:endParaRPr lang="en-US" dirty="0"/>
           </a:p>
@@ -1458,7 +1459,7 @@
     </p:spTree>
     <p:extLst>
       <p:ext uri="{BB962C8B-B14F-4D97-AF65-F5344CB8AC3E}">
-        <p14:creationId xmlns:p14="http://schemas.microsoft.com/office/powerpoint/2010/main" val="694633641"/>
+        <p14:creationId xmlns:p14="http://schemas.microsoft.com/office/powerpoint/2010/main" val="2722703668"/>
       </p:ext>
     </p:extLst>
   </p:cSld>
@@ -1514,14 +1515,13 @@
           <a:p>
             <a:r>
               <a:rPr lang="en-US" dirty="0"/>
-              <a:t>The FRC LabVIEW Dashboard is the default dashboard program installed with, and automatically launched by, the FRC Driver Station. The purpose of the Dashboard is to provide feedback about the operation of the robot. The FRC Default Dashboard serves as a an example of the types of feedback</a:t>
-            </a:r>
-          </a:p>
-          <a:p>
-            <a:r>
-              <a:rPr lang="en-US" dirty="0"/>
-              <a:t>teams may want from their robot.</a:t>
-            </a:r>
+              <a:t>Chris will give his speech about the radio’s   We believe both radios will still</a:t>
+            </a:r>
+            <a:r>
+              <a:rPr lang="en-US" baseline="0" dirty="0"/>
+              <a:t> work 2016 and 2017 but still tune.</a:t>
+            </a:r>
+            <a:endParaRPr lang="en-US" dirty="0"/>
           </a:p>
         </p:txBody>
       </p:sp>
@@ -1543,7 +1543,7 @@
             <a:fld id="{584BE1D8-901D-468C-816A-82F16679A17E}" type="slidenum">
               <a:rPr lang="en-US" altLang="en-US" smtClean="0"/>
               <a:pPr/>
-              <a:t>25</a:t>
+              <a:t>22</a:t>
             </a:fld>
             <a:endParaRPr lang="en-US" altLang="en-US"/>
           </a:p>
@@ -1552,7 +1552,7 @@
     </p:spTree>
     <p:extLst>
       <p:ext uri="{BB962C8B-B14F-4D97-AF65-F5344CB8AC3E}">
-        <p14:creationId xmlns:p14="http://schemas.microsoft.com/office/powerpoint/2010/main" val="98520075"/>
+        <p14:creationId xmlns:p14="http://schemas.microsoft.com/office/powerpoint/2010/main" val="694633641"/>
       </p:ext>
     </p:extLst>
   </p:cSld>
@@ -1606,120 +1606,16 @@
           <a:bodyPr/>
           <a:lstStyle/>
           <a:p>
-            <a:pPr marL="0" marR="0" lvl="0" indent="0" algn="l" defTabSz="914400" rtl="0" eaLnBrk="0" fontAlgn="base" latinLnBrk="0" hangingPunct="0">
-              <a:lnSpc>
-                <a:spcPct val="100000"/>
-              </a:lnSpc>
-              <a:spcBef>
-                <a:spcPct val="30000"/>
-              </a:spcBef>
-              <a:spcAft>
-                <a:spcPct val="0"/>
-              </a:spcAft>
-              <a:buClrTx/>
-              <a:buSzTx/>
-              <a:buFontTx/>
-              <a:buNone/>
-              <a:tabLst/>
-              <a:defRPr/>
-            </a:pPr>
             <a:r>
               <a:rPr lang="en-US" dirty="0"/>
-              <a:t>Located in the </a:t>
-            </a:r>
-            <a:r>
-              <a:rPr lang="en-US" sz="1200" b="1" kern="1200" dirty="0">
-                <a:solidFill>
-                  <a:schemeClr val="tx1"/>
-                </a:solidFill>
-                <a:latin typeface="Times New Roman" charset="0"/>
-                <a:ea typeface="+mn-ea"/>
-                <a:cs typeface="Times New Roman" charset="0"/>
-              </a:rPr>
-              <a:t>package </a:t>
-            </a:r>
-            <a:r>
-              <a:rPr lang="en-US" sz="1200" b="1" kern="1200" dirty="0" err="1">
-                <a:solidFill>
-                  <a:schemeClr val="tx1"/>
-                </a:solidFill>
-                <a:latin typeface="Times New Roman" charset="0"/>
-                <a:ea typeface="+mn-ea"/>
-                <a:cs typeface="Times New Roman" charset="0"/>
-              </a:rPr>
-              <a:t>edu.wpi.first.wpilibj</a:t>
-            </a:r>
-            <a:r>
-              <a:rPr lang="en-US" sz="1200" b="1" kern="1200" dirty="0">
-                <a:solidFill>
-                  <a:schemeClr val="tx1"/>
-                </a:solidFill>
-                <a:latin typeface="Times New Roman" charset="0"/>
-                <a:ea typeface="+mn-ea"/>
-                <a:cs typeface="Times New Roman" charset="0"/>
-              </a:rPr>
-              <a:t>. </a:t>
-            </a:r>
-          </a:p>
-          <a:p>
-            <a:r>
-              <a:rPr lang="en-US" sz="1200" b="1" kern="1200" dirty="0">
-                <a:solidFill>
-                  <a:schemeClr val="tx1"/>
-                </a:solidFill>
-                <a:latin typeface="Times New Roman" charset="0"/>
-                <a:ea typeface="+mn-ea"/>
-                <a:cs typeface="Times New Roman" charset="0"/>
-              </a:rPr>
-              <a:t>import </a:t>
-            </a:r>
-            <a:r>
-              <a:rPr lang="en-US" sz="1200" b="1" kern="1200" dirty="0" err="1">
-                <a:solidFill>
-                  <a:schemeClr val="tx1"/>
-                </a:solidFill>
-                <a:latin typeface="Times New Roman" charset="0"/>
-                <a:ea typeface="+mn-ea"/>
-                <a:cs typeface="Times New Roman" charset="0"/>
-              </a:rPr>
-              <a:t>edu.wpi.first.wpilibj.DriverStation</a:t>
-            </a:r>
-            <a:r>
-              <a:rPr lang="en-US" sz="1200" b="1" kern="1200" dirty="0">
-                <a:solidFill>
-                  <a:schemeClr val="tx1"/>
-                </a:solidFill>
-                <a:latin typeface="Times New Roman" charset="0"/>
-                <a:ea typeface="+mn-ea"/>
-                <a:cs typeface="Times New Roman" charset="0"/>
-              </a:rPr>
-              <a:t>;</a:t>
-            </a:r>
-          </a:p>
-          <a:p>
-            <a:r>
-              <a:rPr lang="en-US" sz="1200" b="0" kern="1200" dirty="0">
-                <a:solidFill>
-                  <a:schemeClr val="tx1"/>
-                </a:solidFill>
-                <a:latin typeface="Times New Roman" charset="0"/>
-                <a:ea typeface="+mn-ea"/>
-                <a:cs typeface="Times New Roman" charset="0"/>
-              </a:rPr>
-              <a:t>This provides all the get function calls</a:t>
-            </a:r>
-            <a:r>
-              <a:rPr lang="en-US" sz="1200" b="0" kern="1200" baseline="0" dirty="0">
-                <a:solidFill>
-                  <a:schemeClr val="tx1"/>
-                </a:solidFill>
-                <a:latin typeface="Times New Roman" charset="0"/>
-                <a:ea typeface="+mn-ea"/>
-                <a:cs typeface="Times New Roman" charset="0"/>
-              </a:rPr>
-              <a:t> for information off the driver station data packets. </a:t>
-            </a:r>
-            <a:endParaRPr lang="en-US" b="0" dirty="0"/>
+              <a:t>The FRC LabVIEW Dashboard is the default dashboard program installed with, and automatically launched by, the FRC Driver Station. The purpose of the Dashboard is to provide feedback about the operation of the robot. The FRC Default Dashboard serves as a an example of the types of feedback</a:t>
+            </a:r>
+          </a:p>
+          <a:p>
+            <a:r>
+              <a:rPr lang="en-US" dirty="0"/>
+              <a:t>teams may want from their robot.</a:t>
+            </a:r>
           </a:p>
         </p:txBody>
       </p:sp>
@@ -1741,7 +1637,7 @@
             <a:fld id="{584BE1D8-901D-468C-816A-82F16679A17E}" type="slidenum">
               <a:rPr lang="en-US" altLang="en-US" smtClean="0"/>
               <a:pPr/>
-              <a:t>27</a:t>
+              <a:t>26</a:t>
             </a:fld>
             <a:endParaRPr lang="en-US" altLang="en-US"/>
           </a:p>
@@ -1750,7 +1646,7 @@
     </p:spTree>
     <p:extLst>
       <p:ext uri="{BB962C8B-B14F-4D97-AF65-F5344CB8AC3E}">
-        <p14:creationId xmlns:p14="http://schemas.microsoft.com/office/powerpoint/2010/main" val="3052554636"/>
+        <p14:creationId xmlns:p14="http://schemas.microsoft.com/office/powerpoint/2010/main" val="98520075"/>
       </p:ext>
     </p:extLst>
   </p:cSld>
@@ -1804,16 +1700,120 @@
           <a:bodyPr/>
           <a:lstStyle/>
           <a:p>
+            <a:pPr marL="0" marR="0" lvl="0" indent="0" algn="l" defTabSz="914400" rtl="0" eaLnBrk="0" fontAlgn="base" latinLnBrk="0" hangingPunct="0">
+              <a:lnSpc>
+                <a:spcPct val="100000"/>
+              </a:lnSpc>
+              <a:spcBef>
+                <a:spcPct val="30000"/>
+              </a:spcBef>
+              <a:spcAft>
+                <a:spcPct val="0"/>
+              </a:spcAft>
+              <a:buClrTx/>
+              <a:buSzTx/>
+              <a:buFontTx/>
+              <a:buNone/>
+              <a:tabLst/>
+              <a:defRPr/>
+            </a:pPr>
             <a:r>
               <a:rPr lang="en-US" dirty="0"/>
-              <a:t>The FRC LabVIEW Dashboard is the default dashboard program installed with, and automatically launched by, the FRC Driver Station. The purpose of the Dashboard is to provide feedback about the operation of the robot. The FRC Default Dashboard serves as a an example of the types of feedback</a:t>
-            </a:r>
-          </a:p>
-          <a:p>
-            <a:r>
-              <a:rPr lang="en-US" dirty="0"/>
-              <a:t>teams may want from their robot.</a:t>
-            </a:r>
+              <a:t>Located in the </a:t>
+            </a:r>
+            <a:r>
+              <a:rPr lang="en-US" sz="1200" b="1" kern="1200" dirty="0">
+                <a:solidFill>
+                  <a:schemeClr val="tx1"/>
+                </a:solidFill>
+                <a:latin typeface="Times New Roman" charset="0"/>
+                <a:ea typeface="+mn-ea"/>
+                <a:cs typeface="Times New Roman" charset="0"/>
+              </a:rPr>
+              <a:t>package </a:t>
+            </a:r>
+            <a:r>
+              <a:rPr lang="en-US" sz="1200" b="1" kern="1200" dirty="0" err="1">
+                <a:solidFill>
+                  <a:schemeClr val="tx1"/>
+                </a:solidFill>
+                <a:latin typeface="Times New Roman" charset="0"/>
+                <a:ea typeface="+mn-ea"/>
+                <a:cs typeface="Times New Roman" charset="0"/>
+              </a:rPr>
+              <a:t>edu.wpi.first.wpilibj</a:t>
+            </a:r>
+            <a:r>
+              <a:rPr lang="en-US" sz="1200" b="1" kern="1200" dirty="0">
+                <a:solidFill>
+                  <a:schemeClr val="tx1"/>
+                </a:solidFill>
+                <a:latin typeface="Times New Roman" charset="0"/>
+                <a:ea typeface="+mn-ea"/>
+                <a:cs typeface="Times New Roman" charset="0"/>
+              </a:rPr>
+              <a:t>. </a:t>
+            </a:r>
+          </a:p>
+          <a:p>
+            <a:r>
+              <a:rPr lang="en-US" sz="1200" b="1" kern="1200" dirty="0">
+                <a:solidFill>
+                  <a:schemeClr val="tx1"/>
+                </a:solidFill>
+                <a:latin typeface="Times New Roman" charset="0"/>
+                <a:ea typeface="+mn-ea"/>
+                <a:cs typeface="Times New Roman" charset="0"/>
+              </a:rPr>
+              <a:t>import </a:t>
+            </a:r>
+            <a:r>
+              <a:rPr lang="en-US" sz="1200" b="1" kern="1200" dirty="0" err="1">
+                <a:solidFill>
+                  <a:schemeClr val="tx1"/>
+                </a:solidFill>
+                <a:latin typeface="Times New Roman" charset="0"/>
+                <a:ea typeface="+mn-ea"/>
+                <a:cs typeface="Times New Roman" charset="0"/>
+              </a:rPr>
+              <a:t>edu.wpi.first.wpilibj.DriverStation</a:t>
+            </a:r>
+            <a:r>
+              <a:rPr lang="en-US" sz="1200" b="1" kern="1200" dirty="0">
+                <a:solidFill>
+                  <a:schemeClr val="tx1"/>
+                </a:solidFill>
+                <a:latin typeface="Times New Roman" charset="0"/>
+                <a:ea typeface="+mn-ea"/>
+                <a:cs typeface="Times New Roman" charset="0"/>
+              </a:rPr>
+              <a:t>;</a:t>
+            </a:r>
+          </a:p>
+          <a:p>
+            <a:r>
+              <a:rPr lang="en-US" sz="1200" b="0" kern="1200" dirty="0">
+                <a:solidFill>
+                  <a:schemeClr val="tx1"/>
+                </a:solidFill>
+                <a:latin typeface="Times New Roman" charset="0"/>
+                <a:ea typeface="+mn-ea"/>
+                <a:cs typeface="Times New Roman" charset="0"/>
+              </a:rPr>
+              <a:t>This provides all the get function calls</a:t>
+            </a:r>
+            <a:r>
+              <a:rPr lang="en-US" sz="1200" b="0" kern="1200" baseline="0" dirty="0">
+                <a:solidFill>
+                  <a:schemeClr val="tx1"/>
+                </a:solidFill>
+                <a:latin typeface="Times New Roman" charset="0"/>
+                <a:ea typeface="+mn-ea"/>
+                <a:cs typeface="Times New Roman" charset="0"/>
+              </a:rPr>
+              <a:t> for information off the driver station data packets. </a:t>
+            </a:r>
+            <a:endParaRPr lang="en-US" b="0" dirty="0"/>
           </a:p>
         </p:txBody>
       </p:sp>
@@ -1844,7 +1844,7 @@
     </p:spTree>
     <p:extLst>
       <p:ext uri="{BB962C8B-B14F-4D97-AF65-F5344CB8AC3E}">
-        <p14:creationId xmlns:p14="http://schemas.microsoft.com/office/powerpoint/2010/main" val="3674369890"/>
+        <p14:creationId xmlns:p14="http://schemas.microsoft.com/office/powerpoint/2010/main" val="3052554636"/>
       </p:ext>
     </p:extLst>
   </p:cSld>
@@ -1938,7 +1938,7 @@
     </p:spTree>
     <p:extLst>
       <p:ext uri="{BB962C8B-B14F-4D97-AF65-F5344CB8AC3E}">
-        <p14:creationId xmlns:p14="http://schemas.microsoft.com/office/powerpoint/2010/main" val="3047809914"/>
+        <p14:creationId xmlns:p14="http://schemas.microsoft.com/office/powerpoint/2010/main" val="3674369890"/>
       </p:ext>
     </p:extLst>
   </p:cSld>
@@ -1994,52 +1994,14 @@
           <a:p>
             <a:r>
               <a:rPr lang="en-US" dirty="0"/>
-              <a:t>The Shuffleboard is an alternate dashboard application written in Java. The Shuffleboard</a:t>
+              <a:t>The FRC LabVIEW Dashboard is the default dashboard program installed with, and automatically launched by, the FRC Driver Station. The purpose of the Dashboard is to provide feedback about the operation of the robot. The FRC Default Dashboard serves as a an example of the types of feedback</a:t>
             </a:r>
           </a:p>
           <a:p>
             <a:r>
               <a:rPr lang="en-US" dirty="0"/>
-              <a:t>automatically creates a widget for each variable sent from the Robot sent using the </a:t>
-            </a:r>
-            <a:r>
-              <a:rPr lang="en-US" dirty="0" err="1"/>
-              <a:t>SmartDashboard</a:t>
-            </a:r>
-            <a:endParaRPr lang="en-US" dirty="0"/>
-          </a:p>
-          <a:p>
-            <a:r>
-              <a:rPr lang="en-US" dirty="0"/>
-              <a:t>class or </a:t>
-            </a:r>
-            <a:r>
-              <a:rPr lang="en-US" dirty="0" err="1"/>
-              <a:t>VIs.</a:t>
-            </a:r>
-            <a:r>
-              <a:rPr lang="en-US" dirty="0"/>
-              <a:t> These widgets can be configured to a number of preset display types, or users can create</a:t>
-            </a:r>
-          </a:p>
-          <a:p>
-            <a:r>
-              <a:rPr lang="en-US" dirty="0"/>
-              <a:t>custom extensions in Java.  FIRST is going make</a:t>
-            </a:r>
-            <a:r>
-              <a:rPr lang="en-US" baseline="0" dirty="0"/>
-              <a:t> going to make this selectable on the by type instead of programming </a:t>
-            </a:r>
-            <a:r>
-              <a:rPr lang="en-US" baseline="0" dirty="0" err="1"/>
-              <a:t>laungue</a:t>
-            </a:r>
-            <a:r>
-              <a:rPr lang="en-US" baseline="0" dirty="0"/>
-              <a:t> .</a:t>
-            </a:r>
-            <a:endParaRPr lang="en-US" dirty="0"/>
+              <a:t>teams may want from their robot.</a:t>
+            </a:r>
           </a:p>
         </p:txBody>
       </p:sp>
@@ -2070,7 +2032,7 @@
     </p:spTree>
     <p:extLst>
       <p:ext uri="{BB962C8B-B14F-4D97-AF65-F5344CB8AC3E}">
-        <p14:creationId xmlns:p14="http://schemas.microsoft.com/office/powerpoint/2010/main" val="484064985"/>
+        <p14:creationId xmlns:p14="http://schemas.microsoft.com/office/powerpoint/2010/main" val="3047809914"/>
       </p:ext>
     </p:extLst>
   </p:cSld>
@@ -2126,31 +2088,18 @@
           <a:p>
             <a:r>
               <a:rPr lang="en-US" dirty="0"/>
-              <a:t>The </a:t>
+              <a:t>The Shuffleboard is an alternate dashboard application written in Java. The Shuffleboard</a:t>
+            </a:r>
+          </a:p>
+          <a:p>
+            <a:r>
+              <a:rPr lang="en-US" dirty="0"/>
+              <a:t>automatically creates a widget for each variable sent from the Robot sent using the </a:t>
             </a:r>
             <a:r>
               <a:rPr lang="en-US" dirty="0" err="1"/>
               <a:t>SmartDashboard</a:t>
             </a:r>
-            <a:r>
-              <a:rPr lang="en-US" dirty="0"/>
-              <a:t> is an alternate dashboard application written in Java. The </a:t>
-            </a:r>
-            <a:r>
-              <a:rPr lang="en-US" dirty="0" err="1"/>
-              <a:t>SmartDashboard</a:t>
-            </a:r>
-            <a:endParaRPr lang="en-US" dirty="0"/>
-          </a:p>
-          <a:p>
-            <a:r>
-              <a:rPr lang="en-US" dirty="0"/>
-              <a:t>automatically creates a widget for each variable sent from the Robot sent using the </a:t>
-            </a:r>
-            <a:r>
-              <a:rPr lang="en-US" dirty="0" err="1"/>
-              <a:t>SmartDashboard</a:t>
-            </a:r>
             <a:endParaRPr lang="en-US" dirty="0"/>
           </a:p>
           <a:p>
@@ -2170,8 +2119,21 @@
           <a:p>
             <a:r>
               <a:rPr lang="en-US" dirty="0"/>
-              <a:t>custom extensions in Java.</a:t>
-            </a:r>
+              <a:t>custom extensions in Java.  FIRST is going make</a:t>
+            </a:r>
+            <a:r>
+              <a:rPr lang="en-US" baseline="0" dirty="0"/>
+              <a:t> going to make this selectable on the by type instead of programming </a:t>
+            </a:r>
+            <a:r>
+              <a:rPr lang="en-US" baseline="0" dirty="0" err="1"/>
+              <a:t>laungue</a:t>
+            </a:r>
+            <a:r>
+              <a:rPr lang="en-US" baseline="0" dirty="0"/>
+              <a:t> .</a:t>
+            </a:r>
+            <a:endParaRPr lang="en-US" dirty="0"/>
           </a:p>
         </p:txBody>
       </p:sp>
@@ -2202,7 +2164,7 @@
     </p:spTree>
     <p:extLst>
       <p:ext uri="{BB962C8B-B14F-4D97-AF65-F5344CB8AC3E}">
-        <p14:creationId xmlns:p14="http://schemas.microsoft.com/office/powerpoint/2010/main" val="2426088984"/>
+        <p14:creationId xmlns:p14="http://schemas.microsoft.com/office/powerpoint/2010/main" val="484064985"/>
       </p:ext>
     </p:extLst>
   </p:cSld>
@@ -2258,87 +2220,52 @@
           <a:p>
             <a:r>
               <a:rPr lang="en-US" dirty="0"/>
-              <a:t>Located in the </a:t>
-            </a:r>
-            <a:r>
-              <a:rPr lang="en-US" sz="1200" b="1" kern="1200" dirty="0">
-                <a:solidFill>
-                  <a:schemeClr val="tx1"/>
-                </a:solidFill>
-                <a:latin typeface="Times New Roman" charset="0"/>
-                <a:ea typeface="+mn-ea"/>
-                <a:cs typeface="Times New Roman" charset="0"/>
-              </a:rPr>
-              <a:t>package </a:t>
-            </a:r>
-            <a:r>
-              <a:rPr lang="en-US" sz="1200" b="1" kern="1200" dirty="0" err="1">
-                <a:solidFill>
-                  <a:schemeClr val="tx1"/>
-                </a:solidFill>
-                <a:latin typeface="Times New Roman" charset="0"/>
-                <a:ea typeface="+mn-ea"/>
-                <a:cs typeface="Times New Roman" charset="0"/>
-              </a:rPr>
-              <a:t>edu.wpi.first.wpilibj</a:t>
-            </a:r>
-            <a:r>
-              <a:rPr lang="en-US" sz="1200" b="1" kern="1200" dirty="0">
-                <a:solidFill>
-                  <a:schemeClr val="tx1"/>
-                </a:solidFill>
-                <a:latin typeface="Times New Roman" charset="0"/>
-                <a:ea typeface="+mn-ea"/>
-                <a:cs typeface="Times New Roman" charset="0"/>
-              </a:rPr>
-              <a:t>. </a:t>
-            </a:r>
-          </a:p>
-          <a:p>
-            <a:endParaRPr lang="en-US" sz="1200" b="1" kern="1200" dirty="0">
-              <a:solidFill>
-                <a:schemeClr val="tx1"/>
-              </a:solidFill>
-              <a:latin typeface="Times New Roman" charset="0"/>
-              <a:ea typeface="+mn-ea"/>
-              <a:cs typeface="Times New Roman" charset="0"/>
-            </a:endParaRPr>
-          </a:p>
-          <a:p>
-            <a:r>
-              <a:rPr lang="en-US" sz="1200" b="1" kern="1200" dirty="0">
-                <a:solidFill>
-                  <a:schemeClr val="tx1"/>
-                </a:solidFill>
-                <a:latin typeface="Times New Roman" charset="0"/>
-                <a:ea typeface="+mn-ea"/>
-                <a:cs typeface="Times New Roman" charset="0"/>
-              </a:rPr>
-              <a:t>import </a:t>
-            </a:r>
-            <a:r>
-              <a:rPr lang="en-US" sz="1200" b="1" kern="1200" dirty="0" err="1">
-                <a:solidFill>
-                  <a:schemeClr val="tx1"/>
-                </a:solidFill>
-                <a:latin typeface="Times New Roman" charset="0"/>
-                <a:ea typeface="+mn-ea"/>
-                <a:cs typeface="Times New Roman" charset="0"/>
-              </a:rPr>
-              <a:t>edu.wpi.first.wpilibj.NidecBrushless</a:t>
-            </a:r>
-            <a:r>
-              <a:rPr lang="en-US" sz="1200" b="1" kern="1200" dirty="0">
-                <a:solidFill>
-                  <a:schemeClr val="tx1"/>
-                </a:solidFill>
-                <a:latin typeface="Times New Roman" charset="0"/>
-                <a:ea typeface="+mn-ea"/>
-                <a:cs typeface="Times New Roman" charset="0"/>
-              </a:rPr>
-              <a:t>;</a:t>
+              <a:t>The </a:t>
+            </a:r>
+            <a:r>
+              <a:rPr lang="en-US" dirty="0" err="1"/>
+              <a:t>SmartDashboard</a:t>
+            </a:r>
+            <a:r>
+              <a:rPr lang="en-US" dirty="0"/>
+              <a:t> is an alternate dashboard application written in Java. The </a:t>
+            </a:r>
+            <a:r>
+              <a:rPr lang="en-US" dirty="0" err="1"/>
+              <a:t>SmartDashboard</a:t>
             </a:r>
             <a:endParaRPr lang="en-US" dirty="0"/>
+          </a:p>
+          <a:p>
+            <a:r>
+              <a:rPr lang="en-US" dirty="0"/>
+              <a:t>automatically creates a widget for each variable sent from the Robot sent using the </a:t>
+            </a:r>
+            <a:r>
+              <a:rPr lang="en-US" dirty="0" err="1"/>
+              <a:t>SmartDashboard</a:t>
+            </a:r>
+            <a:endParaRPr lang="en-US" dirty="0"/>
+          </a:p>
+          <a:p>
+            <a:r>
+              <a:rPr lang="en-US" dirty="0"/>
+              <a:t>class or </a:t>
+            </a:r>
+            <a:r>
+              <a:rPr lang="en-US" dirty="0" err="1"/>
+              <a:t>VIs.</a:t>
+            </a:r>
+            <a:r>
+              <a:rPr lang="en-US" dirty="0"/>
+              <a:t> These widgets can be configured to a number of preset display types, or users can create</a:t>
+            </a:r>
+          </a:p>
+          <a:p>
+            <a:r>
+              <a:rPr lang="en-US" dirty="0"/>
+              <a:t>custom extensions in Java.</a:t>
+            </a:r>
           </a:p>
         </p:txBody>
       </p:sp>
@@ -2360,7 +2287,7 @@
             <a:fld id="{584BE1D8-901D-468C-816A-82F16679A17E}" type="slidenum">
               <a:rPr lang="en-US" altLang="en-US" smtClean="0"/>
               <a:pPr/>
-              <a:t>40</a:t>
+              <a:t>32</a:t>
             </a:fld>
             <a:endParaRPr lang="en-US" altLang="en-US"/>
           </a:p>
@@ -2369,7 +2296,7 @@
     </p:spTree>
     <p:extLst>
       <p:ext uri="{BB962C8B-B14F-4D97-AF65-F5344CB8AC3E}">
-        <p14:creationId xmlns:p14="http://schemas.microsoft.com/office/powerpoint/2010/main" val="3715978703"/>
+        <p14:creationId xmlns:p14="http://schemas.microsoft.com/office/powerpoint/2010/main" val="2426088984"/>
       </p:ext>
     </p:extLst>
   </p:cSld>
@@ -2463,6 +2390,173 @@
     <p:extLst>
       <p:ext uri="{BB962C8B-B14F-4D97-AF65-F5344CB8AC3E}">
         <p14:creationId xmlns:p14="http://schemas.microsoft.com/office/powerpoint/2010/main" val="1396584400"/>
+      </p:ext>
+    </p:extLst>
+  </p:cSld>
+  <p:clrMapOvr>
+    <a:masterClrMapping/>
+  </p:clrMapOvr>
+</p:notes>
+</file>
+
+<file path=ppt/notesSlides/notesSlide20.xml><?xml version="1.0" encoding="utf-8"?>
+<p:notes xmlns:a="http://schemas.openxmlformats.org/drawingml/2006/main" xmlns:r="http://schemas.openxmlformats.org/officeDocument/2006/relationships" xmlns:p="http://schemas.openxmlformats.org/presentationml/2006/main">
+  <p:cSld>
+    <p:spTree>
+      <p:nvGrpSpPr>
+        <p:cNvPr id="1" name=""/>
+        <p:cNvGrpSpPr/>
+        <p:nvPr/>
+      </p:nvGrpSpPr>
+      <p:grpSpPr>
+        <a:xfrm>
+          <a:off x="0" y="0"/>
+          <a:ext cx="0" cy="0"/>
+          <a:chOff x="0" y="0"/>
+          <a:chExt cx="0" cy="0"/>
+        </a:xfrm>
+      </p:grpSpPr>
+      <p:sp>
+        <p:nvSpPr>
+          <p:cNvPr id="2" name="Slide Image Placeholder 1"/>
+          <p:cNvSpPr>
+            <a:spLocks noGrp="1" noRot="1" noChangeAspect="1"/>
+          </p:cNvSpPr>
+          <p:nvPr>
+            <p:ph type="sldImg"/>
+          </p:nvPr>
+        </p:nvSpPr>
+        <p:spPr/>
+      </p:sp>
+      <p:sp>
+        <p:nvSpPr>
+          <p:cNvPr id="3" name="Notes Placeholder 2"/>
+          <p:cNvSpPr>
+            <a:spLocks noGrp="1"/>
+          </p:cNvSpPr>
+          <p:nvPr>
+            <p:ph type="body" idx="1"/>
+          </p:nvPr>
+        </p:nvSpPr>
+        <p:spPr/>
+        <p:txBody>
+          <a:bodyPr/>
+          <a:lstStyle/>
+          <a:p>
+            <a:r>
+              <a:rPr lang="en-US" dirty="0"/>
+              <a:t>Located in the </a:t>
+            </a:r>
+            <a:r>
+              <a:rPr lang="en-US" sz="1200" b="1" kern="1200" dirty="0">
+                <a:solidFill>
+                  <a:schemeClr val="tx1"/>
+                </a:solidFill>
+                <a:latin typeface="Times New Roman" charset="0"/>
+                <a:ea typeface="+mn-ea"/>
+                <a:cs typeface="Times New Roman" charset="0"/>
+              </a:rPr>
+              <a:t>package </a:t>
+            </a:r>
+            <a:r>
+              <a:rPr lang="en-US" sz="1200" b="1" kern="1200" dirty="0" err="1">
+                <a:solidFill>
+                  <a:schemeClr val="tx1"/>
+                </a:solidFill>
+                <a:latin typeface="Times New Roman" charset="0"/>
+                <a:ea typeface="+mn-ea"/>
+                <a:cs typeface="Times New Roman" charset="0"/>
+              </a:rPr>
+              <a:t>edu.wpi.first.wpilibj</a:t>
+            </a:r>
+            <a:r>
+              <a:rPr lang="en-US" sz="1200" b="1" kern="1200" dirty="0">
+                <a:solidFill>
+                  <a:schemeClr val="tx1"/>
+                </a:solidFill>
+                <a:latin typeface="Times New Roman" charset="0"/>
+                <a:ea typeface="+mn-ea"/>
+                <a:cs typeface="Times New Roman" charset="0"/>
+              </a:rPr>
+              <a:t>. </a:t>
+            </a:r>
+          </a:p>
+          <a:p>
+            <a:endParaRPr lang="en-US" sz="1200" b="1" kern="1200" dirty="0">
+              <a:solidFill>
+                <a:schemeClr val="tx1"/>
+              </a:solidFill>
+              <a:latin typeface="Times New Roman" charset="0"/>
+              <a:ea typeface="+mn-ea"/>
+              <a:cs typeface="Times New Roman" charset="0"/>
+            </a:endParaRPr>
+          </a:p>
+          <a:p>
+            <a:r>
+              <a:rPr lang="en-US" sz="1200" b="1" kern="1200" dirty="0">
+                <a:solidFill>
+                  <a:schemeClr val="tx1"/>
+                </a:solidFill>
+                <a:latin typeface="Times New Roman" charset="0"/>
+                <a:ea typeface="+mn-ea"/>
+                <a:cs typeface="Times New Roman" charset="0"/>
+              </a:rPr>
+              <a:t>import </a:t>
+            </a:r>
+            <a:r>
+              <a:rPr lang="en-US" sz="1200" b="1" kern="1200" dirty="0" err="1">
+                <a:solidFill>
+                  <a:schemeClr val="tx1"/>
+                </a:solidFill>
+                <a:latin typeface="Times New Roman" charset="0"/>
+                <a:ea typeface="+mn-ea"/>
+                <a:cs typeface="Times New Roman" charset="0"/>
+              </a:rPr>
+              <a:t>edu.wpi.first.wpilibj.NidecBrushless</a:t>
+            </a:r>
+            <a:r>
+              <a:rPr lang="en-US" sz="1200" b="1" kern="1200" dirty="0">
+                <a:solidFill>
+                  <a:schemeClr val="tx1"/>
+                </a:solidFill>
+                <a:latin typeface="Times New Roman" charset="0"/>
+                <a:ea typeface="+mn-ea"/>
+                <a:cs typeface="Times New Roman" charset="0"/>
+              </a:rPr>
+              <a:t>;</a:t>
+            </a:r>
+            <a:endParaRPr lang="en-US" dirty="0"/>
+          </a:p>
+        </p:txBody>
+      </p:sp>
+      <p:sp>
+        <p:nvSpPr>
+          <p:cNvPr id="4" name="Slide Number Placeholder 3"/>
+          <p:cNvSpPr>
+            <a:spLocks noGrp="1"/>
+          </p:cNvSpPr>
+          <p:nvPr>
+            <p:ph type="sldNum" sz="quarter" idx="10"/>
+          </p:nvPr>
+        </p:nvSpPr>
+        <p:spPr/>
+        <p:txBody>
+          <a:bodyPr/>
+          <a:lstStyle/>
+          <a:p>
+            <a:fld id="{584BE1D8-901D-468C-816A-82F16679A17E}" type="slidenum">
+              <a:rPr lang="en-US" altLang="en-US" smtClean="0"/>
+              <a:pPr/>
+              <a:t>41</a:t>
+            </a:fld>
+            <a:endParaRPr lang="en-US" altLang="en-US"/>
+          </a:p>
+        </p:txBody>
+      </p:sp>
+    </p:spTree>
+    <p:extLst>
+      <p:ext uri="{BB962C8B-B14F-4D97-AF65-F5344CB8AC3E}">
+        <p14:creationId xmlns:p14="http://schemas.microsoft.com/office/powerpoint/2010/main" val="3715978703"/>
       </p:ext>
     </p:extLst>
   </p:cSld>
@@ -2741,7 +2835,7 @@
     </p:spTree>
     <p:extLst>
       <p:ext uri="{BB962C8B-B14F-4D97-AF65-F5344CB8AC3E}">
-        <p14:creationId xmlns:p14="http://schemas.microsoft.com/office/powerpoint/2010/main" val="444082631"/>
+        <p14:creationId xmlns:p14="http://schemas.microsoft.com/office/powerpoint/2010/main" val="2303947363"/>
       </p:ext>
     </p:extLst>
   </p:cSld>
@@ -2834,7 +2928,7 @@
     </p:spTree>
     <p:extLst>
       <p:ext uri="{BB962C8B-B14F-4D97-AF65-F5344CB8AC3E}">
-        <p14:creationId xmlns:p14="http://schemas.microsoft.com/office/powerpoint/2010/main" val="414036858"/>
+        <p14:creationId xmlns:p14="http://schemas.microsoft.com/office/powerpoint/2010/main" val="444082631"/>
       </p:ext>
     </p:extLst>
   </p:cSld>
@@ -2927,7 +3021,7 @@
     </p:spTree>
     <p:extLst>
       <p:ext uri="{BB962C8B-B14F-4D97-AF65-F5344CB8AC3E}">
-        <p14:creationId xmlns:p14="http://schemas.microsoft.com/office/powerpoint/2010/main" val="1792288985"/>
+        <p14:creationId xmlns:p14="http://schemas.microsoft.com/office/powerpoint/2010/main" val="414036858"/>
       </p:ext>
     </p:extLst>
   </p:cSld>
@@ -3020,7 +3114,7 @@
     </p:spTree>
     <p:extLst>
       <p:ext uri="{BB962C8B-B14F-4D97-AF65-F5344CB8AC3E}">
-        <p14:creationId xmlns:p14="http://schemas.microsoft.com/office/powerpoint/2010/main" val="2585828836"/>
+        <p14:creationId xmlns:p14="http://schemas.microsoft.com/office/powerpoint/2010/main" val="1792288985"/>
       </p:ext>
     </p:extLst>
   </p:cSld>
@@ -3113,7 +3207,7 @@
     </p:spTree>
     <p:extLst>
       <p:ext uri="{BB962C8B-B14F-4D97-AF65-F5344CB8AC3E}">
-        <p14:creationId xmlns:p14="http://schemas.microsoft.com/office/powerpoint/2010/main" val="1757001932"/>
+        <p14:creationId xmlns:p14="http://schemas.microsoft.com/office/powerpoint/2010/main" val="2585828836"/>
       </p:ext>
     </p:extLst>
   </p:cSld>
@@ -7680,8 +7774,13 @@
             </a:pPr>
             <a:r>
               <a:rPr lang="en-US" dirty="0"/>
-              <a:t>Java/C++ - Eclipse</a:t>
-            </a:r>
+              <a:t>Java/C++ - </a:t>
+            </a:r>
+            <a:r>
+              <a:rPr lang="en-US" dirty="0" err="1"/>
+              <a:t>WPILib</a:t>
+            </a:r>
+            <a:endParaRPr lang="en-US" dirty="0"/>
           </a:p>
           <a:p>
             <a:pPr lvl="1" eaLnBrk="1" hangingPunct="1">
@@ -7690,7 +7789,23 @@
             </a:pPr>
             <a:r>
               <a:rPr lang="en-US" dirty="0"/>
-              <a:t>Eclipse will update existing projects at startup. Imported projects are updated after eclipse restart.</a:t>
+              <a:t>Use of </a:t>
+            </a:r>
+            <a:r>
+              <a:rPr lang="en-US" dirty="0" err="1"/>
+              <a:t>SpeedController</a:t>
+            </a:r>
+            <a:r>
+              <a:rPr lang="en-US" dirty="0"/>
+              <a:t> and </a:t>
+            </a:r>
+            <a:r>
+              <a:rPr lang="en-US" dirty="0" err="1"/>
+              <a:t>SpeedControllerGroups</a:t>
+            </a:r>
+            <a:r>
+              <a:rPr lang="en-US" dirty="0"/>
+              <a:t> are required for use with new drive classes.</a:t>
             </a:r>
           </a:p>
           <a:p>
@@ -7700,38 +7815,498 @@
             </a:pPr>
             <a:r>
               <a:rPr lang="en-US" dirty="0"/>
-              <a:t>Network Tables improved synchronization and New classes and interfaces.</a:t>
-            </a:r>
-          </a:p>
-          <a:p>
-            <a:pPr lvl="1" eaLnBrk="1" hangingPunct="1">
+              <a:t>Example:</a:t>
+            </a:r>
+          </a:p>
+          <a:p>
+            <a:r>
+              <a:rPr lang="en-US" sz="1000" dirty="0" err="1"/>
+              <a:t>std</a:t>
+            </a:r>
+            <a:r>
+              <a:rPr lang="en-US" sz="1000" dirty="0"/>
+              <a:t>::</a:t>
+            </a:r>
+            <a:r>
+              <a:rPr lang="en-US" sz="1000" dirty="0" err="1"/>
+              <a:t>shared_ptr</a:t>
+            </a:r>
+            <a:r>
+              <a:rPr lang="en-US" sz="1000" dirty="0"/>
+              <a:t>&lt;</a:t>
+            </a:r>
+            <a:r>
+              <a:rPr lang="en-US" sz="1000" dirty="0" err="1"/>
+              <a:t>TalonSRX</a:t>
+            </a:r>
+            <a:r>
+              <a:rPr lang="en-US" sz="1000" dirty="0"/>
+              <a:t>&gt; </a:t>
+            </a:r>
+            <a:r>
+              <a:rPr lang="en-US" sz="1000" i="1" dirty="0" err="1"/>
+              <a:t>RobotMap</a:t>
+            </a:r>
+            <a:r>
+              <a:rPr lang="en-US" sz="1000" i="1" dirty="0"/>
+              <a:t>::</a:t>
+            </a:r>
+            <a:r>
+              <a:rPr lang="en-US" sz="1000" i="1" dirty="0" err="1"/>
+              <a:t>drivetrainFrontLeft</a:t>
+            </a:r>
+            <a:r>
+              <a:rPr lang="en-US" sz="1000" i="1" dirty="0"/>
+              <a:t>;</a:t>
+            </a:r>
+          </a:p>
+          <a:p>
+            <a:r>
+              <a:rPr lang="en-US" sz="1000" dirty="0" err="1"/>
+              <a:t>std</a:t>
+            </a:r>
+            <a:r>
+              <a:rPr lang="en-US" sz="1000" dirty="0"/>
+              <a:t>::</a:t>
+            </a:r>
+            <a:r>
+              <a:rPr lang="en-US" sz="1000" dirty="0" err="1"/>
+              <a:t>shared_ptr</a:t>
+            </a:r>
+            <a:r>
+              <a:rPr lang="en-US" sz="1000" dirty="0"/>
+              <a:t>&lt;</a:t>
+            </a:r>
+            <a:r>
+              <a:rPr lang="en-US" sz="1000" dirty="0" err="1"/>
+              <a:t>TalonSRX</a:t>
+            </a:r>
+            <a:r>
+              <a:rPr lang="en-US" sz="1000" dirty="0"/>
+              <a:t>&gt; </a:t>
+            </a:r>
+            <a:r>
+              <a:rPr lang="en-US" sz="1000" i="1" dirty="0" err="1"/>
+              <a:t>RobotMap</a:t>
+            </a:r>
+            <a:r>
+              <a:rPr lang="en-US" sz="1000" i="1" dirty="0"/>
+              <a:t>::</a:t>
+            </a:r>
+            <a:r>
+              <a:rPr lang="en-US" sz="1000" i="1" dirty="0" err="1"/>
+              <a:t>drivetrainRearLeft</a:t>
+            </a:r>
+            <a:r>
+              <a:rPr lang="en-US" sz="1000" i="1" dirty="0"/>
+              <a:t>;</a:t>
+            </a:r>
+          </a:p>
+          <a:p>
+            <a:r>
+              <a:rPr lang="en-US" sz="1000" dirty="0" err="1"/>
+              <a:t>std</a:t>
+            </a:r>
+            <a:r>
+              <a:rPr lang="en-US" sz="1000" dirty="0"/>
+              <a:t>::</a:t>
+            </a:r>
+            <a:r>
+              <a:rPr lang="en-US" sz="1000" dirty="0" err="1"/>
+              <a:t>shared_ptr</a:t>
+            </a:r>
+            <a:r>
+              <a:rPr lang="en-US" sz="1000" dirty="0"/>
+              <a:t>&lt;</a:t>
+            </a:r>
+            <a:r>
+              <a:rPr lang="en-US" sz="1000" dirty="0" err="1"/>
+              <a:t>TalonSRX</a:t>
+            </a:r>
+            <a:r>
+              <a:rPr lang="en-US" sz="1000" dirty="0"/>
+              <a:t>&gt; </a:t>
+            </a:r>
+            <a:r>
+              <a:rPr lang="en-US" sz="1000" i="1" dirty="0" err="1"/>
+              <a:t>RobotMap</a:t>
+            </a:r>
+            <a:r>
+              <a:rPr lang="en-US" sz="1000" i="1" dirty="0"/>
+              <a:t>::</a:t>
+            </a:r>
+            <a:r>
+              <a:rPr lang="en-US" sz="1000" i="1" dirty="0" err="1"/>
+              <a:t>drivetrainFrontRight</a:t>
+            </a:r>
+            <a:r>
+              <a:rPr lang="en-US" sz="1000" i="1" dirty="0"/>
+              <a:t>;</a:t>
+            </a:r>
+          </a:p>
+          <a:p>
+            <a:r>
+              <a:rPr lang="en-US" sz="1000" dirty="0" err="1"/>
+              <a:t>std</a:t>
+            </a:r>
+            <a:r>
+              <a:rPr lang="en-US" sz="1000" dirty="0"/>
+              <a:t>::</a:t>
+            </a:r>
+            <a:r>
+              <a:rPr lang="en-US" sz="1000" dirty="0" err="1"/>
+              <a:t>shared_ptr</a:t>
+            </a:r>
+            <a:r>
+              <a:rPr lang="en-US" sz="1000" dirty="0"/>
+              <a:t>&lt;</a:t>
+            </a:r>
+            <a:r>
+              <a:rPr lang="en-US" sz="1000" dirty="0" err="1"/>
+              <a:t>TalonSRX</a:t>
+            </a:r>
+            <a:r>
+              <a:rPr lang="en-US" sz="1000" dirty="0"/>
+              <a:t>&gt; </a:t>
+            </a:r>
+            <a:r>
+              <a:rPr lang="en-US" sz="1000" i="1" dirty="0" err="1"/>
+              <a:t>RobotMap</a:t>
+            </a:r>
+            <a:r>
+              <a:rPr lang="en-US" sz="1000" i="1" dirty="0"/>
+              <a:t>::</a:t>
+            </a:r>
+            <a:r>
+              <a:rPr lang="en-US" sz="1000" i="1" dirty="0" err="1"/>
+              <a:t>drivetrainRearRight</a:t>
+            </a:r>
+            <a:r>
+              <a:rPr lang="en-US" sz="1000" i="1" dirty="0"/>
+              <a:t>;</a:t>
+            </a:r>
+          </a:p>
+          <a:p>
+            <a:r>
+              <a:rPr lang="en-US" sz="1000" dirty="0" err="1"/>
+              <a:t>std</a:t>
+            </a:r>
+            <a:r>
+              <a:rPr lang="en-US" sz="1000" dirty="0"/>
+              <a:t>::</a:t>
+            </a:r>
+            <a:r>
+              <a:rPr lang="en-US" sz="1000" dirty="0" err="1"/>
+              <a:t>shared_ptr</a:t>
+            </a:r>
+            <a:r>
+              <a:rPr lang="en-US" sz="1000" dirty="0"/>
+              <a:t>&lt;</a:t>
+            </a:r>
+            <a:r>
+              <a:rPr lang="en-US" sz="1000" dirty="0" err="1"/>
+              <a:t>frc</a:t>
+            </a:r>
+            <a:r>
+              <a:rPr lang="en-US" sz="1000" dirty="0"/>
+              <a:t>::</a:t>
+            </a:r>
+            <a:r>
+              <a:rPr lang="en-US" sz="1000" dirty="0" err="1"/>
+              <a:t>DifferentialDrive</a:t>
+            </a:r>
+            <a:r>
+              <a:rPr lang="en-US" sz="1000" dirty="0"/>
+              <a:t>&gt; </a:t>
+            </a:r>
+            <a:r>
+              <a:rPr lang="en-US" sz="1000" i="1" dirty="0" err="1"/>
+              <a:t>RobotMap</a:t>
+            </a:r>
+            <a:r>
+              <a:rPr lang="en-US" sz="1000" i="1" dirty="0"/>
+              <a:t>::drivetrainRobotDrive41;</a:t>
+            </a:r>
+          </a:p>
+          <a:p>
+            <a:r>
+              <a:rPr lang="en-US" sz="1000" dirty="0" err="1"/>
+              <a:t>std</a:t>
+            </a:r>
+            <a:r>
+              <a:rPr lang="en-US" sz="1000" dirty="0"/>
+              <a:t>::</a:t>
+            </a:r>
+            <a:r>
+              <a:rPr lang="en-US" sz="1000" dirty="0" err="1"/>
+              <a:t>shared_ptr</a:t>
+            </a:r>
+            <a:r>
+              <a:rPr lang="en-US" sz="1000" dirty="0"/>
+              <a:t>&lt;</a:t>
+            </a:r>
+            <a:r>
+              <a:rPr lang="en-US" sz="1000" dirty="0" err="1"/>
+              <a:t>frc</a:t>
+            </a:r>
+            <a:r>
+              <a:rPr lang="en-US" sz="1000" dirty="0"/>
+              <a:t>::</a:t>
+            </a:r>
+            <a:r>
+              <a:rPr lang="en-US" sz="1000" dirty="0" err="1"/>
+              <a:t>SpeedControllerGroup</a:t>
+            </a:r>
+            <a:r>
+              <a:rPr lang="en-US" sz="1000" dirty="0"/>
+              <a:t>&gt; </a:t>
+            </a:r>
+            <a:r>
+              <a:rPr lang="en-US" sz="1000" i="1" dirty="0" err="1"/>
+              <a:t>RobotMap</a:t>
+            </a:r>
+            <a:r>
+              <a:rPr lang="en-US" sz="1000" i="1" dirty="0"/>
+              <a:t>::</a:t>
+            </a:r>
+            <a:r>
+              <a:rPr lang="en-US" sz="1000" i="1" dirty="0" err="1"/>
+              <a:t>drivetrainLeft</a:t>
+            </a:r>
+            <a:r>
+              <a:rPr lang="en-US" sz="1000" i="1" dirty="0"/>
+              <a:t>;</a:t>
+            </a:r>
+          </a:p>
+          <a:p>
+            <a:r>
+              <a:rPr lang="en-US" sz="1000" dirty="0" err="1"/>
+              <a:t>std</a:t>
+            </a:r>
+            <a:r>
+              <a:rPr lang="en-US" sz="1000" dirty="0"/>
+              <a:t>::</a:t>
+            </a:r>
+            <a:r>
+              <a:rPr lang="en-US" sz="1000" dirty="0" err="1"/>
+              <a:t>shared_ptr</a:t>
+            </a:r>
+            <a:r>
+              <a:rPr lang="en-US" sz="1000" dirty="0"/>
+              <a:t>&lt;</a:t>
+            </a:r>
+            <a:r>
+              <a:rPr lang="en-US" sz="1000" dirty="0" err="1"/>
+              <a:t>frc</a:t>
+            </a:r>
+            <a:r>
+              <a:rPr lang="en-US" sz="1000" dirty="0"/>
+              <a:t>::</a:t>
+            </a:r>
+            <a:r>
+              <a:rPr lang="en-US" sz="1000" dirty="0" err="1"/>
+              <a:t>SpeedControllerGroup</a:t>
+            </a:r>
+            <a:r>
+              <a:rPr lang="en-US" sz="1000" dirty="0"/>
+              <a:t>&gt; </a:t>
+            </a:r>
+            <a:r>
+              <a:rPr lang="en-US" sz="1000" i="1" dirty="0" err="1"/>
+              <a:t>RobotMap</a:t>
+            </a:r>
+            <a:r>
+              <a:rPr lang="en-US" sz="1000" i="1" dirty="0"/>
+              <a:t>::</a:t>
+            </a:r>
+            <a:r>
+              <a:rPr lang="en-US" sz="1000" i="1" dirty="0" err="1"/>
+              <a:t>drivetrainRight</a:t>
+            </a:r>
+            <a:r>
+              <a:rPr lang="en-US" sz="1000" i="1" dirty="0"/>
+              <a:t>;</a:t>
+            </a:r>
+          </a:p>
+          <a:p>
+            <a:r>
+              <a:rPr lang="en-US" sz="1000" i="1" dirty="0" err="1"/>
+              <a:t>drivetrainLeft.reset</a:t>
+            </a:r>
+            <a:r>
+              <a:rPr lang="en-US" sz="1000" i="1" dirty="0"/>
+              <a:t>(new </a:t>
+            </a:r>
+            <a:r>
+              <a:rPr lang="en-US" sz="1000" i="1" dirty="0" err="1"/>
+              <a:t>frc</a:t>
+            </a:r>
+            <a:r>
+              <a:rPr lang="en-US" sz="1000" i="1" dirty="0"/>
+              <a:t>::</a:t>
+            </a:r>
+            <a:r>
+              <a:rPr lang="en-US" sz="1000" i="1" dirty="0" err="1"/>
+              <a:t>SpeedControllerGroup</a:t>
+            </a:r>
+            <a:r>
+              <a:rPr lang="en-US" sz="1000" i="1" dirty="0"/>
+              <a:t>(</a:t>
+            </a:r>
+            <a:r>
+              <a:rPr lang="en-US" sz="1000" i="1" dirty="0" err="1"/>
+              <a:t>drivetrainFrontLeft</a:t>
+            </a:r>
+            <a:r>
+              <a:rPr lang="en-US" sz="1000" i="1" dirty="0"/>
+              <a:t>-&gt;</a:t>
+            </a:r>
+            <a:r>
+              <a:rPr lang="en-US" sz="1000" i="1" dirty="0" err="1"/>
+              <a:t>GetWPILIB_SpeedController</a:t>
+            </a:r>
+            <a:r>
+              <a:rPr lang="en-US" sz="1000" i="1" dirty="0"/>
+              <a:t>(),</a:t>
+            </a:r>
+            <a:r>
+              <a:rPr lang="en-US" sz="1000" i="1" dirty="0" err="1"/>
+              <a:t>drivetrainRearLeft</a:t>
+            </a:r>
+            <a:r>
+              <a:rPr lang="en-US" sz="1000" i="1" dirty="0"/>
+              <a:t>-&gt;</a:t>
+            </a:r>
+            <a:r>
+              <a:rPr lang="en-US" sz="1000" i="1" dirty="0" err="1"/>
+              <a:t>GetWPILIB_SpeedController</a:t>
+            </a:r>
+            <a:r>
+              <a:rPr lang="en-US" sz="1000" i="1" dirty="0"/>
+              <a:t>()));</a:t>
+            </a:r>
+          </a:p>
+          <a:p>
+            <a:r>
+              <a:rPr lang="en-US" sz="1000" dirty="0"/>
+              <a:t>    </a:t>
+            </a:r>
+            <a:r>
+              <a:rPr lang="en-US" sz="1000" i="1" dirty="0" err="1"/>
+              <a:t>drivetrainRight.reset</a:t>
+            </a:r>
+            <a:r>
+              <a:rPr lang="en-US" sz="1000" i="1" dirty="0"/>
+              <a:t>(new </a:t>
+            </a:r>
+            <a:r>
+              <a:rPr lang="en-US" sz="1000" i="1" dirty="0" err="1"/>
+              <a:t>frc</a:t>
+            </a:r>
+            <a:r>
+              <a:rPr lang="en-US" sz="1000" i="1" dirty="0"/>
+              <a:t>::</a:t>
+            </a:r>
+            <a:r>
+              <a:rPr lang="en-US" sz="1000" i="1" dirty="0" err="1"/>
+              <a:t>SpeedControllerGroup</a:t>
+            </a:r>
+            <a:r>
+              <a:rPr lang="en-US" sz="1000" i="1" dirty="0"/>
+              <a:t>(</a:t>
+            </a:r>
+            <a:r>
+              <a:rPr lang="en-US" sz="1000" i="1" dirty="0" err="1"/>
+              <a:t>drivetrainFrontRight</a:t>
+            </a:r>
+            <a:r>
+              <a:rPr lang="en-US" sz="1000" i="1" dirty="0"/>
+              <a:t>-&gt;</a:t>
+            </a:r>
+            <a:r>
+              <a:rPr lang="en-US" sz="1000" i="1" dirty="0" err="1"/>
+              <a:t>GetWPILIB_SpeedController</a:t>
+            </a:r>
+            <a:r>
+              <a:rPr lang="en-US" sz="1000" i="1" dirty="0"/>
+              <a:t>(),</a:t>
+            </a:r>
+            <a:r>
+              <a:rPr lang="en-US" sz="1000" i="1" dirty="0" err="1"/>
+              <a:t>drivetrainRearRight</a:t>
+            </a:r>
+            <a:r>
+              <a:rPr lang="en-US" sz="1000" i="1" dirty="0"/>
+              <a:t>-&gt;</a:t>
+            </a:r>
+            <a:r>
+              <a:rPr lang="en-US" sz="1000" i="1" dirty="0" err="1"/>
+              <a:t>GetWPILIB_SpeedController</a:t>
+            </a:r>
+            <a:r>
+              <a:rPr lang="en-US" sz="1000" i="1" dirty="0"/>
+              <a:t>()));</a:t>
+            </a:r>
+          </a:p>
+          <a:p>
+            <a:endParaRPr lang="en-US" sz="1000" dirty="0"/>
+          </a:p>
+          <a:p>
+            <a:r>
+              <a:rPr lang="en-US" sz="1000" dirty="0"/>
+              <a:t>    </a:t>
+            </a:r>
+            <a:r>
+              <a:rPr lang="en-US" sz="1000" i="1" dirty="0"/>
+              <a:t>drivetrainRobotDrive41.reset(new </a:t>
+            </a:r>
+            <a:r>
+              <a:rPr lang="en-US" sz="1000" i="1" dirty="0" err="1"/>
+              <a:t>frc</a:t>
+            </a:r>
+            <a:r>
+              <a:rPr lang="en-US" sz="1000" i="1" dirty="0"/>
+              <a:t>::</a:t>
+            </a:r>
+            <a:r>
+              <a:rPr lang="en-US" sz="1000" i="1" dirty="0" err="1"/>
+              <a:t>DifferentialDrive</a:t>
+            </a:r>
+            <a:r>
+              <a:rPr lang="en-US" sz="1000" i="1" dirty="0"/>
+              <a:t>(*</a:t>
+            </a:r>
+            <a:r>
+              <a:rPr lang="en-US" sz="1000" i="1" dirty="0" err="1"/>
+              <a:t>drivetrainLeft.get</a:t>
+            </a:r>
+            <a:r>
+              <a:rPr lang="en-US" sz="1000" i="1" dirty="0"/>
+              <a:t>(),*</a:t>
+            </a:r>
+            <a:r>
+              <a:rPr lang="en-US" sz="1000" i="1" dirty="0" err="1"/>
+              <a:t>drivetrainRight.get</a:t>
+            </a:r>
+            <a:r>
+              <a:rPr lang="en-US" sz="1000" i="1" dirty="0"/>
+              <a:t>()));</a:t>
+            </a:r>
+            <a:endParaRPr lang="en-US" sz="1000" dirty="0"/>
+          </a:p>
+          <a:p>
+            <a:pPr eaLnBrk="1" hangingPunct="1">
               <a:buFont typeface="Wingdings" panose="05000000000000000000" pitchFamily="2" charset="2"/>
               <a:buChar char="Ø"/>
             </a:pPr>
-            <a:r>
-              <a:rPr lang="en-US" dirty="0"/>
-              <a:t>Robot Code deployment done via WebDAV (replacing use of SSH)</a:t>
-            </a:r>
-          </a:p>
-          <a:p>
-            <a:pPr lvl="1" eaLnBrk="1" hangingPunct="1">
+            <a:endParaRPr lang="en-US" dirty="0"/>
+          </a:p>
+          <a:p>
+            <a:pPr eaLnBrk="1" hangingPunct="1">
               <a:buFont typeface="Wingdings" panose="05000000000000000000" pitchFamily="2" charset="2"/>
               <a:buChar char="Ø"/>
             </a:pPr>
-            <a:r>
-              <a:rPr lang="en-US" dirty="0"/>
-              <a:t>Checks multiple address in parallel during deployment, faster deploys.</a:t>
-            </a:r>
-          </a:p>
-          <a:p>
-            <a:pPr lvl="1" eaLnBrk="1" hangingPunct="1">
-              <a:buFont typeface="Wingdings" panose="05000000000000000000" pitchFamily="2" charset="2"/>
-              <a:buChar char="Ø"/>
-            </a:pPr>
-            <a:r>
-              <a:rPr lang="en-US" dirty="0"/>
-              <a:t>TCP based console plugin, coming soon.</a:t>
-            </a:r>
+            <a:endParaRPr lang="en-US" dirty="0"/>
           </a:p>
           <a:p>
             <a:pPr eaLnBrk="1" hangingPunct="1">
@@ -7913,7 +8488,7 @@
     </p:spTree>
     <p:extLst>
       <p:ext uri="{BB962C8B-B14F-4D97-AF65-F5344CB8AC3E}">
-        <p14:creationId xmlns:p14="http://schemas.microsoft.com/office/powerpoint/2010/main" val="750513154"/>
+        <p14:creationId xmlns:p14="http://schemas.microsoft.com/office/powerpoint/2010/main" val="3416155239"/>
       </p:ext>
     </p:extLst>
   </p:cSld>
@@ -7988,7 +8563,7 @@
             </a:pPr>
             <a:r>
               <a:rPr lang="en-US" dirty="0"/>
-              <a:t>Java/C++ - CTRE</a:t>
+              <a:t>Java/C++ - Eclipse</a:t>
             </a:r>
           </a:p>
           <a:p>
@@ -7998,7 +8573,7 @@
             </a:pPr>
             <a:r>
               <a:rPr lang="en-US" dirty="0"/>
-              <a:t>CTRE Libraries done view Lifeboat app.</a:t>
+              <a:t>Eclipse will update existing projects at startup. Imported projects are updated after eclipse restart.</a:t>
             </a:r>
           </a:p>
           <a:p>
@@ -8008,45 +8583,8 @@
             </a:pPr>
             <a:r>
               <a:rPr lang="en-US" dirty="0"/>
-              <a:t>CTRE object, library and header restructuring. </a:t>
-            </a:r>
-            <a:r>
-              <a:rPr lang="en-US" dirty="0" err="1"/>
-              <a:t>Eg</a:t>
-            </a:r>
-            <a:r>
-              <a:rPr lang="en-US" dirty="0"/>
-              <a:t>; object name: </a:t>
-            </a:r>
-            <a:r>
-              <a:rPr lang="en-US" dirty="0" err="1"/>
-              <a:t>TalonSRX</a:t>
-            </a:r>
-            <a:r>
-              <a:rPr lang="en-US" dirty="0"/>
-              <a:t> is now </a:t>
-            </a:r>
-            <a:r>
-              <a:rPr lang="en-US" dirty="0" err="1"/>
-              <a:t>PWMTalonSRX</a:t>
-            </a:r>
-            <a:r>
-              <a:rPr lang="en-US" dirty="0"/>
-              <a:t> and </a:t>
-            </a:r>
-            <a:r>
-              <a:rPr lang="en-US" dirty="0" err="1"/>
-              <a:t>CANTalonSRX</a:t>
-            </a:r>
-            <a:r>
-              <a:rPr lang="en-US" dirty="0"/>
-              <a:t> has been renamed to </a:t>
-            </a:r>
-            <a:r>
-              <a:rPr lang="en-US" dirty="0" err="1"/>
-              <a:t>TalonSRX</a:t>
-            </a:r>
-            <a:endParaRPr lang="en-US" dirty="0"/>
+              <a:t>Network Tables improved synchronization and New classes and interfaces.</a:t>
+            </a:r>
           </a:p>
           <a:p>
             <a:pPr lvl="1" eaLnBrk="1" hangingPunct="1">
@@ -8054,36 +8592,8 @@
               <a:buChar char="Ø"/>
             </a:pPr>
             <a:r>
-              <a:rPr lang="en-US" dirty="0" err="1"/>
-              <a:t>roboRIO</a:t>
-            </a:r>
-            <a:r>
               <a:rPr lang="en-US" dirty="0"/>
-              <a:t> CAN software update must be applied using the 3rd party CTRE Phoenix Lifeboat application (if this isn't done, then no CAN devices, e.g., PDP, PCM, </a:t>
-            </a:r>
-            <a:r>
-              <a:rPr lang="en-US" dirty="0" err="1"/>
-              <a:t>TalonSRX</a:t>
-            </a:r>
-            <a:r>
-              <a:rPr lang="en-US" dirty="0"/>
-              <a:t>, will show up in the </a:t>
-            </a:r>
-            <a:r>
-              <a:rPr lang="en-US" dirty="0" err="1"/>
-              <a:t>roboRIO</a:t>
-            </a:r>
-            <a:r>
-              <a:rPr lang="en-US" dirty="0"/>
-              <a:t> </a:t>
-            </a:r>
-            <a:r>
-              <a:rPr lang="en-US" dirty="0" err="1"/>
-              <a:t>WebDash</a:t>
-            </a:r>
-            <a:r>
-              <a:rPr lang="en-US" dirty="0"/>
-              <a:t>)</a:t>
+              <a:t>Robot Code deployment done via WebDAV (replacing use of SSH)</a:t>
             </a:r>
           </a:p>
           <a:p>
@@ -8091,14 +8601,20 @@
               <a:buFont typeface="Wingdings" panose="05000000000000000000" pitchFamily="2" charset="2"/>
               <a:buChar char="Ø"/>
             </a:pPr>
-            <a:endParaRPr lang="en-US" dirty="0"/>
-          </a:p>
-          <a:p>
-            <a:pPr eaLnBrk="1" hangingPunct="1">
+            <a:r>
+              <a:rPr lang="en-US" dirty="0"/>
+              <a:t>Checks multiple address in parallel during deployment, faster deploys.</a:t>
+            </a:r>
+          </a:p>
+          <a:p>
+            <a:pPr lvl="1" eaLnBrk="1" hangingPunct="1">
               <a:buFont typeface="Wingdings" panose="05000000000000000000" pitchFamily="2" charset="2"/>
               <a:buChar char="Ø"/>
             </a:pPr>
-            <a:endParaRPr lang="en-US" dirty="0"/>
+            <a:r>
+              <a:rPr lang="en-US" dirty="0"/>
+              <a:t>TCP based console plugin, coming soon.</a:t>
+            </a:r>
           </a:p>
           <a:p>
             <a:pPr eaLnBrk="1" hangingPunct="1">
@@ -8280,7 +8796,7 @@
     </p:spTree>
     <p:extLst>
       <p:ext uri="{BB962C8B-B14F-4D97-AF65-F5344CB8AC3E}">
-        <p14:creationId xmlns:p14="http://schemas.microsoft.com/office/powerpoint/2010/main" val="705119680"/>
+        <p14:creationId xmlns:p14="http://schemas.microsoft.com/office/powerpoint/2010/main" val="750513154"/>
       </p:ext>
     </p:extLst>
   </p:cSld>
@@ -8355,7 +8871,7 @@
             </a:pPr>
             <a:r>
               <a:rPr lang="en-US" dirty="0"/>
-              <a:t>Java</a:t>
+              <a:t>Java/C++ - CTRE</a:t>
             </a:r>
           </a:p>
           <a:p>
@@ -8365,7 +8881,7 @@
             </a:pPr>
             <a:r>
               <a:rPr lang="en-US" dirty="0"/>
-              <a:t>Java 8 - Eclipse projects should be configured at source code compatibility to 1.8, Java 1.9 not likely to be supported for 2018 season.</a:t>
+              <a:t>CTRE Libraries done view Lifeboat app.</a:t>
             </a:r>
           </a:p>
           <a:p>
@@ -8374,21 +8890,46 @@
               <a:buChar char="Ø"/>
             </a:pPr>
             <a:r>
+              <a:rPr lang="en-US" dirty="0"/>
+              <a:t>CTRE object, library and header restructuring. </a:t>
+            </a:r>
+            <a:r>
               <a:rPr lang="en-US" dirty="0" err="1"/>
-              <a:t>RoboRio</a:t>
+              <a:t>Eg</a:t>
             </a:r>
             <a:r>
               <a:rPr lang="en-US" dirty="0"/>
-              <a:t> JRE – No need for manual install. JRE (</a:t>
+              <a:t>; object name: </a:t>
             </a:r>
             <a:r>
               <a:rPr lang="en-US" dirty="0" err="1"/>
-              <a:t>zulu</a:t>
+              <a:t>TalonSRX</a:t>
             </a:r>
             <a:r>
               <a:rPr lang="en-US" dirty="0"/>
-              <a:t>) deployment done automatically when deploying java code from eclipse.</a:t>
-            </a:r>
+              <a:t> is now </a:t>
+            </a:r>
+            <a:r>
+              <a:rPr lang="en-US" dirty="0" err="1"/>
+              <a:t>PWMTalonSRX</a:t>
+            </a:r>
+            <a:r>
+              <a:rPr lang="en-US" dirty="0"/>
+              <a:t> and </a:t>
+            </a:r>
+            <a:r>
+              <a:rPr lang="en-US" dirty="0" err="1"/>
+              <a:t>CANTalonSRX</a:t>
+            </a:r>
+            <a:r>
+              <a:rPr lang="en-US" dirty="0"/>
+              <a:t> has been renamed to </a:t>
+            </a:r>
+            <a:r>
+              <a:rPr lang="en-US" dirty="0" err="1"/>
+              <a:t>TalonSRX</a:t>
+            </a:r>
+            <a:endParaRPr lang="en-US" dirty="0"/>
           </a:p>
           <a:p>
             <a:pPr lvl="1" eaLnBrk="1" hangingPunct="1">
@@ -8397,11 +8938,35 @@
             </a:pPr>
             <a:r>
               <a:rPr lang="en-US" dirty="0" err="1"/>
-              <a:t>Sendable</a:t>
+              <a:t>roboRIO</a:t>
             </a:r>
             <a:r>
               <a:rPr lang="en-US" dirty="0"/>
-              <a:t> Chooser now keeps entries ordered.</a:t>
+              <a:t> CAN software update must be applied using the 3rd party CTRE Phoenix Lifeboat application (if this isn't done, then no CAN devices, e.g., PDP, PCM, </a:t>
+            </a:r>
+            <a:r>
+              <a:rPr lang="en-US" dirty="0" err="1"/>
+              <a:t>TalonSRX</a:t>
+            </a:r>
+            <a:r>
+              <a:rPr lang="en-US" dirty="0"/>
+              <a:t>, will show up in the </a:t>
+            </a:r>
+            <a:r>
+              <a:rPr lang="en-US" dirty="0" err="1"/>
+              <a:t>roboRIO</a:t>
+            </a:r>
+            <a:r>
+              <a:rPr lang="en-US" dirty="0"/>
+              <a:t> </a:t>
+            </a:r>
+            <a:r>
+              <a:rPr lang="en-US" dirty="0" err="1"/>
+              <a:t>WebDash</a:t>
+            </a:r>
+            <a:r>
+              <a:rPr lang="en-US" dirty="0"/>
+              <a:t>)</a:t>
             </a:r>
           </a:p>
           <a:p>
@@ -8598,7 +9163,7 @@
     </p:spTree>
     <p:extLst>
       <p:ext uri="{BB962C8B-B14F-4D97-AF65-F5344CB8AC3E}">
-        <p14:creationId xmlns:p14="http://schemas.microsoft.com/office/powerpoint/2010/main" val="2936276322"/>
+        <p14:creationId xmlns:p14="http://schemas.microsoft.com/office/powerpoint/2010/main" val="705119680"/>
       </p:ext>
     </p:extLst>
   </p:cSld>
@@ -8673,7 +9238,7 @@
             </a:pPr>
             <a:r>
               <a:rPr lang="en-US" dirty="0"/>
-              <a:t>C++</a:t>
+              <a:t>Java</a:t>
             </a:r>
           </a:p>
           <a:p>
@@ -8683,67 +9248,7 @@
             </a:pPr>
             <a:r>
               <a:rPr lang="en-US" dirty="0"/>
-              <a:t>Restructure of CTRE libraries and headers. </a:t>
-            </a:r>
-            <a:r>
-              <a:rPr lang="en-US" dirty="0" err="1"/>
-              <a:t>Eg</a:t>
-            </a:r>
-            <a:r>
-              <a:rPr lang="en-US" dirty="0"/>
-              <a:t>;</a:t>
-            </a:r>
-          </a:p>
-          <a:p>
-            <a:pPr lvl="2" eaLnBrk="1" hangingPunct="1">
-              <a:buFont typeface="Wingdings" panose="05000000000000000000" pitchFamily="2" charset="2"/>
-              <a:buChar char="Ø"/>
-            </a:pPr>
-            <a:r>
-              <a:rPr lang="en-US" dirty="0"/>
-              <a:t>#include &lt;</a:t>
-            </a:r>
-            <a:r>
-              <a:rPr lang="en-US" dirty="0" err="1"/>
-              <a:t>CANTalon.h</a:t>
-            </a:r>
-            <a:r>
-              <a:rPr lang="en-US" dirty="0"/>
-              <a:t>&gt; is now </a:t>
-            </a:r>
-          </a:p>
-          <a:p>
-            <a:pPr lvl="2" eaLnBrk="1" hangingPunct="1">
-              <a:buFont typeface="Wingdings" panose="05000000000000000000" pitchFamily="2" charset="2"/>
-              <a:buChar char="Ø"/>
-            </a:pPr>
-            <a:r>
-              <a:rPr lang="en-US" dirty="0"/>
-              <a:t>#include "</a:t>
-            </a:r>
-            <a:r>
-              <a:rPr lang="en-US" dirty="0" err="1"/>
-              <a:t>ctre</a:t>
-            </a:r>
-            <a:r>
-              <a:rPr lang="en-US" dirty="0"/>
-              <a:t>/phoenix/</a:t>
-            </a:r>
-            <a:r>
-              <a:rPr lang="en-US" dirty="0" err="1"/>
-              <a:t>MotorControl</a:t>
-            </a:r>
-            <a:r>
-              <a:rPr lang="en-US" dirty="0"/>
-              <a:t>/CAN/</a:t>
-            </a:r>
-            <a:r>
-              <a:rPr lang="en-US" dirty="0" err="1"/>
-              <a:t>TalonSRX.h</a:t>
-            </a:r>
-            <a:r>
-              <a:rPr lang="en-US" dirty="0"/>
-              <a:t>“</a:t>
+              <a:t>Java 8 - Eclipse projects should be configured at source code compatibility to 1.8, Java 1.9 not likely to be supported for 2018 season.</a:t>
             </a:r>
           </a:p>
           <a:p>
@@ -8752,38 +9257,20 @@
               <a:buChar char="Ø"/>
             </a:pPr>
             <a:r>
+              <a:rPr lang="en-US" dirty="0" err="1"/>
+              <a:t>RoboRio</a:t>
+            </a:r>
+            <a:r>
               <a:rPr lang="en-US" dirty="0"/>
-              <a:t>CTRE has put all their classes inside namespaces</a:t>
-            </a:r>
-          </a:p>
-          <a:p>
-            <a:pPr lvl="2" eaLnBrk="1" hangingPunct="1">
-              <a:buFont typeface="Wingdings" panose="05000000000000000000" pitchFamily="2" charset="2"/>
-              <a:buChar char="Ø"/>
-            </a:pPr>
+              <a:t> JRE – No need for manual install. JRE (</a:t>
+            </a:r>
             <a:r>
               <a:rPr lang="en-US" dirty="0" err="1"/>
-              <a:t>Eg</a:t>
+              <a:t>zulu</a:t>
             </a:r>
             <a:r>
               <a:rPr lang="en-US" dirty="0"/>
-              <a:t>; </a:t>
-            </a:r>
-            <a:r>
-              <a:rPr lang="en-US" dirty="0" err="1"/>
-              <a:t>TalonSRX</a:t>
-            </a:r>
-            <a:r>
-              <a:rPr lang="en-US" dirty="0"/>
-              <a:t> is now in the namespace CTRE::</a:t>
-            </a:r>
-            <a:r>
-              <a:rPr lang="en-US" dirty="0" err="1"/>
-              <a:t>MotorControl</a:t>
-            </a:r>
-            <a:r>
-              <a:rPr lang="en-US" dirty="0"/>
-              <a:t>::CAN</a:t>
+              <a:t>) deployment done automatically when deploying java code from eclipse.</a:t>
             </a:r>
           </a:p>
           <a:p>
@@ -8792,17 +9279,27 @@
               <a:buChar char="Ø"/>
             </a:pPr>
             <a:r>
+              <a:rPr lang="en-US" dirty="0" err="1"/>
+              <a:t>Sendable</a:t>
+            </a:r>
+            <a:r>
               <a:rPr lang="en-US" dirty="0"/>
-              <a:t>CTRE will be adding a master include </a:t>
-            </a:r>
-            <a:r>
-              <a:rPr lang="en-US" dirty="0" err="1"/>
-              <a:t>Phoenix.h</a:t>
-            </a:r>
-            <a:r>
-              <a:rPr lang="en-US" dirty="0"/>
-              <a:t> which will include all CTRE includes. One stop shop for CTRE headers.</a:t>
-            </a:r>
+              <a:t> Chooser now keeps entries ordered.</a:t>
+            </a:r>
+          </a:p>
+          <a:p>
+            <a:pPr lvl="1" eaLnBrk="1" hangingPunct="1">
+              <a:buFont typeface="Wingdings" panose="05000000000000000000" pitchFamily="2" charset="2"/>
+              <a:buChar char="Ø"/>
+            </a:pPr>
+            <a:endParaRPr lang="en-US" dirty="0"/>
+          </a:p>
+          <a:p>
+            <a:pPr eaLnBrk="1" hangingPunct="1">
+              <a:buFont typeface="Wingdings" panose="05000000000000000000" pitchFamily="2" charset="2"/>
+              <a:buChar char="Ø"/>
+            </a:pPr>
+            <a:endParaRPr lang="en-US" dirty="0"/>
           </a:p>
           <a:p>
             <a:pPr eaLnBrk="1" hangingPunct="1">
@@ -8981,93 +9478,10 @@
           </a:p>
         </p:txBody>
       </p:sp>
-      <p:sp>
-        <p:nvSpPr>
-          <p:cNvPr id="10" name="Rectangle 9">
-            <a:extLst>
-              <a:ext uri="{FF2B5EF4-FFF2-40B4-BE49-F238E27FC236}">
-                <a16:creationId xmlns:a16="http://schemas.microsoft.com/office/drawing/2014/main" id="{0B2DC1F1-092E-4717-A6D5-1307C9E32990}"/>
-              </a:ext>
-            </a:extLst>
-          </p:cNvPr>
-          <p:cNvSpPr>
-            <a:spLocks noChangeArrowheads="1"/>
-          </p:cNvSpPr>
-          <p:nvPr/>
-        </p:nvSpPr>
-        <p:spPr bwMode="auto">
-          <a:xfrm>
-            <a:off x="0" y="47304"/>
-            <a:ext cx="3313408" cy="362592"/>
-          </a:xfrm>
-          <a:prstGeom prst="rect">
-            <a:avLst/>
-          </a:prstGeom>
-          <a:solidFill>
-            <a:srgbClr val="FFFFFF"/>
-          </a:solidFill>
-          <a:ln>
-            <a:noFill/>
-          </a:ln>
-          <a:effectLst/>
-          <a:extLst>
-            <a:ext uri="{91240B29-F687-4F45-9708-019B960494DF}">
-              <a14:hiddenLine xmlns:a14="http://schemas.microsoft.com/office/drawing/2010/main" w="9525">
-                <a:solidFill>
-                  <a:schemeClr val="tx1"/>
-                </a:solidFill>
-                <a:miter lim="800000"/>
-                <a:headEnd/>
-                <a:tailEnd/>
-              </a14:hiddenLine>
-            </a:ext>
-            <a:ext uri="{AF507438-7753-43E0-B8FC-AC1667EBCBE1}">
-              <a14:hiddenEffects xmlns:a14="http://schemas.microsoft.com/office/drawing/2010/main">
-                <a:effectLst>
-                  <a:outerShdw dist="35921" dir="2700000" algn="ctr" rotWithShape="0">
-                    <a:schemeClr val="bg2"/>
-                  </a:outerShdw>
-                </a:effectLst>
-              </a14:hiddenEffects>
-            </a:ext>
-          </a:extLst>
-        </p:spPr>
-        <p:txBody>
-          <a:bodyPr vert="horz" wrap="none" lIns="0" tIns="23805" rIns="0" bIns="0" numCol="1" anchor="ctr" anchorCtr="0" compatLnSpc="1">
-            <a:prstTxWarp prst="textNoShape">
-              <a:avLst/>
-            </a:prstTxWarp>
-            <a:spAutoFit/>
-          </a:bodyPr>
-          <a:lstStyle/>
-          <a:p>
-            <a:pPr marL="0" marR="0" lvl="0" indent="0" algn="l" defTabSz="914400" rtl="0" eaLnBrk="0" fontAlgn="base" latinLnBrk="0" hangingPunct="0">
-              <a:lnSpc>
-                <a:spcPct val="100000"/>
-              </a:lnSpc>
-              <a:spcBef>
-                <a:spcPct val="0"/>
-              </a:spcBef>
-              <a:spcAft>
-                <a:spcPct val="0"/>
-              </a:spcAft>
-              <a:buClrTx/>
-              <a:buSzTx/>
-              <a:buFontTx/>
-              <a:buNone/>
-              <a:tabLst/>
-            </a:pPr>
-            <a:r>
-              <a:rPr lang="en-US" altLang="en-US"/>
-              <a:t>CTRE::MotorControl::CAN </a:t>
-            </a:r>
-          </a:p>
-        </p:txBody>
-      </p:sp>
     </p:spTree>
     <p:extLst>
       <p:ext uri="{BB962C8B-B14F-4D97-AF65-F5344CB8AC3E}">
-        <p14:creationId xmlns:p14="http://schemas.microsoft.com/office/powerpoint/2010/main" val="4226684266"/>
+        <p14:creationId xmlns:p14="http://schemas.microsoft.com/office/powerpoint/2010/main" val="2936276322"/>
       </p:ext>
     </p:extLst>
   </p:cSld>
@@ -9142,7 +9556,7 @@
             </a:pPr>
             <a:r>
               <a:rPr lang="en-US" dirty="0"/>
-              <a:t>Network Tables</a:t>
+              <a:t>C++</a:t>
             </a:r>
           </a:p>
           <a:p>
@@ -9152,7 +9566,15 @@
             </a:pPr>
             <a:r>
               <a:rPr lang="en-US" dirty="0"/>
-              <a:t>Improved Connection Synchronization Behavior</a:t>
+              <a:t>Restructure of CTRE libraries and headers. </a:t>
+            </a:r>
+            <a:r>
+              <a:rPr lang="en-US" dirty="0" err="1"/>
+              <a:t>Eg</a:t>
+            </a:r>
+            <a:r>
+              <a:rPr lang="en-US" dirty="0"/>
+              <a:t>;</a:t>
             </a:r>
           </a:p>
           <a:p>
@@ -9161,8 +9583,50 @@
               <a:buChar char="Ø"/>
             </a:pPr>
             <a:r>
-              <a:rPr lang="en-US" altLang="en-US" dirty="0"/>
-              <a:t>Reduction or elimination of phantom keys.</a:t>
+              <a:rPr lang="en-US" dirty="0"/>
+              <a:t>#include &lt;</a:t>
+            </a:r>
+            <a:r>
+              <a:rPr lang="en-US" dirty="0" err="1"/>
+              <a:t>CANTalon.h</a:t>
+            </a:r>
+            <a:r>
+              <a:rPr lang="en-US" dirty="0"/>
+              <a:t>&gt; is now </a:t>
+            </a:r>
+          </a:p>
+          <a:p>
+            <a:pPr lvl="2" eaLnBrk="1" hangingPunct="1">
+              <a:buFont typeface="Wingdings" panose="05000000000000000000" pitchFamily="2" charset="2"/>
+              <a:buChar char="Ø"/>
+            </a:pPr>
+            <a:r>
+              <a:rPr lang="en-US" dirty="0"/>
+              <a:t>#include "</a:t>
+            </a:r>
+            <a:r>
+              <a:rPr lang="en-US" dirty="0" err="1"/>
+              <a:t>ctre</a:t>
+            </a:r>
+            <a:r>
+              <a:rPr lang="en-US" dirty="0"/>
+              <a:t>/phoenix/</a:t>
+            </a:r>
+            <a:r>
+              <a:rPr lang="en-US" dirty="0" err="1"/>
+              <a:t>MotorControl</a:t>
+            </a:r>
+            <a:r>
+              <a:rPr lang="en-US" dirty="0"/>
+              <a:t>/CAN/</a:t>
+            </a:r>
+            <a:r>
+              <a:rPr lang="en-US" dirty="0" err="1"/>
+              <a:t>TalonSRX.h</a:t>
+            </a:r>
+            <a:r>
+              <a:rPr lang="en-US" dirty="0"/>
+              <a:t>“</a:t>
             </a:r>
           </a:p>
           <a:p>
@@ -9171,8 +9635,8 @@
               <a:buChar char="Ø"/>
             </a:pPr>
             <a:r>
-              <a:rPr lang="en-US" altLang="en-US" dirty="0"/>
-              <a:t>Client / Server data sync optimization.</a:t>
+              <a:rPr lang="en-US" dirty="0"/>
+              <a:t>CTRE has put all their classes inside namespaces</a:t>
             </a:r>
           </a:p>
           <a:p>
@@ -9181,18 +9645,28 @@
               <a:buChar char="Ø"/>
             </a:pPr>
             <a:r>
-              <a:rPr lang="en-US" altLang="en-US" dirty="0"/>
-              <a:t>Client changed data is push to server.</a:t>
-            </a:r>
-          </a:p>
-          <a:p>
-            <a:pPr lvl="2" eaLnBrk="1" hangingPunct="1">
-              <a:buFont typeface="Wingdings" panose="05000000000000000000" pitchFamily="2" charset="2"/>
-              <a:buChar char="Ø"/>
-            </a:pPr>
-            <a:r>
-              <a:rPr lang="en-US" altLang="en-US" dirty="0"/>
-              <a:t>Client unchanged data is either removed or pushed from server.</a:t>
+              <a:rPr lang="en-US" dirty="0" err="1"/>
+              <a:t>Eg</a:t>
+            </a:r>
+            <a:r>
+              <a:rPr lang="en-US" dirty="0"/>
+              <a:t>; </a:t>
+            </a:r>
+            <a:r>
+              <a:rPr lang="en-US" dirty="0" err="1"/>
+              <a:t>TalonSRX</a:t>
+            </a:r>
+            <a:r>
+              <a:rPr lang="en-US" dirty="0"/>
+              <a:t> is now in the namespace CTRE::</a:t>
+            </a:r>
+            <a:r>
+              <a:rPr lang="en-US" dirty="0" err="1"/>
+              <a:t>MotorControl</a:t>
+            </a:r>
+            <a:r>
+              <a:rPr lang="en-US" dirty="0"/>
+              <a:t>::CAN</a:t>
             </a:r>
           </a:p>
           <a:p>
@@ -9201,34 +9675,24 @@
               <a:buChar char="Ø"/>
             </a:pPr>
             <a:r>
-              <a:rPr lang="en-US" altLang="en-US" dirty="0"/>
-              <a:t>JSON is a valid data structure via </a:t>
-            </a:r>
-            <a:r>
-              <a:rPr lang="en-US" altLang="en-US" dirty="0" err="1"/>
-              <a:t>NetworkTables</a:t>
-            </a:r>
-            <a:endParaRPr lang="en-US" altLang="en-US" dirty="0"/>
-          </a:p>
-          <a:p>
-            <a:pPr lvl="1" eaLnBrk="1" hangingPunct="1">
+              <a:rPr lang="en-US" dirty="0"/>
+              <a:t>CTRE will be adding a master include </a:t>
+            </a:r>
+            <a:r>
+              <a:rPr lang="en-US" dirty="0" err="1"/>
+              <a:t>Phoenix.h</a:t>
+            </a:r>
+            <a:r>
+              <a:rPr lang="en-US" dirty="0"/>
+              <a:t> which will include all CTRE includes. One stop shop for CTRE headers.</a:t>
+            </a:r>
+          </a:p>
+          <a:p>
+            <a:pPr eaLnBrk="1" hangingPunct="1">
               <a:buFont typeface="Wingdings" panose="05000000000000000000" pitchFamily="2" charset="2"/>
               <a:buChar char="Ø"/>
             </a:pPr>
-            <a:r>
-              <a:rPr lang="en-US" altLang="en-US" dirty="0"/>
-              <a:t>Improved performance</a:t>
-            </a:r>
-          </a:p>
-          <a:p>
-            <a:pPr lvl="1" eaLnBrk="1" hangingPunct="1">
-              <a:buFont typeface="Wingdings" panose="05000000000000000000" pitchFamily="2" charset="2"/>
-              <a:buChar char="Ø"/>
-            </a:pPr>
-            <a:r>
-              <a:rPr lang="en-US" altLang="en-US" dirty="0"/>
-              <a:t>Java callbacks handled by java thread vs native thread</a:t>
-            </a:r>
+            <a:endParaRPr lang="en-US" altLang="en-US" dirty="0"/>
           </a:p>
         </p:txBody>
       </p:sp>
@@ -9486,7 +9950,7 @@
     </p:spTree>
     <p:extLst>
       <p:ext uri="{BB962C8B-B14F-4D97-AF65-F5344CB8AC3E}">
-        <p14:creationId xmlns:p14="http://schemas.microsoft.com/office/powerpoint/2010/main" val="2878299262"/>
+        <p14:creationId xmlns:p14="http://schemas.microsoft.com/office/powerpoint/2010/main" val="4226684266"/>
       </p:ext>
     </p:extLst>
   </p:cSld>
@@ -9561,7 +10025,7 @@
             </a:pPr>
             <a:r>
               <a:rPr lang="en-US" dirty="0"/>
-              <a:t>Misc.</a:t>
+              <a:t>Network Tables</a:t>
             </a:r>
           </a:p>
           <a:p>
@@ -9570,10 +10034,9 @@
               <a:buChar char="Ø"/>
             </a:pPr>
             <a:r>
-              <a:rPr lang="en-US" altLang="en-US" dirty="0" err="1"/>
-              <a:t>Smartdashboard</a:t>
-            </a:r>
-            <a:endParaRPr lang="en-US" altLang="en-US" dirty="0"/>
+              <a:rPr lang="en-US" dirty="0"/>
+              <a:t>Improved Connection Synchronization Behavior</a:t>
+            </a:r>
           </a:p>
           <a:p>
             <a:pPr lvl="2" eaLnBrk="1" hangingPunct="1">
@@ -9582,15 +10045,17 @@
             </a:pPr>
             <a:r>
               <a:rPr lang="en-US" altLang="en-US" dirty="0"/>
-              <a:t>Shuffleboard dashboard added. – See notes, </a:t>
-            </a:r>
-            <a:r>
-              <a:rPr lang="en-US" altLang="en-US" dirty="0" err="1"/>
-              <a:t>eg</a:t>
-            </a:r>
+              <a:t>Reduction or elimination of phantom keys.</a:t>
+            </a:r>
+          </a:p>
+          <a:p>
+            <a:pPr lvl="1" eaLnBrk="1" hangingPunct="1">
+              <a:buFont typeface="Wingdings" panose="05000000000000000000" pitchFamily="2" charset="2"/>
+              <a:buChar char="Ø"/>
+            </a:pPr>
             <a:r>
               <a:rPr lang="en-US" altLang="en-US" dirty="0"/>
-              <a:t>. The future?</a:t>
+              <a:t>Client / Server data sync optimization.</a:t>
             </a:r>
           </a:p>
           <a:p>
@@ -9600,7 +10065,17 @@
             </a:pPr>
             <a:r>
               <a:rPr lang="en-US" altLang="en-US" dirty="0"/>
-              <a:t>SFK dashboard is gone.</a:t>
+              <a:t>Client changed data is push to server.</a:t>
+            </a:r>
+          </a:p>
+          <a:p>
+            <a:pPr lvl="2" eaLnBrk="1" hangingPunct="1">
+              <a:buFont typeface="Wingdings" panose="05000000000000000000" pitchFamily="2" charset="2"/>
+              <a:buChar char="Ø"/>
+            </a:pPr>
+            <a:r>
+              <a:rPr lang="en-US" altLang="en-US" dirty="0"/>
+              <a:t>Client unchanged data is either removed or pushed from server.</a:t>
             </a:r>
           </a:p>
           <a:p>
@@ -9610,27 +10085,32 @@
             </a:pPr>
             <a:r>
               <a:rPr lang="en-US" altLang="en-US" dirty="0"/>
-              <a:t>Outline Viewer</a:t>
-            </a:r>
-          </a:p>
-          <a:p>
-            <a:pPr lvl="2" eaLnBrk="1" hangingPunct="1">
+              <a:t>JSON is a valid data structure via </a:t>
+            </a:r>
+            <a:r>
+              <a:rPr lang="en-US" altLang="en-US" dirty="0" err="1"/>
+              <a:t>NetworkTables</a:t>
+            </a:r>
+            <a:endParaRPr lang="en-US" altLang="en-US" dirty="0"/>
+          </a:p>
+          <a:p>
+            <a:pPr lvl="1" eaLnBrk="1" hangingPunct="1">
               <a:buFont typeface="Wingdings" panose="05000000000000000000" pitchFamily="2" charset="2"/>
               <a:buChar char="Ø"/>
             </a:pPr>
             <a:r>
               <a:rPr lang="en-US" altLang="en-US" dirty="0"/>
-              <a:t>Rewritten in JavaFX</a:t>
-            </a:r>
-          </a:p>
-          <a:p>
-            <a:pPr lvl="2" eaLnBrk="1" hangingPunct="1">
+              <a:t>Improved performance</a:t>
+            </a:r>
+          </a:p>
+          <a:p>
+            <a:pPr lvl="1" eaLnBrk="1" hangingPunct="1">
               <a:buFont typeface="Wingdings" panose="05000000000000000000" pitchFamily="2" charset="2"/>
               <a:buChar char="Ø"/>
             </a:pPr>
             <a:r>
               <a:rPr lang="en-US" altLang="en-US" dirty="0"/>
-              <a:t>Checkboxes for Booleans.</a:t>
+              <a:t>Java callbacks handled by java thread vs native thread</a:t>
             </a:r>
           </a:p>
         </p:txBody>
@@ -9889,7 +10369,7 @@
     </p:spTree>
     <p:extLst>
       <p:ext uri="{BB962C8B-B14F-4D97-AF65-F5344CB8AC3E}">
-        <p14:creationId xmlns:p14="http://schemas.microsoft.com/office/powerpoint/2010/main" val="15761669"/>
+        <p14:creationId xmlns:p14="http://schemas.microsoft.com/office/powerpoint/2010/main" val="2878299262"/>
       </p:ext>
     </p:extLst>
   </p:cSld>
@@ -9918,7 +10398,7 @@
       </p:grpSpPr>
       <p:sp>
         <p:nvSpPr>
-          <p:cNvPr id="2" name="Title 1"/>
+          <p:cNvPr id="17410" name="Title 1"/>
           <p:cNvSpPr>
             <a:spLocks noGrp="1"/>
           </p:cNvSpPr>
@@ -9932,43 +10412,15 @@
           <a:lstStyle/>
           <a:p>
             <a:r>
-              <a:rPr lang="en-US" dirty="0"/>
-              <a:t>Software Order of Installation</a:t>
-            </a:r>
-          </a:p>
-        </p:txBody>
-      </p:sp>
-      <p:sp>
-        <p:nvSpPr>
-          <p:cNvPr id="4" name="Footer Placeholder 3"/>
-          <p:cNvSpPr>
-            <a:spLocks noGrp="1"/>
-          </p:cNvSpPr>
-          <p:nvPr>
-            <p:ph type="ftr" sz="quarter" idx="10"/>
-          </p:nvPr>
-        </p:nvSpPr>
-        <p:spPr/>
-        <p:txBody>
-          <a:bodyPr/>
-          <a:lstStyle/>
-          <a:p>
-            <a:pPr eaLnBrk="1" hangingPunct="1"/>
-            <a:r>
-              <a:rPr lang="en-US" altLang="en-US" dirty="0"/>
-              <a:t>2017  MN </a:t>
-            </a:r>
-            <a:r>
-              <a:rPr lang="en-US" altLang="en-US" i="1" dirty="0"/>
-              <a:t>FIRST Jump Start</a:t>
-            </a:r>
-            <a:endParaRPr lang="en-US" altLang="en-US" dirty="0"/>
-          </a:p>
-        </p:txBody>
-      </p:sp>
-      <p:sp>
-        <p:nvSpPr>
-          <p:cNvPr id="5" name="Content Placeholder 2"/>
+              <a:rPr lang="en-US" sz="2800" dirty="0"/>
+              <a:t>Changes for the 2018 season control system</a:t>
+            </a:r>
+          </a:p>
+        </p:txBody>
+      </p:sp>
+      <p:sp>
+        <p:nvSpPr>
+          <p:cNvPr id="17411" name="Content Placeholder 2"/>
           <p:cNvSpPr>
             <a:spLocks noGrp="1"/>
           </p:cNvSpPr>
@@ -9992,131 +10444,335 @@
             </a:pPr>
             <a:r>
               <a:rPr lang="en-US" dirty="0"/>
-              <a:t>Install the programming language of your choice: Basic LabVIEW 2017 or Java/C++</a:t>
-            </a:r>
-          </a:p>
-          <a:p>
-            <a:pPr eaLnBrk="1" hangingPunct="1">
+              <a:t>Misc.</a:t>
+            </a:r>
+          </a:p>
+          <a:p>
+            <a:pPr lvl="1" eaLnBrk="1" hangingPunct="1">
               <a:buFont typeface="Wingdings" panose="05000000000000000000" pitchFamily="2" charset="2"/>
               <a:buChar char="Ø"/>
             </a:pPr>
             <a:r>
-              <a:rPr lang="en-US" dirty="0"/>
-              <a:t>FRC Update</a:t>
-            </a:r>
-          </a:p>
-          <a:p>
-            <a:pPr eaLnBrk="1" hangingPunct="1">
+              <a:rPr lang="en-US" altLang="en-US" dirty="0" err="1"/>
+              <a:t>Smartdashboard</a:t>
+            </a:r>
+            <a:endParaRPr lang="en-US" altLang="en-US" dirty="0"/>
+          </a:p>
+          <a:p>
+            <a:pPr lvl="2" eaLnBrk="1" hangingPunct="1">
               <a:buFont typeface="Wingdings" panose="05000000000000000000" pitchFamily="2" charset="2"/>
               <a:buChar char="Ø"/>
             </a:pPr>
             <a:r>
-              <a:rPr lang="en-US" dirty="0"/>
-              <a:t>You get a message if the Microsoft .NET Framework 3.5 needs to be installed separately</a:t>
-            </a:r>
-          </a:p>
-          <a:p>
-            <a:pPr eaLnBrk="1" hangingPunct="1">
+              <a:rPr lang="en-US" altLang="en-US" dirty="0"/>
+              <a:t>Shuffleboard dashboard added. – See notes, </a:t>
+            </a:r>
+            <a:r>
+              <a:rPr lang="en-US" altLang="en-US" dirty="0" err="1"/>
+              <a:t>eg</a:t>
+            </a:r>
+            <a:r>
+              <a:rPr lang="en-US" altLang="en-US" dirty="0"/>
+              <a:t>. The future?</a:t>
+            </a:r>
+          </a:p>
+          <a:p>
+            <a:pPr lvl="2" eaLnBrk="1" hangingPunct="1">
               <a:buFont typeface="Wingdings" panose="05000000000000000000" pitchFamily="2" charset="2"/>
               <a:buChar char="Ø"/>
             </a:pPr>
             <a:r>
-              <a:rPr lang="en-US" dirty="0">
-                <a:hlinkClick r:id="rId2" tooltip="Beta2018"/>
-              </a:rPr>
-              <a:t>CTRE Installer</a:t>
-            </a:r>
-            <a:r>
-              <a:rPr lang="en-US" dirty="0"/>
-              <a:t>-obtained separately</a:t>
-            </a:r>
-          </a:p>
-          <a:p>
-            <a:pPr eaLnBrk="1" hangingPunct="1">
+              <a:rPr lang="en-US" altLang="en-US" dirty="0"/>
+              <a:t>SFK dashboard is gone.</a:t>
+            </a:r>
+          </a:p>
+          <a:p>
+            <a:pPr lvl="1" eaLnBrk="1" hangingPunct="1">
               <a:buFont typeface="Wingdings" panose="05000000000000000000" pitchFamily="2" charset="2"/>
               <a:buChar char="Ø"/>
             </a:pPr>
             <a:r>
-              <a:rPr lang="en-US" dirty="0"/>
-              <a:t>Reimage </a:t>
-            </a:r>
-            <a:r>
-              <a:rPr lang="en-US" dirty="0" err="1"/>
-              <a:t>roboRIO</a:t>
-            </a:r>
-            <a:r>
-              <a:rPr lang="en-US" dirty="0"/>
-              <a:t> (operating system) </a:t>
-            </a:r>
-          </a:p>
-          <a:p>
-            <a:pPr eaLnBrk="1" hangingPunct="1">
+              <a:rPr lang="en-US" altLang="en-US" dirty="0"/>
+              <a:t>Outline Viewer</a:t>
+            </a:r>
+          </a:p>
+          <a:p>
+            <a:pPr lvl="2" eaLnBrk="1" hangingPunct="1">
               <a:buFont typeface="Wingdings" panose="05000000000000000000" pitchFamily="2" charset="2"/>
               <a:buChar char="Ø"/>
             </a:pPr>
             <a:r>
-              <a:rPr lang="en-US" dirty="0"/>
-              <a:t>Other 3rd Party installations, e.g., NAVX</a:t>
-            </a:r>
-          </a:p>
-          <a:p>
-            <a:pPr eaLnBrk="1" hangingPunct="1">
+              <a:rPr lang="en-US" altLang="en-US" dirty="0"/>
+              <a:t>Rewritten in JavaFX</a:t>
+            </a:r>
+          </a:p>
+          <a:p>
+            <a:pPr lvl="2" eaLnBrk="1" hangingPunct="1">
               <a:buFont typeface="Wingdings" panose="05000000000000000000" pitchFamily="2" charset="2"/>
               <a:buChar char="Ø"/>
             </a:pPr>
             <a:r>
-              <a:rPr lang="en-US" dirty="0"/>
-              <a:t>Compile and Download User Code</a:t>
-            </a:r>
-            <a:endParaRPr lang="en-US" altLang="en-US" dirty="0"/>
-          </a:p>
-        </p:txBody>
-      </p:sp>
-      <p:pic>
-        <p:nvPicPr>
-          <p:cNvPr id="6" name="Picture 2" descr="https://lh3.googleusercontent.com/whV856uT_V-PMVpGMM2I--_xyYUcTkSA8pSILVGbTBdmffy87jvHb9d6CAKuAvxYZ8CZE4LaimRuIGq23GM-fyMcsIzGdzfEfZt0kscqkFy7iH7uqxMVUH-wHIWEX66AbDTmfUM9FN8"/>
-          <p:cNvPicPr>
-            <a:picLocks noChangeAspect="1" noChangeArrowheads="1"/>
-          </p:cNvPicPr>
-          <p:nvPr/>
-        </p:nvPicPr>
-        <p:blipFill>
-          <a:blip r:embed="rId3">
+              <a:rPr lang="en-US" altLang="en-US" dirty="0"/>
+              <a:t>Checkboxes for Booleans.</a:t>
+            </a:r>
+          </a:p>
+        </p:txBody>
+      </p:sp>
+      <p:sp>
+        <p:nvSpPr>
+          <p:cNvPr id="17412" name="Footer Placeholder 3"/>
+          <p:cNvSpPr>
+            <a:spLocks noGrp="1"/>
+          </p:cNvSpPr>
+          <p:nvPr>
+            <p:ph type="ftr" sz="quarter" idx="10"/>
+          </p:nvPr>
+        </p:nvSpPr>
+        <p:spPr>
+          <a:noFill/>
+          <a:ln/>
+          <a:extLst>
+            <a:ext uri="{909E8E84-426E-40DD-AFC4-6F175D3DCCD1}">
+              <a14:hiddenFill xmlns:a14="http://schemas.microsoft.com/office/drawing/2010/main">
+                <a:solidFill>
+                  <a:srgbClr val="FFFFFF"/>
+                </a:solidFill>
+              </a14:hiddenFill>
+            </a:ext>
+            <a:ext uri="{91240B29-F687-4F45-9708-019B960494DF}">
+              <a14:hiddenLine xmlns:a14="http://schemas.microsoft.com/office/drawing/2010/main" w="9525">
+                <a:solidFill>
+                  <a:srgbClr val="000000"/>
+                </a:solidFill>
+                <a:miter lim="800000"/>
+                <a:headEnd/>
+                <a:tailEnd/>
+              </a14:hiddenLine>
+            </a:ext>
+          </a:extLst>
+        </p:spPr>
+        <p:txBody>
+          <a:bodyPr/>
+          <a:lstStyle>
+            <a:lvl1pPr eaLnBrk="0" hangingPunct="0">
+              <a:defRPr sz="2200">
+                <a:solidFill>
+                  <a:srgbClr val="FFFFFF"/>
+                </a:solidFill>
+                <a:latin typeface="Trebuchet MS" panose="020B0603020202020204" pitchFamily="34" charset="0"/>
+                <a:cs typeface="Times New Roman" panose="02020603050405020304" pitchFamily="18" charset="0"/>
+              </a:defRPr>
+            </a:lvl1pPr>
+            <a:lvl2pPr marL="742950" indent="-285750" eaLnBrk="0" hangingPunct="0">
+              <a:defRPr sz="2200">
+                <a:solidFill>
+                  <a:srgbClr val="FFFFFF"/>
+                </a:solidFill>
+                <a:latin typeface="Trebuchet MS" panose="020B0603020202020204" pitchFamily="34" charset="0"/>
+                <a:cs typeface="Times New Roman" panose="02020603050405020304" pitchFamily="18" charset="0"/>
+              </a:defRPr>
+            </a:lvl2pPr>
+            <a:lvl3pPr marL="1143000" indent="-228600" eaLnBrk="0" hangingPunct="0">
+              <a:defRPr sz="2200">
+                <a:solidFill>
+                  <a:srgbClr val="FFFFFF"/>
+                </a:solidFill>
+                <a:latin typeface="Trebuchet MS" panose="020B0603020202020204" pitchFamily="34" charset="0"/>
+                <a:cs typeface="Times New Roman" panose="02020603050405020304" pitchFamily="18" charset="0"/>
+              </a:defRPr>
+            </a:lvl3pPr>
+            <a:lvl4pPr marL="1600200" indent="-228600" eaLnBrk="0" hangingPunct="0">
+              <a:defRPr sz="2200">
+                <a:solidFill>
+                  <a:srgbClr val="FFFFFF"/>
+                </a:solidFill>
+                <a:latin typeface="Trebuchet MS" panose="020B0603020202020204" pitchFamily="34" charset="0"/>
+                <a:cs typeface="Times New Roman" panose="02020603050405020304" pitchFamily="18" charset="0"/>
+              </a:defRPr>
+            </a:lvl4pPr>
+            <a:lvl5pPr marL="2057400" indent="-228600" eaLnBrk="0" hangingPunct="0">
+              <a:defRPr sz="2200">
+                <a:solidFill>
+                  <a:srgbClr val="FFFFFF"/>
+                </a:solidFill>
+                <a:latin typeface="Trebuchet MS" panose="020B0603020202020204" pitchFamily="34" charset="0"/>
+                <a:cs typeface="Times New Roman" panose="02020603050405020304" pitchFamily="18" charset="0"/>
+              </a:defRPr>
+            </a:lvl5pPr>
+            <a:lvl6pPr marL="2514600" indent="-228600" eaLnBrk="0" fontAlgn="base" hangingPunct="0">
+              <a:spcBef>
+                <a:spcPct val="0"/>
+              </a:spcBef>
+              <a:spcAft>
+                <a:spcPct val="0"/>
+              </a:spcAft>
+              <a:defRPr sz="2200">
+                <a:solidFill>
+                  <a:srgbClr val="FFFFFF"/>
+                </a:solidFill>
+                <a:latin typeface="Trebuchet MS" panose="020B0603020202020204" pitchFamily="34" charset="0"/>
+                <a:cs typeface="Times New Roman" panose="02020603050405020304" pitchFamily="18" charset="0"/>
+              </a:defRPr>
+            </a:lvl6pPr>
+            <a:lvl7pPr marL="2971800" indent="-228600" eaLnBrk="0" fontAlgn="base" hangingPunct="0">
+              <a:spcBef>
+                <a:spcPct val="0"/>
+              </a:spcBef>
+              <a:spcAft>
+                <a:spcPct val="0"/>
+              </a:spcAft>
+              <a:defRPr sz="2200">
+                <a:solidFill>
+                  <a:srgbClr val="FFFFFF"/>
+                </a:solidFill>
+                <a:latin typeface="Trebuchet MS" panose="020B0603020202020204" pitchFamily="34" charset="0"/>
+                <a:cs typeface="Times New Roman" panose="02020603050405020304" pitchFamily="18" charset="0"/>
+              </a:defRPr>
+            </a:lvl7pPr>
+            <a:lvl8pPr marL="3429000" indent="-228600" eaLnBrk="0" fontAlgn="base" hangingPunct="0">
+              <a:spcBef>
+                <a:spcPct val="0"/>
+              </a:spcBef>
+              <a:spcAft>
+                <a:spcPct val="0"/>
+              </a:spcAft>
+              <a:defRPr sz="2200">
+                <a:solidFill>
+                  <a:srgbClr val="FFFFFF"/>
+                </a:solidFill>
+                <a:latin typeface="Trebuchet MS" panose="020B0603020202020204" pitchFamily="34" charset="0"/>
+                <a:cs typeface="Times New Roman" panose="02020603050405020304" pitchFamily="18" charset="0"/>
+              </a:defRPr>
+            </a:lvl8pPr>
+            <a:lvl9pPr marL="3886200" indent="-228600" eaLnBrk="0" fontAlgn="base" hangingPunct="0">
+              <a:spcBef>
+                <a:spcPct val="0"/>
+              </a:spcBef>
+              <a:spcAft>
+                <a:spcPct val="0"/>
+              </a:spcAft>
+              <a:defRPr sz="2200">
+                <a:solidFill>
+                  <a:srgbClr val="FFFFFF"/>
+                </a:solidFill>
+                <a:latin typeface="Trebuchet MS" panose="020B0603020202020204" pitchFamily="34" charset="0"/>
+                <a:cs typeface="Times New Roman" panose="02020603050405020304" pitchFamily="18" charset="0"/>
+              </a:defRPr>
+            </a:lvl9pPr>
+          </a:lstStyle>
+          <a:p>
+            <a:pPr eaLnBrk="1" hangingPunct="1"/>
+            <a:r>
+              <a:rPr lang="en-US" altLang="en-US" sz="1400" dirty="0">
+                <a:solidFill>
+                  <a:schemeClr val="tx1"/>
+                </a:solidFill>
+              </a:rPr>
+              <a:t>2017  MN </a:t>
+            </a:r>
+            <a:r>
+              <a:rPr lang="en-US" altLang="en-US" sz="1400" i="1" dirty="0">
+                <a:solidFill>
+                  <a:schemeClr val="tx1"/>
+                </a:solidFill>
+              </a:rPr>
+              <a:t>FIRST Jump Start</a:t>
+            </a:r>
+            <a:endParaRPr lang="en-US" altLang="en-US" sz="1400" dirty="0">
+              <a:solidFill>
+                <a:schemeClr val="tx1"/>
+              </a:solidFill>
+            </a:endParaRPr>
+          </a:p>
+        </p:txBody>
+      </p:sp>
+      <p:sp>
+        <p:nvSpPr>
+          <p:cNvPr id="10" name="Rectangle 9">
             <a:extLst>
-              <a:ext uri="{28A0092B-C50C-407E-A947-70E740481C1C}">
-                <a14:useLocalDpi xmlns:a14="http://schemas.microsoft.com/office/drawing/2010/main" val="0"/>
+              <a:ext uri="{FF2B5EF4-FFF2-40B4-BE49-F238E27FC236}">
+                <a16:creationId xmlns:a16="http://schemas.microsoft.com/office/drawing/2014/main" id="{0B2DC1F1-092E-4717-A6D5-1307C9E32990}"/>
               </a:ext>
             </a:extLst>
-          </a:blip>
-          <a:srcRect/>
-          <a:stretch>
-            <a:fillRect/>
-          </a:stretch>
-        </p:blipFill>
+          </p:cNvPr>
+          <p:cNvSpPr>
+            <a:spLocks noChangeArrowheads="1"/>
+          </p:cNvSpPr>
+          <p:nvPr/>
+        </p:nvSpPr>
         <p:spPr bwMode="auto">
           <a:xfrm>
-            <a:off x="6172200" y="5444963"/>
-            <a:ext cx="3505200" cy="2238260"/>
+            <a:off x="0" y="47304"/>
+            <a:ext cx="3313408" cy="362592"/>
           </a:xfrm>
           <a:prstGeom prst="rect">
             <a:avLst/>
           </a:prstGeom>
-          <a:noFill/>
+          <a:solidFill>
+            <a:srgbClr val="FFFFFF"/>
+          </a:solidFill>
+          <a:ln>
+            <a:noFill/>
+          </a:ln>
+          <a:effectLst/>
           <a:extLst>
-            <a:ext uri="{909E8E84-426E-40DD-AFC4-6F175D3DCCD1}">
-              <a14:hiddenFill xmlns:a14="http://schemas.microsoft.com/office/drawing/2010/main">
-                <a:solidFill>
-                  <a:srgbClr val="FFFFFF"/>
-                </a:solidFill>
-              </a14:hiddenFill>
+            <a:ext uri="{91240B29-F687-4F45-9708-019B960494DF}">
+              <a14:hiddenLine xmlns:a14="http://schemas.microsoft.com/office/drawing/2010/main" w="9525">
+                <a:solidFill>
+                  <a:schemeClr val="tx1"/>
+                </a:solidFill>
+                <a:miter lim="800000"/>
+                <a:headEnd/>
+                <a:tailEnd/>
+              </a14:hiddenLine>
+            </a:ext>
+            <a:ext uri="{AF507438-7753-43E0-B8FC-AC1667EBCBE1}">
+              <a14:hiddenEffects xmlns:a14="http://schemas.microsoft.com/office/drawing/2010/main">
+                <a:effectLst>
+                  <a:outerShdw dist="35921" dir="2700000" algn="ctr" rotWithShape="0">
+                    <a:schemeClr val="bg2"/>
+                  </a:outerShdw>
+                </a:effectLst>
+              </a14:hiddenEffects>
             </a:ext>
           </a:extLst>
         </p:spPr>
-      </p:pic>
+        <p:txBody>
+          <a:bodyPr vert="horz" wrap="none" lIns="0" tIns="23805" rIns="0" bIns="0" numCol="1" anchor="ctr" anchorCtr="0" compatLnSpc="1">
+            <a:prstTxWarp prst="textNoShape">
+              <a:avLst/>
+            </a:prstTxWarp>
+            <a:spAutoFit/>
+          </a:bodyPr>
+          <a:lstStyle/>
+          <a:p>
+            <a:pPr marL="0" marR="0" lvl="0" indent="0" algn="l" defTabSz="914400" rtl="0" eaLnBrk="0" fontAlgn="base" latinLnBrk="0" hangingPunct="0">
+              <a:lnSpc>
+                <a:spcPct val="100000"/>
+              </a:lnSpc>
+              <a:spcBef>
+                <a:spcPct val="0"/>
+              </a:spcBef>
+              <a:spcAft>
+                <a:spcPct val="0"/>
+              </a:spcAft>
+              <a:buClrTx/>
+              <a:buSzTx/>
+              <a:buFontTx/>
+              <a:buNone/>
+              <a:tabLst/>
+            </a:pPr>
+            <a:r>
+              <a:rPr lang="en-US" altLang="en-US"/>
+              <a:t>CTRE::MotorControl::CAN </a:t>
+            </a:r>
+          </a:p>
+        </p:txBody>
+      </p:sp>
     </p:spTree>
     <p:extLst>
       <p:ext uri="{BB962C8B-B14F-4D97-AF65-F5344CB8AC3E}">
-        <p14:creationId xmlns:p14="http://schemas.microsoft.com/office/powerpoint/2010/main" val="3992272853"/>
+        <p14:creationId xmlns:p14="http://schemas.microsoft.com/office/powerpoint/2010/main" val="15761669"/>
       </p:ext>
     </p:extLst>
   </p:cSld>
@@ -10224,6 +10880,233 @@
       </p:grpSpPr>
       <p:sp>
         <p:nvSpPr>
+          <p:cNvPr id="2" name="Title 1"/>
+          <p:cNvSpPr>
+            <a:spLocks noGrp="1"/>
+          </p:cNvSpPr>
+          <p:nvPr>
+            <p:ph type="title"/>
+          </p:nvPr>
+        </p:nvSpPr>
+        <p:spPr/>
+        <p:txBody>
+          <a:bodyPr/>
+          <a:lstStyle/>
+          <a:p>
+            <a:r>
+              <a:rPr lang="en-US" dirty="0"/>
+              <a:t>Software Order of Installation</a:t>
+            </a:r>
+          </a:p>
+        </p:txBody>
+      </p:sp>
+      <p:sp>
+        <p:nvSpPr>
+          <p:cNvPr id="4" name="Footer Placeholder 3"/>
+          <p:cNvSpPr>
+            <a:spLocks noGrp="1"/>
+          </p:cNvSpPr>
+          <p:nvPr>
+            <p:ph type="ftr" sz="quarter" idx="10"/>
+          </p:nvPr>
+        </p:nvSpPr>
+        <p:spPr/>
+        <p:txBody>
+          <a:bodyPr/>
+          <a:lstStyle/>
+          <a:p>
+            <a:pPr eaLnBrk="1" hangingPunct="1"/>
+            <a:r>
+              <a:rPr lang="en-US" altLang="en-US" dirty="0"/>
+              <a:t>2017  MN </a:t>
+            </a:r>
+            <a:r>
+              <a:rPr lang="en-US" altLang="en-US" i="1" dirty="0"/>
+              <a:t>FIRST Jump Start</a:t>
+            </a:r>
+            <a:endParaRPr lang="en-US" altLang="en-US" dirty="0"/>
+          </a:p>
+        </p:txBody>
+      </p:sp>
+      <p:sp>
+        <p:nvSpPr>
+          <p:cNvPr id="5" name="Content Placeholder 2"/>
+          <p:cNvSpPr>
+            <a:spLocks noGrp="1"/>
+          </p:cNvSpPr>
+          <p:nvPr>
+            <p:ph idx="1"/>
+          </p:nvPr>
+        </p:nvSpPr>
+        <p:spPr>
+          <a:xfrm>
+            <a:off x="914400" y="1828800"/>
+            <a:ext cx="7924800" cy="4267200"/>
+          </a:xfrm>
+        </p:spPr>
+        <p:txBody>
+          <a:bodyPr/>
+          <a:lstStyle/>
+          <a:p>
+            <a:pPr eaLnBrk="1" hangingPunct="1">
+              <a:buFont typeface="Wingdings" panose="05000000000000000000" pitchFamily="2" charset="2"/>
+              <a:buChar char="Ø"/>
+            </a:pPr>
+            <a:r>
+              <a:rPr lang="en-US" dirty="0"/>
+              <a:t>Install the programming language of your choice: Basic LabVIEW 2017 or Java/C++</a:t>
+            </a:r>
+          </a:p>
+          <a:p>
+            <a:pPr eaLnBrk="1" hangingPunct="1">
+              <a:buFont typeface="Wingdings" panose="05000000000000000000" pitchFamily="2" charset="2"/>
+              <a:buChar char="Ø"/>
+            </a:pPr>
+            <a:r>
+              <a:rPr lang="en-US" dirty="0"/>
+              <a:t>FRC Update</a:t>
+            </a:r>
+          </a:p>
+          <a:p>
+            <a:pPr eaLnBrk="1" hangingPunct="1">
+              <a:buFont typeface="Wingdings" panose="05000000000000000000" pitchFamily="2" charset="2"/>
+              <a:buChar char="Ø"/>
+            </a:pPr>
+            <a:r>
+              <a:rPr lang="en-US" dirty="0"/>
+              <a:t>You get a message if the Microsoft .NET Framework 3.5 needs to be installed separately</a:t>
+            </a:r>
+          </a:p>
+          <a:p>
+            <a:pPr eaLnBrk="1" hangingPunct="1">
+              <a:buFont typeface="Wingdings" panose="05000000000000000000" pitchFamily="2" charset="2"/>
+              <a:buChar char="Ø"/>
+            </a:pPr>
+            <a:r>
+              <a:rPr lang="en-US" dirty="0">
+                <a:hlinkClick r:id="rId2" tooltip="Beta2018"/>
+              </a:rPr>
+              <a:t>CTRE Installer</a:t>
+            </a:r>
+            <a:r>
+              <a:rPr lang="en-US" dirty="0"/>
+              <a:t>-obtained separately</a:t>
+            </a:r>
+          </a:p>
+          <a:p>
+            <a:pPr eaLnBrk="1" hangingPunct="1">
+              <a:buFont typeface="Wingdings" panose="05000000000000000000" pitchFamily="2" charset="2"/>
+              <a:buChar char="Ø"/>
+            </a:pPr>
+            <a:r>
+              <a:rPr lang="en-US" dirty="0"/>
+              <a:t>Reimage </a:t>
+            </a:r>
+            <a:r>
+              <a:rPr lang="en-US" dirty="0" err="1"/>
+              <a:t>roboRIO</a:t>
+            </a:r>
+            <a:r>
+              <a:rPr lang="en-US" dirty="0"/>
+              <a:t> (operating system) </a:t>
+            </a:r>
+          </a:p>
+          <a:p>
+            <a:pPr eaLnBrk="1" hangingPunct="1">
+              <a:buFont typeface="Wingdings" panose="05000000000000000000" pitchFamily="2" charset="2"/>
+              <a:buChar char="Ø"/>
+            </a:pPr>
+            <a:r>
+              <a:rPr lang="en-US" dirty="0"/>
+              <a:t>Other 3rd Party installations, e.g., NAVX</a:t>
+            </a:r>
+          </a:p>
+          <a:p>
+            <a:pPr eaLnBrk="1" hangingPunct="1">
+              <a:buFont typeface="Wingdings" panose="05000000000000000000" pitchFamily="2" charset="2"/>
+              <a:buChar char="Ø"/>
+            </a:pPr>
+            <a:r>
+              <a:rPr lang="en-US" dirty="0"/>
+              <a:t>Compile and Download User Code</a:t>
+            </a:r>
+            <a:endParaRPr lang="en-US" altLang="en-US" dirty="0"/>
+          </a:p>
+        </p:txBody>
+      </p:sp>
+      <p:pic>
+        <p:nvPicPr>
+          <p:cNvPr id="6" name="Picture 2" descr="https://lh3.googleusercontent.com/whV856uT_V-PMVpGMM2I--_xyYUcTkSA8pSILVGbTBdmffy87jvHb9d6CAKuAvxYZ8CZE4LaimRuIGq23GM-fyMcsIzGdzfEfZt0kscqkFy7iH7uqxMVUH-wHIWEX66AbDTmfUM9FN8"/>
+          <p:cNvPicPr>
+            <a:picLocks noChangeAspect="1" noChangeArrowheads="1"/>
+          </p:cNvPicPr>
+          <p:nvPr/>
+        </p:nvPicPr>
+        <p:blipFill>
+          <a:blip r:embed="rId3">
+            <a:extLst>
+              <a:ext uri="{28A0092B-C50C-407E-A947-70E740481C1C}">
+                <a14:useLocalDpi xmlns:a14="http://schemas.microsoft.com/office/drawing/2010/main" val="0"/>
+              </a:ext>
+            </a:extLst>
+          </a:blip>
+          <a:srcRect/>
+          <a:stretch>
+            <a:fillRect/>
+          </a:stretch>
+        </p:blipFill>
+        <p:spPr bwMode="auto">
+          <a:xfrm>
+            <a:off x="6172200" y="5444963"/>
+            <a:ext cx="3505200" cy="2238260"/>
+          </a:xfrm>
+          <a:prstGeom prst="rect">
+            <a:avLst/>
+          </a:prstGeom>
+          <a:noFill/>
+          <a:extLst>
+            <a:ext uri="{909E8E84-426E-40DD-AFC4-6F175D3DCCD1}">
+              <a14:hiddenFill xmlns:a14="http://schemas.microsoft.com/office/drawing/2010/main">
+                <a:solidFill>
+                  <a:srgbClr val="FFFFFF"/>
+                </a:solidFill>
+              </a14:hiddenFill>
+            </a:ext>
+          </a:extLst>
+        </p:spPr>
+      </p:pic>
+    </p:spTree>
+    <p:extLst>
+      <p:ext uri="{BB962C8B-B14F-4D97-AF65-F5344CB8AC3E}">
+        <p14:creationId xmlns:p14="http://schemas.microsoft.com/office/powerpoint/2010/main" val="3992272853"/>
+      </p:ext>
+    </p:extLst>
+  </p:cSld>
+  <p:clrMapOvr>
+    <a:masterClrMapping/>
+  </p:clrMapOvr>
+</p:sld>
+</file>
+
+<file path=ppt/slides/slide21.xml><?xml version="1.0" encoding="utf-8"?>
+<p:sld xmlns:a="http://schemas.openxmlformats.org/drawingml/2006/main" xmlns:r="http://schemas.openxmlformats.org/officeDocument/2006/relationships" xmlns:p="http://schemas.openxmlformats.org/presentationml/2006/main">
+  <p:cSld>
+    <p:spTree>
+      <p:nvGrpSpPr>
+        <p:cNvPr id="1" name=""/>
+        <p:cNvGrpSpPr/>
+        <p:nvPr/>
+      </p:nvGrpSpPr>
+      <p:grpSpPr>
+        <a:xfrm>
+          <a:off x="0" y="0"/>
+          <a:ext cx="0" cy="0"/>
+          <a:chOff x="0" y="0"/>
+          <a:chExt cx="0" cy="0"/>
+        </a:xfrm>
+      </p:grpSpPr>
+      <p:sp>
+        <p:nvSpPr>
           <p:cNvPr id="17410" name="Title 1"/>
           <p:cNvSpPr>
             <a:spLocks noGrp="1"/>
@@ -10545,7 +11428,7 @@
 </p:sld>
 </file>
 
-<file path=ppt/slides/slide21.xml><?xml version="1.0" encoding="utf-8"?>
+<file path=ppt/slides/slide22.xml><?xml version="1.0" encoding="utf-8"?>
 <p:sld xmlns:a="http://schemas.openxmlformats.org/drawingml/2006/main" xmlns:r="http://schemas.openxmlformats.org/officeDocument/2006/relationships" xmlns:p="http://schemas.openxmlformats.org/presentationml/2006/main">
   <p:cSld>
     <p:spTree>
@@ -11058,7 +11941,7 @@
 </p:sld>
 </file>
 
-<file path=ppt/slides/slide22.xml><?xml version="1.0" encoding="utf-8"?>
+<file path=ppt/slides/slide23.xml><?xml version="1.0" encoding="utf-8"?>
 <p:sld xmlns:a="http://schemas.openxmlformats.org/drawingml/2006/main" xmlns:r="http://schemas.openxmlformats.org/officeDocument/2006/relationships" xmlns:p="http://schemas.openxmlformats.org/presentationml/2006/main">
   <p:cSld>
     <p:spTree>
@@ -11409,7 +12292,7 @@
 </p:sld>
 </file>
 
-<file path=ppt/slides/slide23.xml><?xml version="1.0" encoding="utf-8"?>
+<file path=ppt/slides/slide24.xml><?xml version="1.0" encoding="utf-8"?>
 <p:sld xmlns:a="http://schemas.openxmlformats.org/drawingml/2006/main" xmlns:r="http://schemas.openxmlformats.org/officeDocument/2006/relationships" xmlns:p="http://schemas.openxmlformats.org/presentationml/2006/main">
   <p:cSld>
     <p:spTree>
@@ -11794,7 +12677,7 @@
 </p:sld>
 </file>
 
-<file path=ppt/slides/slide24.xml><?xml version="1.0" encoding="utf-8"?>
+<file path=ppt/slides/slide25.xml><?xml version="1.0" encoding="utf-8"?>
 <p:sld xmlns:a="http://schemas.openxmlformats.org/drawingml/2006/main" xmlns:r="http://schemas.openxmlformats.org/officeDocument/2006/relationships" xmlns:p="http://schemas.openxmlformats.org/presentationml/2006/main">
   <p:cSld>
     <p:spTree>
@@ -12038,7 +12921,7 @@
 </p:sld>
 </file>
 
-<file path=ppt/slides/slide25.xml><?xml version="1.0" encoding="utf-8"?>
+<file path=ppt/slides/slide26.xml><?xml version="1.0" encoding="utf-8"?>
 <p:sld xmlns:a="http://schemas.openxmlformats.org/drawingml/2006/main" xmlns:r="http://schemas.openxmlformats.org/officeDocument/2006/relationships" xmlns:p="http://schemas.openxmlformats.org/presentationml/2006/main">
   <p:cSld>
     <p:spTree>
@@ -12366,7 +13249,7 @@
 </p:sld>
 </file>
 
-<file path=ppt/slides/slide26.xml><?xml version="1.0" encoding="utf-8"?>
+<file path=ppt/slides/slide27.xml><?xml version="1.0" encoding="utf-8"?>
 <p:sld xmlns:a="http://schemas.openxmlformats.org/drawingml/2006/main" xmlns:r="http://schemas.openxmlformats.org/officeDocument/2006/relationships" xmlns:p="http://schemas.openxmlformats.org/presentationml/2006/main">
   <p:cSld>
     <p:spTree>
@@ -12538,7 +13421,7 @@
 </p:sld>
 </file>
 
-<file path=ppt/slides/slide27.xml><?xml version="1.0" encoding="utf-8"?>
+<file path=ppt/slides/slide28.xml><?xml version="1.0" encoding="utf-8"?>
 <p:sld xmlns:a="http://schemas.openxmlformats.org/drawingml/2006/main" xmlns:r="http://schemas.openxmlformats.org/officeDocument/2006/relationships" xmlns:p="http://schemas.openxmlformats.org/presentationml/2006/main">
   <p:cSld>
     <p:spTree>
@@ -12699,7 +13582,7 @@
 </p:sld>
 </file>
 
-<file path=ppt/slides/slide28.xml><?xml version="1.0" encoding="utf-8"?>
+<file path=ppt/slides/slide29.xml><?xml version="1.0" encoding="utf-8"?>
 <p:sld xmlns:a="http://schemas.openxmlformats.org/drawingml/2006/main" xmlns:r="http://schemas.openxmlformats.org/officeDocument/2006/relationships" xmlns:p="http://schemas.openxmlformats.org/presentationml/2006/main">
   <p:cSld>
     <p:spTree>
@@ -13051,7 +13934,318 @@
 </p:sld>
 </file>
 
-<file path=ppt/slides/slide29.xml><?xml version="1.0" encoding="utf-8"?>
+<file path=ppt/slides/slide3.xml><?xml version="1.0" encoding="utf-8"?>
+<p:sld xmlns:a="http://schemas.openxmlformats.org/drawingml/2006/main" xmlns:r="http://schemas.openxmlformats.org/officeDocument/2006/relationships" xmlns:p="http://schemas.openxmlformats.org/presentationml/2006/main">
+  <p:cSld>
+    <p:spTree>
+      <p:nvGrpSpPr>
+        <p:cNvPr id="1" name=""/>
+        <p:cNvGrpSpPr/>
+        <p:nvPr/>
+      </p:nvGrpSpPr>
+      <p:grpSpPr>
+        <a:xfrm>
+          <a:off x="0" y="0"/>
+          <a:ext cx="0" cy="0"/>
+          <a:chOff x="0" y="0"/>
+          <a:chExt cx="0" cy="0"/>
+        </a:xfrm>
+      </p:grpSpPr>
+      <p:sp>
+        <p:nvSpPr>
+          <p:cNvPr id="13314" name="Rectangle 4"/>
+          <p:cNvSpPr>
+            <a:spLocks noGrp="1" noChangeArrowheads="1"/>
+          </p:cNvSpPr>
+          <p:nvPr>
+            <p:ph type="ftr" sz="quarter" idx="10"/>
+          </p:nvPr>
+        </p:nvSpPr>
+        <p:spPr>
+          <a:noFill/>
+          <a:ln/>
+          <a:extLst>
+            <a:ext uri="{909E8E84-426E-40DD-AFC4-6F175D3DCCD1}">
+              <a14:hiddenFill xmlns:a14="http://schemas.microsoft.com/office/drawing/2010/main">
+                <a:solidFill>
+                  <a:srgbClr val="FFFFFF"/>
+                </a:solidFill>
+              </a14:hiddenFill>
+            </a:ext>
+            <a:ext uri="{91240B29-F687-4F45-9708-019B960494DF}">
+              <a14:hiddenLine xmlns:a14="http://schemas.microsoft.com/office/drawing/2010/main" w="9525">
+                <a:solidFill>
+                  <a:srgbClr val="000000"/>
+                </a:solidFill>
+                <a:miter lim="800000"/>
+                <a:headEnd/>
+                <a:tailEnd/>
+              </a14:hiddenLine>
+            </a:ext>
+          </a:extLst>
+        </p:spPr>
+        <p:txBody>
+          <a:bodyPr/>
+          <a:lstStyle>
+            <a:lvl1pPr eaLnBrk="0" hangingPunct="0">
+              <a:defRPr sz="2200">
+                <a:solidFill>
+                  <a:srgbClr val="FFFFFF"/>
+                </a:solidFill>
+                <a:latin typeface="Trebuchet MS" panose="020B0603020202020204" pitchFamily="34" charset="0"/>
+                <a:cs typeface="Times New Roman" panose="02020603050405020304" pitchFamily="18" charset="0"/>
+              </a:defRPr>
+            </a:lvl1pPr>
+            <a:lvl2pPr marL="742950" indent="-285750" eaLnBrk="0" hangingPunct="0">
+              <a:defRPr sz="2200">
+                <a:solidFill>
+                  <a:srgbClr val="FFFFFF"/>
+                </a:solidFill>
+                <a:latin typeface="Trebuchet MS" panose="020B0603020202020204" pitchFamily="34" charset="0"/>
+                <a:cs typeface="Times New Roman" panose="02020603050405020304" pitchFamily="18" charset="0"/>
+              </a:defRPr>
+            </a:lvl2pPr>
+            <a:lvl3pPr marL="1143000" indent="-228600" eaLnBrk="0" hangingPunct="0">
+              <a:defRPr sz="2200">
+                <a:solidFill>
+                  <a:srgbClr val="FFFFFF"/>
+                </a:solidFill>
+                <a:latin typeface="Trebuchet MS" panose="020B0603020202020204" pitchFamily="34" charset="0"/>
+                <a:cs typeface="Times New Roman" panose="02020603050405020304" pitchFamily="18" charset="0"/>
+              </a:defRPr>
+            </a:lvl3pPr>
+            <a:lvl4pPr marL="1600200" indent="-228600" eaLnBrk="0" hangingPunct="0">
+              <a:defRPr sz="2200">
+                <a:solidFill>
+                  <a:srgbClr val="FFFFFF"/>
+                </a:solidFill>
+                <a:latin typeface="Trebuchet MS" panose="020B0603020202020204" pitchFamily="34" charset="0"/>
+                <a:cs typeface="Times New Roman" panose="02020603050405020304" pitchFamily="18" charset="0"/>
+              </a:defRPr>
+            </a:lvl4pPr>
+            <a:lvl5pPr marL="2057400" indent="-228600" eaLnBrk="0" hangingPunct="0">
+              <a:defRPr sz="2200">
+                <a:solidFill>
+                  <a:srgbClr val="FFFFFF"/>
+                </a:solidFill>
+                <a:latin typeface="Trebuchet MS" panose="020B0603020202020204" pitchFamily="34" charset="0"/>
+                <a:cs typeface="Times New Roman" panose="02020603050405020304" pitchFamily="18" charset="0"/>
+              </a:defRPr>
+            </a:lvl5pPr>
+            <a:lvl6pPr marL="2514600" indent="-228600" eaLnBrk="0" fontAlgn="base" hangingPunct="0">
+              <a:spcBef>
+                <a:spcPct val="0"/>
+              </a:spcBef>
+              <a:spcAft>
+                <a:spcPct val="0"/>
+              </a:spcAft>
+              <a:defRPr sz="2200">
+                <a:solidFill>
+                  <a:srgbClr val="FFFFFF"/>
+                </a:solidFill>
+                <a:latin typeface="Trebuchet MS" panose="020B0603020202020204" pitchFamily="34" charset="0"/>
+                <a:cs typeface="Times New Roman" panose="02020603050405020304" pitchFamily="18" charset="0"/>
+              </a:defRPr>
+            </a:lvl6pPr>
+            <a:lvl7pPr marL="2971800" indent="-228600" eaLnBrk="0" fontAlgn="base" hangingPunct="0">
+              <a:spcBef>
+                <a:spcPct val="0"/>
+              </a:spcBef>
+              <a:spcAft>
+                <a:spcPct val="0"/>
+              </a:spcAft>
+              <a:defRPr sz="2200">
+                <a:solidFill>
+                  <a:srgbClr val="FFFFFF"/>
+                </a:solidFill>
+                <a:latin typeface="Trebuchet MS" panose="020B0603020202020204" pitchFamily="34" charset="0"/>
+                <a:cs typeface="Times New Roman" panose="02020603050405020304" pitchFamily="18" charset="0"/>
+              </a:defRPr>
+            </a:lvl7pPr>
+            <a:lvl8pPr marL="3429000" indent="-228600" eaLnBrk="0" fontAlgn="base" hangingPunct="0">
+              <a:spcBef>
+                <a:spcPct val="0"/>
+              </a:spcBef>
+              <a:spcAft>
+                <a:spcPct val="0"/>
+              </a:spcAft>
+              <a:defRPr sz="2200">
+                <a:solidFill>
+                  <a:srgbClr val="FFFFFF"/>
+                </a:solidFill>
+                <a:latin typeface="Trebuchet MS" panose="020B0603020202020204" pitchFamily="34" charset="0"/>
+                <a:cs typeface="Times New Roman" panose="02020603050405020304" pitchFamily="18" charset="0"/>
+              </a:defRPr>
+            </a:lvl8pPr>
+            <a:lvl9pPr marL="3886200" indent="-228600" eaLnBrk="0" fontAlgn="base" hangingPunct="0">
+              <a:spcBef>
+                <a:spcPct val="0"/>
+              </a:spcBef>
+              <a:spcAft>
+                <a:spcPct val="0"/>
+              </a:spcAft>
+              <a:defRPr sz="2200">
+                <a:solidFill>
+                  <a:srgbClr val="FFFFFF"/>
+                </a:solidFill>
+                <a:latin typeface="Trebuchet MS" panose="020B0603020202020204" pitchFamily="34" charset="0"/>
+                <a:cs typeface="Times New Roman" panose="02020603050405020304" pitchFamily="18" charset="0"/>
+              </a:defRPr>
+            </a:lvl9pPr>
+          </a:lstStyle>
+          <a:p>
+            <a:pPr eaLnBrk="1" hangingPunct="1"/>
+            <a:r>
+              <a:rPr lang="en-US" altLang="en-US" sz="1400" dirty="0">
+                <a:solidFill>
+                  <a:schemeClr val="tx1"/>
+                </a:solidFill>
+              </a:rPr>
+              <a:t>2017  MN </a:t>
+            </a:r>
+            <a:r>
+              <a:rPr lang="en-US" altLang="en-US" sz="1400" i="1" dirty="0">
+                <a:solidFill>
+                  <a:schemeClr val="tx1"/>
+                </a:solidFill>
+              </a:rPr>
+              <a:t>FIRST Jump Start</a:t>
+            </a:r>
+            <a:endParaRPr lang="en-US" altLang="en-US" sz="1400" dirty="0">
+              <a:solidFill>
+                <a:schemeClr val="tx1"/>
+              </a:solidFill>
+            </a:endParaRPr>
+          </a:p>
+        </p:txBody>
+      </p:sp>
+      <p:sp>
+        <p:nvSpPr>
+          <p:cNvPr id="13316" name="Rectangle 3"/>
+          <p:cNvSpPr>
+            <a:spLocks noGrp="1" noChangeArrowheads="1"/>
+          </p:cNvSpPr>
+          <p:nvPr>
+            <p:ph type="subTitle" idx="1"/>
+          </p:nvPr>
+        </p:nvSpPr>
+        <p:spPr>
+          <a:xfrm>
+            <a:off x="1371600" y="3733800"/>
+            <a:ext cx="6400800" cy="1752600"/>
+          </a:xfrm>
+        </p:spPr>
+        <p:txBody>
+          <a:bodyPr/>
+          <a:lstStyle/>
+          <a:p>
+            <a:pPr eaLnBrk="1" hangingPunct="1"/>
+            <a:r>
+              <a:rPr lang="en-US" altLang="en-US" i="1" dirty="0"/>
+              <a:t>Presented by:</a:t>
+            </a:r>
+          </a:p>
+          <a:p>
+            <a:pPr eaLnBrk="1" hangingPunct="1"/>
+            <a:r>
+              <a:rPr lang="en-US" altLang="en-US" dirty="0"/>
+              <a:t>Todd Kruse, Team 3840</a:t>
+            </a:r>
+          </a:p>
+          <a:p>
+            <a:pPr eaLnBrk="1" hangingPunct="1"/>
+            <a:r>
+              <a:rPr lang="en-US" altLang="en-US" dirty="0"/>
+              <a:t>Steve Moe, Team 3026</a:t>
+            </a:r>
+          </a:p>
+          <a:p>
+            <a:pPr eaLnBrk="1" hangingPunct="1"/>
+            <a:r>
+              <a:rPr lang="en-US" altLang="en-US" dirty="0"/>
+              <a:t>Chris Roadfeldt, Team 4607</a:t>
+            </a:r>
+          </a:p>
+        </p:txBody>
+      </p:sp>
+      <p:pic>
+        <p:nvPicPr>
+          <p:cNvPr id="2050" name="Picture 2" descr="https://lh3.googleusercontent.com/whV856uT_V-PMVpGMM2I--_xyYUcTkSA8pSILVGbTBdmffy87jvHb9d6CAKuAvxYZ8CZE4LaimRuIGq23GM-fyMcsIzGdzfEfZt0kscqkFy7iH7uqxMVUH-wHIWEX66AbDTmfUM9FN8"/>
+          <p:cNvPicPr>
+            <a:picLocks noChangeAspect="1" noChangeArrowheads="1"/>
+          </p:cNvPicPr>
+          <p:nvPr/>
+        </p:nvPicPr>
+        <p:blipFill>
+          <a:blip r:embed="rId3">
+            <a:extLst>
+              <a:ext uri="{28A0092B-C50C-407E-A947-70E740481C1C}">
+                <a14:useLocalDpi xmlns:a14="http://schemas.microsoft.com/office/drawing/2010/main" val="0"/>
+              </a:ext>
+            </a:extLst>
+          </a:blip>
+          <a:srcRect/>
+          <a:stretch>
+            <a:fillRect/>
+          </a:stretch>
+        </p:blipFill>
+        <p:spPr bwMode="auto">
+          <a:xfrm>
+            <a:off x="1219200" y="-651387"/>
+            <a:ext cx="6324600" cy="4038600"/>
+          </a:xfrm>
+          <a:prstGeom prst="rect">
+            <a:avLst/>
+          </a:prstGeom>
+          <a:noFill/>
+          <a:extLst>
+            <a:ext uri="{909E8E84-426E-40DD-AFC4-6F175D3DCCD1}">
+              <a14:hiddenFill xmlns:a14="http://schemas.microsoft.com/office/drawing/2010/main">
+                <a:solidFill>
+                  <a:srgbClr val="FFFFFF"/>
+                </a:solidFill>
+              </a14:hiddenFill>
+            </a:ext>
+          </a:extLst>
+        </p:spPr>
+      </p:pic>
+      <p:sp>
+        <p:nvSpPr>
+          <p:cNvPr id="13315" name="Rectangle 2"/>
+          <p:cNvSpPr>
+            <a:spLocks noGrp="1" noChangeArrowheads="1"/>
+          </p:cNvSpPr>
+          <p:nvPr>
+            <p:ph type="ctrTitle"/>
+          </p:nvPr>
+        </p:nvSpPr>
+        <p:spPr>
+          <a:xfrm>
+            <a:off x="762000" y="2209800"/>
+            <a:ext cx="5562600" cy="1143000"/>
+          </a:xfrm>
+        </p:spPr>
+        <p:txBody>
+          <a:bodyPr/>
+          <a:lstStyle/>
+          <a:p>
+            <a:pPr eaLnBrk="1" hangingPunct="1"/>
+            <a:r>
+              <a:rPr lang="en-US" altLang="en-US" dirty="0"/>
+              <a:t>2018 Beta Testing Report</a:t>
+            </a:r>
+          </a:p>
+        </p:txBody>
+      </p:sp>
+    </p:spTree>
+  </p:cSld>
+  <p:clrMapOvr>
+    <a:masterClrMapping/>
+  </p:clrMapOvr>
+</p:sld>
+</file>
+
+<file path=ppt/slides/slide30.xml><?xml version="1.0" encoding="utf-8"?>
 <p:sld xmlns:a="http://schemas.openxmlformats.org/drawingml/2006/main" xmlns:r="http://schemas.openxmlformats.org/officeDocument/2006/relationships" xmlns:p="http://schemas.openxmlformats.org/presentationml/2006/main">
   <p:cSld>
     <p:spTree>
@@ -13331,318 +14525,7 @@
 </p:sld>
 </file>
 
-<file path=ppt/slides/slide3.xml><?xml version="1.0" encoding="utf-8"?>
-<p:sld xmlns:a="http://schemas.openxmlformats.org/drawingml/2006/main" xmlns:r="http://schemas.openxmlformats.org/officeDocument/2006/relationships" xmlns:p="http://schemas.openxmlformats.org/presentationml/2006/main">
-  <p:cSld>
-    <p:spTree>
-      <p:nvGrpSpPr>
-        <p:cNvPr id="1" name=""/>
-        <p:cNvGrpSpPr/>
-        <p:nvPr/>
-      </p:nvGrpSpPr>
-      <p:grpSpPr>
-        <a:xfrm>
-          <a:off x="0" y="0"/>
-          <a:ext cx="0" cy="0"/>
-          <a:chOff x="0" y="0"/>
-          <a:chExt cx="0" cy="0"/>
-        </a:xfrm>
-      </p:grpSpPr>
-      <p:sp>
-        <p:nvSpPr>
-          <p:cNvPr id="13314" name="Rectangle 4"/>
-          <p:cNvSpPr>
-            <a:spLocks noGrp="1" noChangeArrowheads="1"/>
-          </p:cNvSpPr>
-          <p:nvPr>
-            <p:ph type="ftr" sz="quarter" idx="10"/>
-          </p:nvPr>
-        </p:nvSpPr>
-        <p:spPr>
-          <a:noFill/>
-          <a:ln/>
-          <a:extLst>
-            <a:ext uri="{909E8E84-426E-40DD-AFC4-6F175D3DCCD1}">
-              <a14:hiddenFill xmlns:a14="http://schemas.microsoft.com/office/drawing/2010/main">
-                <a:solidFill>
-                  <a:srgbClr val="FFFFFF"/>
-                </a:solidFill>
-              </a14:hiddenFill>
-            </a:ext>
-            <a:ext uri="{91240B29-F687-4F45-9708-019B960494DF}">
-              <a14:hiddenLine xmlns:a14="http://schemas.microsoft.com/office/drawing/2010/main" w="9525">
-                <a:solidFill>
-                  <a:srgbClr val="000000"/>
-                </a:solidFill>
-                <a:miter lim="800000"/>
-                <a:headEnd/>
-                <a:tailEnd/>
-              </a14:hiddenLine>
-            </a:ext>
-          </a:extLst>
-        </p:spPr>
-        <p:txBody>
-          <a:bodyPr/>
-          <a:lstStyle>
-            <a:lvl1pPr eaLnBrk="0" hangingPunct="0">
-              <a:defRPr sz="2200">
-                <a:solidFill>
-                  <a:srgbClr val="FFFFFF"/>
-                </a:solidFill>
-                <a:latin typeface="Trebuchet MS" panose="020B0603020202020204" pitchFamily="34" charset="0"/>
-                <a:cs typeface="Times New Roman" panose="02020603050405020304" pitchFamily="18" charset="0"/>
-              </a:defRPr>
-            </a:lvl1pPr>
-            <a:lvl2pPr marL="742950" indent="-285750" eaLnBrk="0" hangingPunct="0">
-              <a:defRPr sz="2200">
-                <a:solidFill>
-                  <a:srgbClr val="FFFFFF"/>
-                </a:solidFill>
-                <a:latin typeface="Trebuchet MS" panose="020B0603020202020204" pitchFamily="34" charset="0"/>
-                <a:cs typeface="Times New Roman" panose="02020603050405020304" pitchFamily="18" charset="0"/>
-              </a:defRPr>
-            </a:lvl2pPr>
-            <a:lvl3pPr marL="1143000" indent="-228600" eaLnBrk="0" hangingPunct="0">
-              <a:defRPr sz="2200">
-                <a:solidFill>
-                  <a:srgbClr val="FFFFFF"/>
-                </a:solidFill>
-                <a:latin typeface="Trebuchet MS" panose="020B0603020202020204" pitchFamily="34" charset="0"/>
-                <a:cs typeface="Times New Roman" panose="02020603050405020304" pitchFamily="18" charset="0"/>
-              </a:defRPr>
-            </a:lvl3pPr>
-            <a:lvl4pPr marL="1600200" indent="-228600" eaLnBrk="0" hangingPunct="0">
-              <a:defRPr sz="2200">
-                <a:solidFill>
-                  <a:srgbClr val="FFFFFF"/>
-                </a:solidFill>
-                <a:latin typeface="Trebuchet MS" panose="020B0603020202020204" pitchFamily="34" charset="0"/>
-                <a:cs typeface="Times New Roman" panose="02020603050405020304" pitchFamily="18" charset="0"/>
-              </a:defRPr>
-            </a:lvl4pPr>
-            <a:lvl5pPr marL="2057400" indent="-228600" eaLnBrk="0" hangingPunct="0">
-              <a:defRPr sz="2200">
-                <a:solidFill>
-                  <a:srgbClr val="FFFFFF"/>
-                </a:solidFill>
-                <a:latin typeface="Trebuchet MS" panose="020B0603020202020204" pitchFamily="34" charset="0"/>
-                <a:cs typeface="Times New Roman" panose="02020603050405020304" pitchFamily="18" charset="0"/>
-              </a:defRPr>
-            </a:lvl5pPr>
-            <a:lvl6pPr marL="2514600" indent="-228600" eaLnBrk="0" fontAlgn="base" hangingPunct="0">
-              <a:spcBef>
-                <a:spcPct val="0"/>
-              </a:spcBef>
-              <a:spcAft>
-                <a:spcPct val="0"/>
-              </a:spcAft>
-              <a:defRPr sz="2200">
-                <a:solidFill>
-                  <a:srgbClr val="FFFFFF"/>
-                </a:solidFill>
-                <a:latin typeface="Trebuchet MS" panose="020B0603020202020204" pitchFamily="34" charset="0"/>
-                <a:cs typeface="Times New Roman" panose="02020603050405020304" pitchFamily="18" charset="0"/>
-              </a:defRPr>
-            </a:lvl6pPr>
-            <a:lvl7pPr marL="2971800" indent="-228600" eaLnBrk="0" fontAlgn="base" hangingPunct="0">
-              <a:spcBef>
-                <a:spcPct val="0"/>
-              </a:spcBef>
-              <a:spcAft>
-                <a:spcPct val="0"/>
-              </a:spcAft>
-              <a:defRPr sz="2200">
-                <a:solidFill>
-                  <a:srgbClr val="FFFFFF"/>
-                </a:solidFill>
-                <a:latin typeface="Trebuchet MS" panose="020B0603020202020204" pitchFamily="34" charset="0"/>
-                <a:cs typeface="Times New Roman" panose="02020603050405020304" pitchFamily="18" charset="0"/>
-              </a:defRPr>
-            </a:lvl7pPr>
-            <a:lvl8pPr marL="3429000" indent="-228600" eaLnBrk="0" fontAlgn="base" hangingPunct="0">
-              <a:spcBef>
-                <a:spcPct val="0"/>
-              </a:spcBef>
-              <a:spcAft>
-                <a:spcPct val="0"/>
-              </a:spcAft>
-              <a:defRPr sz="2200">
-                <a:solidFill>
-                  <a:srgbClr val="FFFFFF"/>
-                </a:solidFill>
-                <a:latin typeface="Trebuchet MS" panose="020B0603020202020204" pitchFamily="34" charset="0"/>
-                <a:cs typeface="Times New Roman" panose="02020603050405020304" pitchFamily="18" charset="0"/>
-              </a:defRPr>
-            </a:lvl8pPr>
-            <a:lvl9pPr marL="3886200" indent="-228600" eaLnBrk="0" fontAlgn="base" hangingPunct="0">
-              <a:spcBef>
-                <a:spcPct val="0"/>
-              </a:spcBef>
-              <a:spcAft>
-                <a:spcPct val="0"/>
-              </a:spcAft>
-              <a:defRPr sz="2200">
-                <a:solidFill>
-                  <a:srgbClr val="FFFFFF"/>
-                </a:solidFill>
-                <a:latin typeface="Trebuchet MS" panose="020B0603020202020204" pitchFamily="34" charset="0"/>
-                <a:cs typeface="Times New Roman" panose="02020603050405020304" pitchFamily="18" charset="0"/>
-              </a:defRPr>
-            </a:lvl9pPr>
-          </a:lstStyle>
-          <a:p>
-            <a:pPr eaLnBrk="1" hangingPunct="1"/>
-            <a:r>
-              <a:rPr lang="en-US" altLang="en-US" sz="1400" dirty="0">
-                <a:solidFill>
-                  <a:schemeClr val="tx1"/>
-                </a:solidFill>
-              </a:rPr>
-              <a:t>2017  MN </a:t>
-            </a:r>
-            <a:r>
-              <a:rPr lang="en-US" altLang="en-US" sz="1400" i="1" dirty="0">
-                <a:solidFill>
-                  <a:schemeClr val="tx1"/>
-                </a:solidFill>
-              </a:rPr>
-              <a:t>FIRST Jump Start</a:t>
-            </a:r>
-            <a:endParaRPr lang="en-US" altLang="en-US" sz="1400" dirty="0">
-              <a:solidFill>
-                <a:schemeClr val="tx1"/>
-              </a:solidFill>
-            </a:endParaRPr>
-          </a:p>
-        </p:txBody>
-      </p:sp>
-      <p:sp>
-        <p:nvSpPr>
-          <p:cNvPr id="13316" name="Rectangle 3"/>
-          <p:cNvSpPr>
-            <a:spLocks noGrp="1" noChangeArrowheads="1"/>
-          </p:cNvSpPr>
-          <p:nvPr>
-            <p:ph type="subTitle" idx="1"/>
-          </p:nvPr>
-        </p:nvSpPr>
-        <p:spPr>
-          <a:xfrm>
-            <a:off x="1371600" y="3733800"/>
-            <a:ext cx="6400800" cy="1752600"/>
-          </a:xfrm>
-        </p:spPr>
-        <p:txBody>
-          <a:bodyPr/>
-          <a:lstStyle/>
-          <a:p>
-            <a:pPr eaLnBrk="1" hangingPunct="1"/>
-            <a:r>
-              <a:rPr lang="en-US" altLang="en-US" i="1" dirty="0"/>
-              <a:t>Presented by:</a:t>
-            </a:r>
-          </a:p>
-          <a:p>
-            <a:pPr eaLnBrk="1" hangingPunct="1"/>
-            <a:r>
-              <a:rPr lang="en-US" altLang="en-US" dirty="0"/>
-              <a:t>Todd Kruse, Team 3840</a:t>
-            </a:r>
-          </a:p>
-          <a:p>
-            <a:pPr eaLnBrk="1" hangingPunct="1"/>
-            <a:r>
-              <a:rPr lang="en-US" altLang="en-US" dirty="0"/>
-              <a:t>Steve Moe, Team 3026</a:t>
-            </a:r>
-          </a:p>
-          <a:p>
-            <a:pPr eaLnBrk="1" hangingPunct="1"/>
-            <a:r>
-              <a:rPr lang="en-US" altLang="en-US" dirty="0"/>
-              <a:t>Chris Roadfeldt, Team 4607</a:t>
-            </a:r>
-          </a:p>
-        </p:txBody>
-      </p:sp>
-      <p:pic>
-        <p:nvPicPr>
-          <p:cNvPr id="2050" name="Picture 2" descr="https://lh3.googleusercontent.com/whV856uT_V-PMVpGMM2I--_xyYUcTkSA8pSILVGbTBdmffy87jvHb9d6CAKuAvxYZ8CZE4LaimRuIGq23GM-fyMcsIzGdzfEfZt0kscqkFy7iH7uqxMVUH-wHIWEX66AbDTmfUM9FN8"/>
-          <p:cNvPicPr>
-            <a:picLocks noChangeAspect="1" noChangeArrowheads="1"/>
-          </p:cNvPicPr>
-          <p:nvPr/>
-        </p:nvPicPr>
-        <p:blipFill>
-          <a:blip r:embed="rId3">
-            <a:extLst>
-              <a:ext uri="{28A0092B-C50C-407E-A947-70E740481C1C}">
-                <a14:useLocalDpi xmlns:a14="http://schemas.microsoft.com/office/drawing/2010/main" val="0"/>
-              </a:ext>
-            </a:extLst>
-          </a:blip>
-          <a:srcRect/>
-          <a:stretch>
-            <a:fillRect/>
-          </a:stretch>
-        </p:blipFill>
-        <p:spPr bwMode="auto">
-          <a:xfrm>
-            <a:off x="1219200" y="-651387"/>
-            <a:ext cx="6324600" cy="4038600"/>
-          </a:xfrm>
-          <a:prstGeom prst="rect">
-            <a:avLst/>
-          </a:prstGeom>
-          <a:noFill/>
-          <a:extLst>
-            <a:ext uri="{909E8E84-426E-40DD-AFC4-6F175D3DCCD1}">
-              <a14:hiddenFill xmlns:a14="http://schemas.microsoft.com/office/drawing/2010/main">
-                <a:solidFill>
-                  <a:srgbClr val="FFFFFF"/>
-                </a:solidFill>
-              </a14:hiddenFill>
-            </a:ext>
-          </a:extLst>
-        </p:spPr>
-      </p:pic>
-      <p:sp>
-        <p:nvSpPr>
-          <p:cNvPr id="13315" name="Rectangle 2"/>
-          <p:cNvSpPr>
-            <a:spLocks noGrp="1" noChangeArrowheads="1"/>
-          </p:cNvSpPr>
-          <p:nvPr>
-            <p:ph type="ctrTitle"/>
-          </p:nvPr>
-        </p:nvSpPr>
-        <p:spPr>
-          <a:xfrm>
-            <a:off x="762000" y="2209800"/>
-            <a:ext cx="5562600" cy="1143000"/>
-          </a:xfrm>
-        </p:spPr>
-        <p:txBody>
-          <a:bodyPr/>
-          <a:lstStyle/>
-          <a:p>
-            <a:pPr eaLnBrk="1" hangingPunct="1"/>
-            <a:r>
-              <a:rPr lang="en-US" altLang="en-US" dirty="0"/>
-              <a:t>2018 Beta Testing Report</a:t>
-            </a:r>
-          </a:p>
-        </p:txBody>
-      </p:sp>
-    </p:spTree>
-  </p:cSld>
-  <p:clrMapOvr>
-    <a:masterClrMapping/>
-  </p:clrMapOvr>
-</p:sld>
-</file>
-
-<file path=ppt/slides/slide30.xml><?xml version="1.0" encoding="utf-8"?>
+<file path=ppt/slides/slide31.xml><?xml version="1.0" encoding="utf-8"?>
 <p:sld xmlns:a="http://schemas.openxmlformats.org/drawingml/2006/main" xmlns:r="http://schemas.openxmlformats.org/officeDocument/2006/relationships" xmlns:p="http://schemas.openxmlformats.org/presentationml/2006/main">
   <p:cSld>
     <p:spTree>
@@ -13892,7 +14775,7 @@
 </p:sld>
 </file>
 
-<file path=ppt/slides/slide31.xml><?xml version="1.0" encoding="utf-8"?>
+<file path=ppt/slides/slide32.xml><?xml version="1.0" encoding="utf-8"?>
 <p:sld xmlns:a="http://schemas.openxmlformats.org/drawingml/2006/main" xmlns:r="http://schemas.openxmlformats.org/officeDocument/2006/relationships" xmlns:p="http://schemas.openxmlformats.org/presentationml/2006/main">
   <p:cSld>
     <p:spTree>
@@ -14155,7 +15038,7 @@
 </p:sld>
 </file>
 
-<file path=ppt/slides/slide32.xml><?xml version="1.0" encoding="utf-8"?>
+<file path=ppt/slides/slide33.xml><?xml version="1.0" encoding="utf-8"?>
 <p:sld xmlns:a="http://schemas.openxmlformats.org/drawingml/2006/main" xmlns:r="http://schemas.openxmlformats.org/officeDocument/2006/relationships" xmlns:p="http://schemas.openxmlformats.org/presentationml/2006/main">
   <p:cSld>
     <p:spTree>
@@ -14293,7 +15176,7 @@
 </p:sld>
 </file>
 
-<file path=ppt/slides/slide33.xml><?xml version="1.0" encoding="utf-8"?>
+<file path=ppt/slides/slide34.xml><?xml version="1.0" encoding="utf-8"?>
 <p:sld xmlns:a="http://schemas.openxmlformats.org/drawingml/2006/main" xmlns:r="http://schemas.openxmlformats.org/officeDocument/2006/relationships" xmlns:p="http://schemas.openxmlformats.org/presentationml/2006/main">
   <p:cSld>
     <p:spTree>
@@ -14437,140 +15320,6 @@
 </p:sld>
 </file>
 
-<file path=ppt/slides/slide34.xml><?xml version="1.0" encoding="utf-8"?>
-<p:sld xmlns:a="http://schemas.openxmlformats.org/drawingml/2006/main" xmlns:r="http://schemas.openxmlformats.org/officeDocument/2006/relationships" xmlns:p="http://schemas.openxmlformats.org/presentationml/2006/main">
-  <p:cSld>
-    <p:spTree>
-      <p:nvGrpSpPr>
-        <p:cNvPr id="1" name=""/>
-        <p:cNvGrpSpPr/>
-        <p:nvPr/>
-      </p:nvGrpSpPr>
-      <p:grpSpPr>
-        <a:xfrm>
-          <a:off x="0" y="0"/>
-          <a:ext cx="0" cy="0"/>
-          <a:chOff x="0" y="0"/>
-          <a:chExt cx="0" cy="0"/>
-        </a:xfrm>
-      </p:grpSpPr>
-      <p:sp>
-        <p:nvSpPr>
-          <p:cNvPr id="2" name="Title 1"/>
-          <p:cNvSpPr>
-            <a:spLocks noGrp="1"/>
-          </p:cNvSpPr>
-          <p:nvPr>
-            <p:ph type="title"/>
-          </p:nvPr>
-        </p:nvSpPr>
-        <p:spPr/>
-        <p:txBody>
-          <a:bodyPr/>
-          <a:lstStyle/>
-          <a:p>
-            <a:r>
-              <a:rPr lang="en-US" sz="2800" dirty="0" err="1"/>
-              <a:t>Nidec</a:t>
-            </a:r>
-            <a:r>
-              <a:rPr lang="en-US" sz="2800" dirty="0"/>
-              <a:t> Dynamo BLDC Motor with Controller</a:t>
-            </a:r>
-          </a:p>
-        </p:txBody>
-      </p:sp>
-      <p:sp>
-        <p:nvSpPr>
-          <p:cNvPr id="3" name="Content Placeholder 2"/>
-          <p:cNvSpPr>
-            <a:spLocks noGrp="1"/>
-          </p:cNvSpPr>
-          <p:nvPr>
-            <p:ph idx="1"/>
-          </p:nvPr>
-        </p:nvSpPr>
-        <p:spPr>
-          <a:xfrm>
-            <a:off x="685800" y="1905000"/>
-            <a:ext cx="7772400" cy="4114800"/>
-          </a:xfrm>
-        </p:spPr>
-        <p:txBody>
-          <a:bodyPr/>
-          <a:lstStyle/>
-          <a:p>
-            <a:r>
-              <a:rPr lang="en-US" dirty="0"/>
-              <a:t>Wiring Connections: A red/white connector goes to a PWM output (red=signal, white=ground) This is only used as a signal to Enable/Disable the motor with the robot. </a:t>
-            </a:r>
-          </a:p>
-          <a:p>
-            <a:r>
-              <a:rPr lang="en-US" dirty="0"/>
-              <a:t>A black/blue connector goes to a DIO (blue=</a:t>
-            </a:r>
-            <a:r>
-              <a:rPr lang="en-US" dirty="0" err="1"/>
-              <a:t>signal,black</a:t>
-            </a:r>
-            <a:r>
-              <a:rPr lang="en-US" dirty="0"/>
-              <a:t>=ground) This produces a PWM signal to control the direction and speed of the motor. </a:t>
-            </a:r>
-          </a:p>
-          <a:p>
-            <a:r>
-              <a:rPr lang="en-US" dirty="0"/>
-              <a:t>Bare Red/white wires connect to the PDP (20a breaker) and provide the power. </a:t>
-            </a:r>
-          </a:p>
-          <a:p>
-            <a:endParaRPr lang="en-US" dirty="0"/>
-          </a:p>
-        </p:txBody>
-      </p:sp>
-      <p:sp>
-        <p:nvSpPr>
-          <p:cNvPr id="4" name="Footer Placeholder 3"/>
-          <p:cNvSpPr>
-            <a:spLocks noGrp="1"/>
-          </p:cNvSpPr>
-          <p:nvPr>
-            <p:ph type="ftr" sz="quarter" idx="10"/>
-          </p:nvPr>
-        </p:nvSpPr>
-        <p:spPr/>
-        <p:txBody>
-          <a:bodyPr/>
-          <a:lstStyle/>
-          <a:p>
-            <a:pPr eaLnBrk="1" hangingPunct="1"/>
-            <a:r>
-              <a:rPr lang="en-US" altLang="en-US" dirty="0"/>
-              <a:t>2017  MN </a:t>
-            </a:r>
-            <a:r>
-              <a:rPr lang="en-US" altLang="en-US" i="1" dirty="0"/>
-              <a:t>FIRST Jump Start</a:t>
-            </a:r>
-            <a:endParaRPr lang="en-US" altLang="en-US" dirty="0"/>
-          </a:p>
-        </p:txBody>
-      </p:sp>
-    </p:spTree>
-    <p:extLst>
-      <p:ext uri="{BB962C8B-B14F-4D97-AF65-F5344CB8AC3E}">
-        <p14:creationId xmlns:p14="http://schemas.microsoft.com/office/powerpoint/2010/main" val="1975418716"/>
-      </p:ext>
-    </p:extLst>
-  </p:cSld>
-  <p:clrMapOvr>
-    <a:masterClrMapping/>
-  </p:clrMapOvr>
-</p:sld>
-</file>
-
 <file path=ppt/slides/slide35.xml><?xml version="1.0" encoding="utf-8"?>
 <p:sld xmlns:a="http://schemas.openxmlformats.org/drawingml/2006/main" xmlns:r="http://schemas.openxmlformats.org/officeDocument/2006/relationships" xmlns:p="http://schemas.openxmlformats.org/presentationml/2006/main">
   <p:cSld>
@@ -14614,35 +15363,56 @@
           </a:p>
         </p:txBody>
       </p:sp>
-      <p:pic>
-        <p:nvPicPr>
-          <p:cNvPr id="5" name="Content Placeholder 4"/>
-          <p:cNvPicPr>
-            <a:picLocks noGrp="1" noChangeAspect="1"/>
-          </p:cNvPicPr>
+      <p:sp>
+        <p:nvSpPr>
+          <p:cNvPr id="3" name="Content Placeholder 2"/>
+          <p:cNvSpPr>
+            <a:spLocks noGrp="1"/>
+          </p:cNvSpPr>
           <p:nvPr>
             <p:ph idx="1"/>
           </p:nvPr>
-        </p:nvPicPr>
-        <p:blipFill>
-          <a:blip r:embed="rId2" cstate="print">
-            <a:extLst>
-              <a:ext uri="{28A0092B-C50C-407E-A947-70E740481C1C}">
-                <a14:useLocalDpi xmlns:a14="http://schemas.microsoft.com/office/drawing/2010/main" val="0"/>
-              </a:ext>
-            </a:extLst>
-          </a:blip>
-          <a:stretch>
-            <a:fillRect/>
-          </a:stretch>
-        </p:blipFill>
+        </p:nvSpPr>
         <p:spPr>
           <a:xfrm>
-            <a:off x="1460829" y="1981200"/>
-            <a:ext cx="6222342" cy="4114800"/>
+            <a:off x="685800" y="1905000"/>
+            <a:ext cx="7772400" cy="4114800"/>
           </a:xfrm>
         </p:spPr>
-      </p:pic>
+        <p:txBody>
+          <a:bodyPr/>
+          <a:lstStyle/>
+          <a:p>
+            <a:r>
+              <a:rPr lang="en-US" dirty="0"/>
+              <a:t>Wiring Connections: A red/white connector goes to a PWM output (red=signal, white=ground) This is only used as a signal to Enable/Disable the motor with the robot. </a:t>
+            </a:r>
+          </a:p>
+          <a:p>
+            <a:r>
+              <a:rPr lang="en-US" dirty="0"/>
+              <a:t>A black/blue connector goes to a DIO (blue=</a:t>
+            </a:r>
+            <a:r>
+              <a:rPr lang="en-US" dirty="0" err="1"/>
+              <a:t>signal,black</a:t>
+            </a:r>
+            <a:r>
+              <a:rPr lang="en-US" dirty="0"/>
+              <a:t>=ground) This produces a PWM signal to control the direction and speed of the motor. </a:t>
+            </a:r>
+          </a:p>
+          <a:p>
+            <a:r>
+              <a:rPr lang="en-US" dirty="0"/>
+              <a:t>Bare Red/white wires connect to the PDP (20a breaker) and provide the power. </a:t>
+            </a:r>
+          </a:p>
+          <a:p>
+            <a:endParaRPr lang="en-US" dirty="0"/>
+          </a:p>
+        </p:txBody>
+      </p:sp>
       <p:sp>
         <p:nvSpPr>
           <p:cNvPr id="4" name="Footer Placeholder 3"/>
@@ -14674,7 +15444,7 @@
     </p:spTree>
     <p:extLst>
       <p:ext uri="{BB962C8B-B14F-4D97-AF65-F5344CB8AC3E}">
-        <p14:creationId xmlns:p14="http://schemas.microsoft.com/office/powerpoint/2010/main" val="3082182089"/>
+        <p14:creationId xmlns:p14="http://schemas.microsoft.com/office/powerpoint/2010/main" val="1975418716"/>
       </p:ext>
     </p:extLst>
   </p:cSld>
@@ -14724,10 +15494,38 @@
               <a:rPr lang="en-US" sz="2800" dirty="0"/>
               <a:t> Dynamo BLDC Motor with Controller</a:t>
             </a:r>
-            <a:endParaRPr lang="en-US" dirty="0"/>
-          </a:p>
-        </p:txBody>
-      </p:sp>
+          </a:p>
+        </p:txBody>
+      </p:sp>
+      <p:pic>
+        <p:nvPicPr>
+          <p:cNvPr id="5" name="Content Placeholder 4"/>
+          <p:cNvPicPr>
+            <a:picLocks noGrp="1" noChangeAspect="1"/>
+          </p:cNvPicPr>
+          <p:nvPr>
+            <p:ph idx="1"/>
+          </p:nvPr>
+        </p:nvPicPr>
+        <p:blipFill>
+          <a:blip r:embed="rId2" cstate="print">
+            <a:extLst>
+              <a:ext uri="{28A0092B-C50C-407E-A947-70E740481C1C}">
+                <a14:useLocalDpi xmlns:a14="http://schemas.microsoft.com/office/drawing/2010/main" val="0"/>
+              </a:ext>
+            </a:extLst>
+          </a:blip>
+          <a:stretch>
+            <a:fillRect/>
+          </a:stretch>
+        </p:blipFill>
+        <p:spPr>
+          <a:xfrm>
+            <a:off x="1460829" y="1981200"/>
+            <a:ext cx="6222342" cy="4114800"/>
+          </a:xfrm>
+        </p:spPr>
+      </p:pic>
       <p:sp>
         <p:nvSpPr>
           <p:cNvPr id="4" name="Footer Placeholder 3"/>
@@ -14753,129 +15551,13 @@
               <a:t>FIRST Jump Start</a:t>
             </a:r>
             <a:endParaRPr lang="en-US" altLang="en-US" dirty="0"/>
-          </a:p>
-        </p:txBody>
-      </p:sp>
-      <p:sp>
-        <p:nvSpPr>
-          <p:cNvPr id="3" name="Content Placeholder 2"/>
-          <p:cNvSpPr>
-            <a:spLocks noGrp="1"/>
-          </p:cNvSpPr>
-          <p:nvPr>
-            <p:ph idx="1"/>
-          </p:nvPr>
-        </p:nvSpPr>
-        <p:spPr/>
-        <p:txBody>
-          <a:bodyPr/>
-          <a:lstStyle/>
-          <a:p>
-            <a:pPr marL="0" indent="0">
-              <a:buNone/>
-            </a:pPr>
-            <a:r>
-              <a:rPr lang="en-US" sz="2000" dirty="0"/>
-              <a:t>Hookups to the </a:t>
-            </a:r>
-            <a:r>
-              <a:rPr lang="en-US" sz="2000" dirty="0" err="1"/>
-              <a:t>roboRIO</a:t>
-            </a:r>
-            <a:r>
-              <a:rPr lang="en-US" sz="2000" dirty="0"/>
-              <a:t>/PDP:</a:t>
-            </a:r>
-          </a:p>
-          <a:p>
-            <a:pPr marL="0" indent="0">
-              <a:buNone/>
-            </a:pPr>
-            <a:r>
-              <a:rPr lang="en-US" sz="2000" dirty="0"/>
-              <a:t>There is a caution with the brushless wiring. </a:t>
-            </a:r>
-            <a:br>
-              <a:rPr lang="en-US" sz="2000" dirty="0"/>
-            </a:br>
-            <a:r>
-              <a:rPr lang="en-US" sz="2000" b="1" dirty="0">
-                <a:solidFill>
-                  <a:schemeClr val="accent2">
-                    <a:lumMod val="60000"/>
-                    <a:lumOff val="40000"/>
-                  </a:schemeClr>
-                </a:solidFill>
-              </a:rPr>
-              <a:t>**** </a:t>
-            </a:r>
-            <a:r>
-              <a:rPr lang="en-US" sz="2000" dirty="0">
-                <a:solidFill>
-                  <a:schemeClr val="accent2">
-                    <a:lumMod val="60000"/>
-                    <a:lumOff val="40000"/>
-                  </a:schemeClr>
-                </a:solidFill>
-              </a:rPr>
-              <a:t>If the DIO connection comes loose, then the motor will race uncontrollably while the robot is Enabled. </a:t>
-            </a:r>
-            <a:r>
-              <a:rPr lang="en-US" sz="2000" b="1" dirty="0">
-                <a:solidFill>
-                  <a:schemeClr val="accent2">
-                    <a:lumMod val="60000"/>
-                    <a:lumOff val="40000"/>
-                  </a:schemeClr>
-                </a:solidFill>
-              </a:rPr>
-              <a:t>****</a:t>
-            </a:r>
-          </a:p>
-          <a:p>
-            <a:pPr marL="0" indent="0">
-              <a:buNone/>
-            </a:pPr>
-            <a:endParaRPr lang="en-US" sz="2000" b="1" dirty="0">
-              <a:solidFill>
-                <a:schemeClr val="accent2">
-                  <a:lumMod val="60000"/>
-                  <a:lumOff val="40000"/>
-                </a:schemeClr>
-              </a:solidFill>
-            </a:endParaRPr>
-          </a:p>
-          <a:p>
-            <a:r>
-              <a:rPr lang="en-US" dirty="0"/>
-              <a:t>It is designed to be disabled when the robot is disabled, so it can be quickly halted if this happens. But remember that if it happens during a match, then the only way to Disable the runaway motor is by </a:t>
-            </a:r>
-            <a:r>
-              <a:rPr lang="en-US" dirty="0" err="1"/>
-              <a:t>eStop</a:t>
-            </a:r>
-            <a:r>
-              <a:rPr lang="en-US" dirty="0"/>
-              <a:t> and your role in the match is over. </a:t>
-            </a:r>
-            <a:br>
-              <a:rPr lang="en-US" dirty="0"/>
-            </a:br>
-            <a:endParaRPr lang="en-US" dirty="0">
-              <a:solidFill>
-                <a:schemeClr val="accent2">
-                  <a:lumMod val="60000"/>
-                  <a:lumOff val="40000"/>
-                </a:schemeClr>
-              </a:solidFill>
-            </a:endParaRPr>
           </a:p>
         </p:txBody>
       </p:sp>
     </p:spTree>
     <p:extLst>
       <p:ext uri="{BB962C8B-B14F-4D97-AF65-F5344CB8AC3E}">
-        <p14:creationId xmlns:p14="http://schemas.microsoft.com/office/powerpoint/2010/main" val="2900847057"/>
+        <p14:creationId xmlns:p14="http://schemas.microsoft.com/office/powerpoint/2010/main" val="3082182089"/>
       </p:ext>
     </p:extLst>
   </p:cSld>
@@ -14925,6 +15607,207 @@
               <a:rPr lang="en-US" sz="2800" dirty="0"/>
               <a:t> Dynamo BLDC Motor with Controller</a:t>
             </a:r>
+            <a:endParaRPr lang="en-US" dirty="0"/>
+          </a:p>
+        </p:txBody>
+      </p:sp>
+      <p:sp>
+        <p:nvSpPr>
+          <p:cNvPr id="4" name="Footer Placeholder 3"/>
+          <p:cNvSpPr>
+            <a:spLocks noGrp="1"/>
+          </p:cNvSpPr>
+          <p:nvPr>
+            <p:ph type="ftr" sz="quarter" idx="10"/>
+          </p:nvPr>
+        </p:nvSpPr>
+        <p:spPr/>
+        <p:txBody>
+          <a:bodyPr/>
+          <a:lstStyle/>
+          <a:p>
+            <a:pPr eaLnBrk="1" hangingPunct="1"/>
+            <a:r>
+              <a:rPr lang="en-US" altLang="en-US" dirty="0"/>
+              <a:t>2017  MN </a:t>
+            </a:r>
+            <a:r>
+              <a:rPr lang="en-US" altLang="en-US" i="1" dirty="0"/>
+              <a:t>FIRST Jump Start</a:t>
+            </a:r>
+            <a:endParaRPr lang="en-US" altLang="en-US" dirty="0"/>
+          </a:p>
+        </p:txBody>
+      </p:sp>
+      <p:sp>
+        <p:nvSpPr>
+          <p:cNvPr id="3" name="Content Placeholder 2"/>
+          <p:cNvSpPr>
+            <a:spLocks noGrp="1"/>
+          </p:cNvSpPr>
+          <p:nvPr>
+            <p:ph idx="1"/>
+          </p:nvPr>
+        </p:nvSpPr>
+        <p:spPr/>
+        <p:txBody>
+          <a:bodyPr/>
+          <a:lstStyle/>
+          <a:p>
+            <a:pPr marL="0" indent="0">
+              <a:buNone/>
+            </a:pPr>
+            <a:r>
+              <a:rPr lang="en-US" sz="2000" dirty="0"/>
+              <a:t>Hookups to the </a:t>
+            </a:r>
+            <a:r>
+              <a:rPr lang="en-US" sz="2000" dirty="0" err="1"/>
+              <a:t>roboRIO</a:t>
+            </a:r>
+            <a:r>
+              <a:rPr lang="en-US" sz="2000" dirty="0"/>
+              <a:t>/PDP:</a:t>
+            </a:r>
+          </a:p>
+          <a:p>
+            <a:pPr marL="0" indent="0">
+              <a:buNone/>
+            </a:pPr>
+            <a:r>
+              <a:rPr lang="en-US" sz="2000" dirty="0"/>
+              <a:t>There is a caution with the brushless wiring. </a:t>
+            </a:r>
+            <a:br>
+              <a:rPr lang="en-US" sz="2000" dirty="0"/>
+            </a:br>
+            <a:r>
+              <a:rPr lang="en-US" sz="2000" b="1" dirty="0">
+                <a:solidFill>
+                  <a:schemeClr val="accent2">
+                    <a:lumMod val="60000"/>
+                    <a:lumOff val="40000"/>
+                  </a:schemeClr>
+                </a:solidFill>
+              </a:rPr>
+              <a:t>**** </a:t>
+            </a:r>
+            <a:r>
+              <a:rPr lang="en-US" sz="2000" dirty="0">
+                <a:solidFill>
+                  <a:schemeClr val="accent2">
+                    <a:lumMod val="60000"/>
+                    <a:lumOff val="40000"/>
+                  </a:schemeClr>
+                </a:solidFill>
+              </a:rPr>
+              <a:t>If the DIO connection comes loose, then the motor will race uncontrollably while the robot is Enabled. </a:t>
+            </a:r>
+            <a:r>
+              <a:rPr lang="en-US" sz="2000" b="1" dirty="0">
+                <a:solidFill>
+                  <a:schemeClr val="accent2">
+                    <a:lumMod val="60000"/>
+                    <a:lumOff val="40000"/>
+                  </a:schemeClr>
+                </a:solidFill>
+              </a:rPr>
+              <a:t>****</a:t>
+            </a:r>
+          </a:p>
+          <a:p>
+            <a:pPr marL="0" indent="0">
+              <a:buNone/>
+            </a:pPr>
+            <a:endParaRPr lang="en-US" sz="2000" b="1" dirty="0">
+              <a:solidFill>
+                <a:schemeClr val="accent2">
+                  <a:lumMod val="60000"/>
+                  <a:lumOff val="40000"/>
+                </a:schemeClr>
+              </a:solidFill>
+            </a:endParaRPr>
+          </a:p>
+          <a:p>
+            <a:r>
+              <a:rPr lang="en-US" dirty="0"/>
+              <a:t>It is designed to be disabled when the robot is disabled, so it can be quickly halted if this happens. But remember that if it happens during a match, then the only way to Disable the runaway motor is by </a:t>
+            </a:r>
+            <a:r>
+              <a:rPr lang="en-US" dirty="0" err="1"/>
+              <a:t>eStop</a:t>
+            </a:r>
+            <a:r>
+              <a:rPr lang="en-US" dirty="0"/>
+              <a:t> and your role in the match is over. </a:t>
+            </a:r>
+            <a:br>
+              <a:rPr lang="en-US" dirty="0"/>
+            </a:br>
+            <a:endParaRPr lang="en-US" dirty="0">
+              <a:solidFill>
+                <a:schemeClr val="accent2">
+                  <a:lumMod val="60000"/>
+                  <a:lumOff val="40000"/>
+                </a:schemeClr>
+              </a:solidFill>
+            </a:endParaRPr>
+          </a:p>
+        </p:txBody>
+      </p:sp>
+    </p:spTree>
+    <p:extLst>
+      <p:ext uri="{BB962C8B-B14F-4D97-AF65-F5344CB8AC3E}">
+        <p14:creationId xmlns:p14="http://schemas.microsoft.com/office/powerpoint/2010/main" val="2900847057"/>
+      </p:ext>
+    </p:extLst>
+  </p:cSld>
+  <p:clrMapOvr>
+    <a:masterClrMapping/>
+  </p:clrMapOvr>
+</p:sld>
+</file>
+
+<file path=ppt/slides/slide38.xml><?xml version="1.0" encoding="utf-8"?>
+<p:sld xmlns:a="http://schemas.openxmlformats.org/drawingml/2006/main" xmlns:r="http://schemas.openxmlformats.org/officeDocument/2006/relationships" xmlns:p="http://schemas.openxmlformats.org/presentationml/2006/main">
+  <p:cSld>
+    <p:spTree>
+      <p:nvGrpSpPr>
+        <p:cNvPr id="1" name=""/>
+        <p:cNvGrpSpPr/>
+        <p:nvPr/>
+      </p:nvGrpSpPr>
+      <p:grpSpPr>
+        <a:xfrm>
+          <a:off x="0" y="0"/>
+          <a:ext cx="0" cy="0"/>
+          <a:chOff x="0" y="0"/>
+          <a:chExt cx="0" cy="0"/>
+        </a:xfrm>
+      </p:grpSpPr>
+      <p:sp>
+        <p:nvSpPr>
+          <p:cNvPr id="2" name="Title 1"/>
+          <p:cNvSpPr>
+            <a:spLocks noGrp="1"/>
+          </p:cNvSpPr>
+          <p:nvPr>
+            <p:ph type="title"/>
+          </p:nvPr>
+        </p:nvSpPr>
+        <p:spPr/>
+        <p:txBody>
+          <a:bodyPr/>
+          <a:lstStyle/>
+          <a:p>
+            <a:r>
+              <a:rPr lang="en-US" sz="2800" dirty="0" err="1"/>
+              <a:t>Nidec</a:t>
+            </a:r>
+            <a:r>
+              <a:rPr lang="en-US" sz="2800" dirty="0"/>
+              <a:t> Dynamo BLDC Motor with Controller</a:t>
+            </a:r>
           </a:p>
         </p:txBody>
       </p:sp>
@@ -14997,7 +15880,7 @@
 </p:sld>
 </file>
 
-<file path=ppt/slides/slide38.xml><?xml version="1.0" encoding="utf-8"?>
+<file path=ppt/slides/slide39.xml><?xml version="1.0" encoding="utf-8"?>
 <p:sld xmlns:a="http://schemas.openxmlformats.org/drawingml/2006/main" xmlns:r="http://schemas.openxmlformats.org/officeDocument/2006/relationships" xmlns:p="http://schemas.openxmlformats.org/presentationml/2006/main">
   <p:cSld>
     <p:spTree>
@@ -15200,7 +16083,346 @@
 </p:sld>
 </file>
 
-<file path=ppt/slides/slide39.xml><?xml version="1.0" encoding="utf-8"?>
+<file path=ppt/slides/slide4.xml><?xml version="1.0" encoding="utf-8"?>
+<p:sld xmlns:a="http://schemas.openxmlformats.org/drawingml/2006/main" xmlns:r="http://schemas.openxmlformats.org/officeDocument/2006/relationships" xmlns:p="http://schemas.openxmlformats.org/presentationml/2006/main">
+  <p:cSld>
+    <p:spTree>
+      <p:nvGrpSpPr>
+        <p:cNvPr id="1" name=""/>
+        <p:cNvGrpSpPr/>
+        <p:nvPr/>
+      </p:nvGrpSpPr>
+      <p:grpSpPr>
+        <a:xfrm>
+          <a:off x="0" y="0"/>
+          <a:ext cx="0" cy="0"/>
+          <a:chOff x="0" y="0"/>
+          <a:chExt cx="0" cy="0"/>
+        </a:xfrm>
+      </p:grpSpPr>
+      <p:sp>
+        <p:nvSpPr>
+          <p:cNvPr id="14338" name="Title 1"/>
+          <p:cNvSpPr>
+            <a:spLocks noGrp="1"/>
+          </p:cNvSpPr>
+          <p:nvPr>
+            <p:ph type="title"/>
+          </p:nvPr>
+        </p:nvSpPr>
+        <p:spPr/>
+        <p:txBody>
+          <a:bodyPr/>
+          <a:lstStyle/>
+          <a:p>
+            <a:pPr eaLnBrk="1" hangingPunct="1"/>
+            <a:r>
+              <a:rPr lang="en-US" dirty="0"/>
+              <a:t>Who we are?</a:t>
+            </a:r>
+            <a:endParaRPr lang="en-US" altLang="en-US" dirty="0"/>
+          </a:p>
+        </p:txBody>
+      </p:sp>
+      <p:sp>
+        <p:nvSpPr>
+          <p:cNvPr id="14339" name="Content Placeholder 2"/>
+          <p:cNvSpPr>
+            <a:spLocks noGrp="1"/>
+          </p:cNvSpPr>
+          <p:nvPr>
+            <p:ph idx="1"/>
+          </p:nvPr>
+        </p:nvSpPr>
+        <p:spPr>
+          <a:xfrm>
+            <a:off x="685800" y="1981200"/>
+            <a:ext cx="7772400" cy="3581400"/>
+          </a:xfrm>
+        </p:spPr>
+        <p:txBody>
+          <a:bodyPr/>
+          <a:lstStyle/>
+          <a:p>
+            <a:pPr eaLnBrk="1" hangingPunct="1">
+              <a:buFont typeface="Wingdings" panose="05000000000000000000" pitchFamily="2" charset="2"/>
+              <a:buChar char="Ø"/>
+            </a:pPr>
+            <a:r>
+              <a:rPr lang="en-US" dirty="0"/>
+              <a:t>Team 3026 uses </a:t>
+            </a:r>
+            <a:r>
+              <a:rPr lang="en-US" dirty="0" err="1"/>
+              <a:t>LabView</a:t>
+            </a:r>
+            <a:r>
+              <a:rPr lang="en-US" dirty="0"/>
+              <a:t> Code. </a:t>
+            </a:r>
+          </a:p>
+          <a:p>
+            <a:pPr eaLnBrk="1" hangingPunct="1">
+              <a:buFont typeface="Wingdings" panose="05000000000000000000" pitchFamily="2" charset="2"/>
+              <a:buChar char="Ø"/>
+            </a:pPr>
+            <a:r>
+              <a:rPr lang="en-US" dirty="0"/>
+              <a:t>Team 3840 uses Java Code.</a:t>
+            </a:r>
+          </a:p>
+          <a:p>
+            <a:pPr eaLnBrk="1" hangingPunct="1">
+              <a:buFont typeface="Wingdings" panose="05000000000000000000" pitchFamily="2" charset="2"/>
+              <a:buChar char="Ø"/>
+            </a:pPr>
+            <a:r>
+              <a:rPr lang="en-US" dirty="0"/>
+              <a:t>Team 4607 used C++ in 2016/2017.</a:t>
+            </a:r>
+          </a:p>
+          <a:p>
+            <a:pPr eaLnBrk="1" hangingPunct="1">
+              <a:buFont typeface="Wingdings" panose="05000000000000000000" pitchFamily="2" charset="2"/>
+              <a:buChar char="Ø"/>
+            </a:pPr>
+            <a:r>
+              <a:rPr lang="en-US" altLang="en-US" dirty="0"/>
+              <a:t>We are all lead programming mentors for our team’s.  Chris and Todd are also are CSA’s during regional and off season events.</a:t>
+            </a:r>
+          </a:p>
+          <a:p>
+            <a:pPr eaLnBrk="1" hangingPunct="1">
+              <a:buFont typeface="Wingdings" panose="05000000000000000000" pitchFamily="2" charset="2"/>
+              <a:buChar char="Ø"/>
+            </a:pPr>
+            <a:endParaRPr lang="en-US" altLang="en-US" dirty="0"/>
+          </a:p>
+        </p:txBody>
+      </p:sp>
+      <p:sp>
+        <p:nvSpPr>
+          <p:cNvPr id="14340" name="Footer Placeholder 3"/>
+          <p:cNvSpPr>
+            <a:spLocks noGrp="1"/>
+          </p:cNvSpPr>
+          <p:nvPr>
+            <p:ph type="ftr" sz="quarter" idx="10"/>
+          </p:nvPr>
+        </p:nvSpPr>
+        <p:spPr>
+          <a:noFill/>
+          <a:ln/>
+          <a:extLst>
+            <a:ext uri="{909E8E84-426E-40DD-AFC4-6F175D3DCCD1}">
+              <a14:hiddenFill xmlns:a14="http://schemas.microsoft.com/office/drawing/2010/main">
+                <a:solidFill>
+                  <a:srgbClr val="FFFFFF"/>
+                </a:solidFill>
+              </a14:hiddenFill>
+            </a:ext>
+            <a:ext uri="{91240B29-F687-4F45-9708-019B960494DF}">
+              <a14:hiddenLine xmlns:a14="http://schemas.microsoft.com/office/drawing/2010/main" w="9525">
+                <a:solidFill>
+                  <a:srgbClr val="000000"/>
+                </a:solidFill>
+                <a:miter lim="800000"/>
+                <a:headEnd/>
+                <a:tailEnd/>
+              </a14:hiddenLine>
+            </a:ext>
+          </a:extLst>
+        </p:spPr>
+        <p:txBody>
+          <a:bodyPr/>
+          <a:lstStyle>
+            <a:lvl1pPr eaLnBrk="0" hangingPunct="0">
+              <a:defRPr sz="2200">
+                <a:solidFill>
+                  <a:srgbClr val="FFFFFF"/>
+                </a:solidFill>
+                <a:latin typeface="Trebuchet MS" panose="020B0603020202020204" pitchFamily="34" charset="0"/>
+                <a:cs typeface="Times New Roman" panose="02020603050405020304" pitchFamily="18" charset="0"/>
+              </a:defRPr>
+            </a:lvl1pPr>
+            <a:lvl2pPr marL="742950" indent="-285750" eaLnBrk="0" hangingPunct="0">
+              <a:defRPr sz="2200">
+                <a:solidFill>
+                  <a:srgbClr val="FFFFFF"/>
+                </a:solidFill>
+                <a:latin typeface="Trebuchet MS" panose="020B0603020202020204" pitchFamily="34" charset="0"/>
+                <a:cs typeface="Times New Roman" panose="02020603050405020304" pitchFamily="18" charset="0"/>
+              </a:defRPr>
+            </a:lvl2pPr>
+            <a:lvl3pPr marL="1143000" indent="-228600" eaLnBrk="0" hangingPunct="0">
+              <a:defRPr sz="2200">
+                <a:solidFill>
+                  <a:srgbClr val="FFFFFF"/>
+                </a:solidFill>
+                <a:latin typeface="Trebuchet MS" panose="020B0603020202020204" pitchFamily="34" charset="0"/>
+                <a:cs typeface="Times New Roman" panose="02020603050405020304" pitchFamily="18" charset="0"/>
+              </a:defRPr>
+            </a:lvl3pPr>
+            <a:lvl4pPr marL="1600200" indent="-228600" eaLnBrk="0" hangingPunct="0">
+              <a:defRPr sz="2200">
+                <a:solidFill>
+                  <a:srgbClr val="FFFFFF"/>
+                </a:solidFill>
+                <a:latin typeface="Trebuchet MS" panose="020B0603020202020204" pitchFamily="34" charset="0"/>
+                <a:cs typeface="Times New Roman" panose="02020603050405020304" pitchFamily="18" charset="0"/>
+              </a:defRPr>
+            </a:lvl4pPr>
+            <a:lvl5pPr marL="2057400" indent="-228600" eaLnBrk="0" hangingPunct="0">
+              <a:defRPr sz="2200">
+                <a:solidFill>
+                  <a:srgbClr val="FFFFFF"/>
+                </a:solidFill>
+                <a:latin typeface="Trebuchet MS" panose="020B0603020202020204" pitchFamily="34" charset="0"/>
+                <a:cs typeface="Times New Roman" panose="02020603050405020304" pitchFamily="18" charset="0"/>
+              </a:defRPr>
+            </a:lvl5pPr>
+            <a:lvl6pPr marL="2514600" indent="-228600" eaLnBrk="0" fontAlgn="base" hangingPunct="0">
+              <a:spcBef>
+                <a:spcPct val="0"/>
+              </a:spcBef>
+              <a:spcAft>
+                <a:spcPct val="0"/>
+              </a:spcAft>
+              <a:defRPr sz="2200">
+                <a:solidFill>
+                  <a:srgbClr val="FFFFFF"/>
+                </a:solidFill>
+                <a:latin typeface="Trebuchet MS" panose="020B0603020202020204" pitchFamily="34" charset="0"/>
+                <a:cs typeface="Times New Roman" panose="02020603050405020304" pitchFamily="18" charset="0"/>
+              </a:defRPr>
+            </a:lvl6pPr>
+            <a:lvl7pPr marL="2971800" indent="-228600" eaLnBrk="0" fontAlgn="base" hangingPunct="0">
+              <a:spcBef>
+                <a:spcPct val="0"/>
+              </a:spcBef>
+              <a:spcAft>
+                <a:spcPct val="0"/>
+              </a:spcAft>
+              <a:defRPr sz="2200">
+                <a:solidFill>
+                  <a:srgbClr val="FFFFFF"/>
+                </a:solidFill>
+                <a:latin typeface="Trebuchet MS" panose="020B0603020202020204" pitchFamily="34" charset="0"/>
+                <a:cs typeface="Times New Roman" panose="02020603050405020304" pitchFamily="18" charset="0"/>
+              </a:defRPr>
+            </a:lvl7pPr>
+            <a:lvl8pPr marL="3429000" indent="-228600" eaLnBrk="0" fontAlgn="base" hangingPunct="0">
+              <a:spcBef>
+                <a:spcPct val="0"/>
+              </a:spcBef>
+              <a:spcAft>
+                <a:spcPct val="0"/>
+              </a:spcAft>
+              <a:defRPr sz="2200">
+                <a:solidFill>
+                  <a:srgbClr val="FFFFFF"/>
+                </a:solidFill>
+                <a:latin typeface="Trebuchet MS" panose="020B0603020202020204" pitchFamily="34" charset="0"/>
+                <a:cs typeface="Times New Roman" panose="02020603050405020304" pitchFamily="18" charset="0"/>
+              </a:defRPr>
+            </a:lvl8pPr>
+            <a:lvl9pPr marL="3886200" indent="-228600" eaLnBrk="0" fontAlgn="base" hangingPunct="0">
+              <a:spcBef>
+                <a:spcPct val="0"/>
+              </a:spcBef>
+              <a:spcAft>
+                <a:spcPct val="0"/>
+              </a:spcAft>
+              <a:defRPr sz="2200">
+                <a:solidFill>
+                  <a:srgbClr val="FFFFFF"/>
+                </a:solidFill>
+                <a:latin typeface="Trebuchet MS" panose="020B0603020202020204" pitchFamily="34" charset="0"/>
+                <a:cs typeface="Times New Roman" panose="02020603050405020304" pitchFamily="18" charset="0"/>
+              </a:defRPr>
+            </a:lvl9pPr>
+          </a:lstStyle>
+          <a:p>
+            <a:pPr eaLnBrk="1" hangingPunct="1"/>
+            <a:r>
+              <a:rPr lang="en-US" altLang="en-US" sz="1400" dirty="0">
+                <a:solidFill>
+                  <a:schemeClr val="tx1"/>
+                </a:solidFill>
+              </a:rPr>
+              <a:t>2017  MN </a:t>
+            </a:r>
+            <a:r>
+              <a:rPr lang="en-US" altLang="en-US" sz="1400" i="1" dirty="0">
+                <a:solidFill>
+                  <a:schemeClr val="tx1"/>
+                </a:solidFill>
+              </a:rPr>
+              <a:t>FIRST Jump Start</a:t>
+            </a:r>
+            <a:endParaRPr lang="en-US" altLang="en-US" sz="1400" dirty="0">
+              <a:solidFill>
+                <a:schemeClr val="tx1"/>
+              </a:solidFill>
+            </a:endParaRPr>
+          </a:p>
+        </p:txBody>
+      </p:sp>
+      <p:pic>
+        <p:nvPicPr>
+          <p:cNvPr id="5" name="Picture 2" descr="https://lh3.googleusercontent.com/whV856uT_V-PMVpGMM2I--_xyYUcTkSA8pSILVGbTBdmffy87jvHb9d6CAKuAvxYZ8CZE4LaimRuIGq23GM-fyMcsIzGdzfEfZt0kscqkFy7iH7uqxMVUH-wHIWEX66AbDTmfUM9FN8"/>
+          <p:cNvPicPr>
+            <a:picLocks noChangeAspect="1" noChangeArrowheads="1"/>
+          </p:cNvPicPr>
+          <p:nvPr/>
+        </p:nvPicPr>
+        <p:blipFill>
+          <a:blip r:embed="rId2">
+            <a:extLst>
+              <a:ext uri="{28A0092B-C50C-407E-A947-70E740481C1C}">
+                <a14:useLocalDpi xmlns:a14="http://schemas.microsoft.com/office/drawing/2010/main" val="0"/>
+              </a:ext>
+            </a:extLst>
+          </a:blip>
+          <a:srcRect/>
+          <a:stretch>
+            <a:fillRect/>
+          </a:stretch>
+        </p:blipFill>
+        <p:spPr bwMode="auto">
+          <a:xfrm>
+            <a:off x="6172200" y="5444963"/>
+            <a:ext cx="3505200" cy="2238260"/>
+          </a:xfrm>
+          <a:prstGeom prst="rect">
+            <a:avLst/>
+          </a:prstGeom>
+          <a:noFill/>
+          <a:extLst>
+            <a:ext uri="{909E8E84-426E-40DD-AFC4-6F175D3DCCD1}">
+              <a14:hiddenFill xmlns:a14="http://schemas.microsoft.com/office/drawing/2010/main">
+                <a:solidFill>
+                  <a:srgbClr val="FFFFFF"/>
+                </a:solidFill>
+              </a14:hiddenFill>
+            </a:ext>
+          </a:extLst>
+        </p:spPr>
+      </p:pic>
+    </p:spTree>
+    <p:extLst>
+      <p:ext uri="{BB962C8B-B14F-4D97-AF65-F5344CB8AC3E}">
+        <p14:creationId xmlns:p14="http://schemas.microsoft.com/office/powerpoint/2010/main" val="818498106"/>
+      </p:ext>
+    </p:extLst>
+  </p:cSld>
+  <p:clrMapOvr>
+    <a:masterClrMapping/>
+  </p:clrMapOvr>
+</p:sld>
+</file>
+
+<file path=ppt/slides/slide40.xml><?xml version="1.0" encoding="utf-8"?>
 <p:sld xmlns:a="http://schemas.openxmlformats.org/drawingml/2006/main" xmlns:r="http://schemas.openxmlformats.org/officeDocument/2006/relationships" xmlns:p="http://schemas.openxmlformats.org/presentationml/2006/main">
   <p:cSld>
     <p:spTree>
@@ -15390,346 +16612,7 @@
 </p:sld>
 </file>
 
-<file path=ppt/slides/slide4.xml><?xml version="1.0" encoding="utf-8"?>
-<p:sld xmlns:a="http://schemas.openxmlformats.org/drawingml/2006/main" xmlns:r="http://schemas.openxmlformats.org/officeDocument/2006/relationships" xmlns:p="http://schemas.openxmlformats.org/presentationml/2006/main">
-  <p:cSld>
-    <p:spTree>
-      <p:nvGrpSpPr>
-        <p:cNvPr id="1" name=""/>
-        <p:cNvGrpSpPr/>
-        <p:nvPr/>
-      </p:nvGrpSpPr>
-      <p:grpSpPr>
-        <a:xfrm>
-          <a:off x="0" y="0"/>
-          <a:ext cx="0" cy="0"/>
-          <a:chOff x="0" y="0"/>
-          <a:chExt cx="0" cy="0"/>
-        </a:xfrm>
-      </p:grpSpPr>
-      <p:sp>
-        <p:nvSpPr>
-          <p:cNvPr id="14338" name="Title 1"/>
-          <p:cNvSpPr>
-            <a:spLocks noGrp="1"/>
-          </p:cNvSpPr>
-          <p:nvPr>
-            <p:ph type="title"/>
-          </p:nvPr>
-        </p:nvSpPr>
-        <p:spPr/>
-        <p:txBody>
-          <a:bodyPr/>
-          <a:lstStyle/>
-          <a:p>
-            <a:pPr eaLnBrk="1" hangingPunct="1"/>
-            <a:r>
-              <a:rPr lang="en-US" dirty="0"/>
-              <a:t>Who we are?</a:t>
-            </a:r>
-            <a:endParaRPr lang="en-US" altLang="en-US" dirty="0"/>
-          </a:p>
-        </p:txBody>
-      </p:sp>
-      <p:sp>
-        <p:nvSpPr>
-          <p:cNvPr id="14339" name="Content Placeholder 2"/>
-          <p:cNvSpPr>
-            <a:spLocks noGrp="1"/>
-          </p:cNvSpPr>
-          <p:nvPr>
-            <p:ph idx="1"/>
-          </p:nvPr>
-        </p:nvSpPr>
-        <p:spPr>
-          <a:xfrm>
-            <a:off x="685800" y="1981200"/>
-            <a:ext cx="7772400" cy="3581400"/>
-          </a:xfrm>
-        </p:spPr>
-        <p:txBody>
-          <a:bodyPr/>
-          <a:lstStyle/>
-          <a:p>
-            <a:pPr eaLnBrk="1" hangingPunct="1">
-              <a:buFont typeface="Wingdings" panose="05000000000000000000" pitchFamily="2" charset="2"/>
-              <a:buChar char="Ø"/>
-            </a:pPr>
-            <a:r>
-              <a:rPr lang="en-US" dirty="0"/>
-              <a:t>Team 3026 uses </a:t>
-            </a:r>
-            <a:r>
-              <a:rPr lang="en-US" dirty="0" err="1"/>
-              <a:t>LabView</a:t>
-            </a:r>
-            <a:r>
-              <a:rPr lang="en-US" dirty="0"/>
-              <a:t> Code. </a:t>
-            </a:r>
-          </a:p>
-          <a:p>
-            <a:pPr eaLnBrk="1" hangingPunct="1">
-              <a:buFont typeface="Wingdings" panose="05000000000000000000" pitchFamily="2" charset="2"/>
-              <a:buChar char="Ø"/>
-            </a:pPr>
-            <a:r>
-              <a:rPr lang="en-US" dirty="0"/>
-              <a:t>Team 3840 uses Java Code.</a:t>
-            </a:r>
-          </a:p>
-          <a:p>
-            <a:pPr eaLnBrk="1" hangingPunct="1">
-              <a:buFont typeface="Wingdings" panose="05000000000000000000" pitchFamily="2" charset="2"/>
-              <a:buChar char="Ø"/>
-            </a:pPr>
-            <a:r>
-              <a:rPr lang="en-US" dirty="0"/>
-              <a:t>Team 4607 used C++ in 2016/2017.</a:t>
-            </a:r>
-          </a:p>
-          <a:p>
-            <a:pPr eaLnBrk="1" hangingPunct="1">
-              <a:buFont typeface="Wingdings" panose="05000000000000000000" pitchFamily="2" charset="2"/>
-              <a:buChar char="Ø"/>
-            </a:pPr>
-            <a:r>
-              <a:rPr lang="en-US" altLang="en-US" dirty="0"/>
-              <a:t>We are all lead programming mentors for our team’s.  Chris and Todd are also are CSA’s during regional and off season events.</a:t>
-            </a:r>
-          </a:p>
-          <a:p>
-            <a:pPr eaLnBrk="1" hangingPunct="1">
-              <a:buFont typeface="Wingdings" panose="05000000000000000000" pitchFamily="2" charset="2"/>
-              <a:buChar char="Ø"/>
-            </a:pPr>
-            <a:endParaRPr lang="en-US" altLang="en-US" dirty="0"/>
-          </a:p>
-        </p:txBody>
-      </p:sp>
-      <p:sp>
-        <p:nvSpPr>
-          <p:cNvPr id="14340" name="Footer Placeholder 3"/>
-          <p:cNvSpPr>
-            <a:spLocks noGrp="1"/>
-          </p:cNvSpPr>
-          <p:nvPr>
-            <p:ph type="ftr" sz="quarter" idx="10"/>
-          </p:nvPr>
-        </p:nvSpPr>
-        <p:spPr>
-          <a:noFill/>
-          <a:ln/>
-          <a:extLst>
-            <a:ext uri="{909E8E84-426E-40DD-AFC4-6F175D3DCCD1}">
-              <a14:hiddenFill xmlns:a14="http://schemas.microsoft.com/office/drawing/2010/main">
-                <a:solidFill>
-                  <a:srgbClr val="FFFFFF"/>
-                </a:solidFill>
-              </a14:hiddenFill>
-            </a:ext>
-            <a:ext uri="{91240B29-F687-4F45-9708-019B960494DF}">
-              <a14:hiddenLine xmlns:a14="http://schemas.microsoft.com/office/drawing/2010/main" w="9525">
-                <a:solidFill>
-                  <a:srgbClr val="000000"/>
-                </a:solidFill>
-                <a:miter lim="800000"/>
-                <a:headEnd/>
-                <a:tailEnd/>
-              </a14:hiddenLine>
-            </a:ext>
-          </a:extLst>
-        </p:spPr>
-        <p:txBody>
-          <a:bodyPr/>
-          <a:lstStyle>
-            <a:lvl1pPr eaLnBrk="0" hangingPunct="0">
-              <a:defRPr sz="2200">
-                <a:solidFill>
-                  <a:srgbClr val="FFFFFF"/>
-                </a:solidFill>
-                <a:latin typeface="Trebuchet MS" panose="020B0603020202020204" pitchFamily="34" charset="0"/>
-                <a:cs typeface="Times New Roman" panose="02020603050405020304" pitchFamily="18" charset="0"/>
-              </a:defRPr>
-            </a:lvl1pPr>
-            <a:lvl2pPr marL="742950" indent="-285750" eaLnBrk="0" hangingPunct="0">
-              <a:defRPr sz="2200">
-                <a:solidFill>
-                  <a:srgbClr val="FFFFFF"/>
-                </a:solidFill>
-                <a:latin typeface="Trebuchet MS" panose="020B0603020202020204" pitchFamily="34" charset="0"/>
-                <a:cs typeface="Times New Roman" panose="02020603050405020304" pitchFamily="18" charset="0"/>
-              </a:defRPr>
-            </a:lvl2pPr>
-            <a:lvl3pPr marL="1143000" indent="-228600" eaLnBrk="0" hangingPunct="0">
-              <a:defRPr sz="2200">
-                <a:solidFill>
-                  <a:srgbClr val="FFFFFF"/>
-                </a:solidFill>
-                <a:latin typeface="Trebuchet MS" panose="020B0603020202020204" pitchFamily="34" charset="0"/>
-                <a:cs typeface="Times New Roman" panose="02020603050405020304" pitchFamily="18" charset="0"/>
-              </a:defRPr>
-            </a:lvl3pPr>
-            <a:lvl4pPr marL="1600200" indent="-228600" eaLnBrk="0" hangingPunct="0">
-              <a:defRPr sz="2200">
-                <a:solidFill>
-                  <a:srgbClr val="FFFFFF"/>
-                </a:solidFill>
-                <a:latin typeface="Trebuchet MS" panose="020B0603020202020204" pitchFamily="34" charset="0"/>
-                <a:cs typeface="Times New Roman" panose="02020603050405020304" pitchFamily="18" charset="0"/>
-              </a:defRPr>
-            </a:lvl4pPr>
-            <a:lvl5pPr marL="2057400" indent="-228600" eaLnBrk="0" hangingPunct="0">
-              <a:defRPr sz="2200">
-                <a:solidFill>
-                  <a:srgbClr val="FFFFFF"/>
-                </a:solidFill>
-                <a:latin typeface="Trebuchet MS" panose="020B0603020202020204" pitchFamily="34" charset="0"/>
-                <a:cs typeface="Times New Roman" panose="02020603050405020304" pitchFamily="18" charset="0"/>
-              </a:defRPr>
-            </a:lvl5pPr>
-            <a:lvl6pPr marL="2514600" indent="-228600" eaLnBrk="0" fontAlgn="base" hangingPunct="0">
-              <a:spcBef>
-                <a:spcPct val="0"/>
-              </a:spcBef>
-              <a:spcAft>
-                <a:spcPct val="0"/>
-              </a:spcAft>
-              <a:defRPr sz="2200">
-                <a:solidFill>
-                  <a:srgbClr val="FFFFFF"/>
-                </a:solidFill>
-                <a:latin typeface="Trebuchet MS" panose="020B0603020202020204" pitchFamily="34" charset="0"/>
-                <a:cs typeface="Times New Roman" panose="02020603050405020304" pitchFamily="18" charset="0"/>
-              </a:defRPr>
-            </a:lvl6pPr>
-            <a:lvl7pPr marL="2971800" indent="-228600" eaLnBrk="0" fontAlgn="base" hangingPunct="0">
-              <a:spcBef>
-                <a:spcPct val="0"/>
-              </a:spcBef>
-              <a:spcAft>
-                <a:spcPct val="0"/>
-              </a:spcAft>
-              <a:defRPr sz="2200">
-                <a:solidFill>
-                  <a:srgbClr val="FFFFFF"/>
-                </a:solidFill>
-                <a:latin typeface="Trebuchet MS" panose="020B0603020202020204" pitchFamily="34" charset="0"/>
-                <a:cs typeface="Times New Roman" panose="02020603050405020304" pitchFamily="18" charset="0"/>
-              </a:defRPr>
-            </a:lvl7pPr>
-            <a:lvl8pPr marL="3429000" indent="-228600" eaLnBrk="0" fontAlgn="base" hangingPunct="0">
-              <a:spcBef>
-                <a:spcPct val="0"/>
-              </a:spcBef>
-              <a:spcAft>
-                <a:spcPct val="0"/>
-              </a:spcAft>
-              <a:defRPr sz="2200">
-                <a:solidFill>
-                  <a:srgbClr val="FFFFFF"/>
-                </a:solidFill>
-                <a:latin typeface="Trebuchet MS" panose="020B0603020202020204" pitchFamily="34" charset="0"/>
-                <a:cs typeface="Times New Roman" panose="02020603050405020304" pitchFamily="18" charset="0"/>
-              </a:defRPr>
-            </a:lvl8pPr>
-            <a:lvl9pPr marL="3886200" indent="-228600" eaLnBrk="0" fontAlgn="base" hangingPunct="0">
-              <a:spcBef>
-                <a:spcPct val="0"/>
-              </a:spcBef>
-              <a:spcAft>
-                <a:spcPct val="0"/>
-              </a:spcAft>
-              <a:defRPr sz="2200">
-                <a:solidFill>
-                  <a:srgbClr val="FFFFFF"/>
-                </a:solidFill>
-                <a:latin typeface="Trebuchet MS" panose="020B0603020202020204" pitchFamily="34" charset="0"/>
-                <a:cs typeface="Times New Roman" panose="02020603050405020304" pitchFamily="18" charset="0"/>
-              </a:defRPr>
-            </a:lvl9pPr>
-          </a:lstStyle>
-          <a:p>
-            <a:pPr eaLnBrk="1" hangingPunct="1"/>
-            <a:r>
-              <a:rPr lang="en-US" altLang="en-US" sz="1400" dirty="0">
-                <a:solidFill>
-                  <a:schemeClr val="tx1"/>
-                </a:solidFill>
-              </a:rPr>
-              <a:t>2017  MN </a:t>
-            </a:r>
-            <a:r>
-              <a:rPr lang="en-US" altLang="en-US" sz="1400" i="1" dirty="0">
-                <a:solidFill>
-                  <a:schemeClr val="tx1"/>
-                </a:solidFill>
-              </a:rPr>
-              <a:t>FIRST Jump Start</a:t>
-            </a:r>
-            <a:endParaRPr lang="en-US" altLang="en-US" sz="1400" dirty="0">
-              <a:solidFill>
-                <a:schemeClr val="tx1"/>
-              </a:solidFill>
-            </a:endParaRPr>
-          </a:p>
-        </p:txBody>
-      </p:sp>
-      <p:pic>
-        <p:nvPicPr>
-          <p:cNvPr id="5" name="Picture 2" descr="https://lh3.googleusercontent.com/whV856uT_V-PMVpGMM2I--_xyYUcTkSA8pSILVGbTBdmffy87jvHb9d6CAKuAvxYZ8CZE4LaimRuIGq23GM-fyMcsIzGdzfEfZt0kscqkFy7iH7uqxMVUH-wHIWEX66AbDTmfUM9FN8"/>
-          <p:cNvPicPr>
-            <a:picLocks noChangeAspect="1" noChangeArrowheads="1"/>
-          </p:cNvPicPr>
-          <p:nvPr/>
-        </p:nvPicPr>
-        <p:blipFill>
-          <a:blip r:embed="rId2">
-            <a:extLst>
-              <a:ext uri="{28A0092B-C50C-407E-A947-70E740481C1C}">
-                <a14:useLocalDpi xmlns:a14="http://schemas.microsoft.com/office/drawing/2010/main" val="0"/>
-              </a:ext>
-            </a:extLst>
-          </a:blip>
-          <a:srcRect/>
-          <a:stretch>
-            <a:fillRect/>
-          </a:stretch>
-        </p:blipFill>
-        <p:spPr bwMode="auto">
-          <a:xfrm>
-            <a:off x="6172200" y="5444963"/>
-            <a:ext cx="3505200" cy="2238260"/>
-          </a:xfrm>
-          <a:prstGeom prst="rect">
-            <a:avLst/>
-          </a:prstGeom>
-          <a:noFill/>
-          <a:extLst>
-            <a:ext uri="{909E8E84-426E-40DD-AFC4-6F175D3DCCD1}">
-              <a14:hiddenFill xmlns:a14="http://schemas.microsoft.com/office/drawing/2010/main">
-                <a:solidFill>
-                  <a:srgbClr val="FFFFFF"/>
-                </a:solidFill>
-              </a14:hiddenFill>
-            </a:ext>
-          </a:extLst>
-        </p:spPr>
-      </p:pic>
-    </p:spTree>
-    <p:extLst>
-      <p:ext uri="{BB962C8B-B14F-4D97-AF65-F5344CB8AC3E}">
-        <p14:creationId xmlns:p14="http://schemas.microsoft.com/office/powerpoint/2010/main" val="818498106"/>
-      </p:ext>
-    </p:extLst>
-  </p:cSld>
-  <p:clrMapOvr>
-    <a:masterClrMapping/>
-  </p:clrMapOvr>
-</p:sld>
-</file>
-
-<file path=ppt/slides/slide40.xml><?xml version="1.0" encoding="utf-8"?>
+<file path=ppt/slides/slide41.xml><?xml version="1.0" encoding="utf-8"?>
 <p:sld xmlns:a="http://schemas.openxmlformats.org/drawingml/2006/main" xmlns:r="http://schemas.openxmlformats.org/officeDocument/2006/relationships" xmlns:p="http://schemas.openxmlformats.org/presentationml/2006/main">
   <p:cSld>
     <p:spTree>
@@ -15868,7 +16751,7 @@
 </p:sld>
 </file>
 
-<file path=ppt/slides/slide41.xml><?xml version="1.0" encoding="utf-8"?>
+<file path=ppt/slides/slide42.xml><?xml version="1.0" encoding="utf-8"?>
 <p:sld xmlns:a="http://schemas.openxmlformats.org/drawingml/2006/main" xmlns:r="http://schemas.openxmlformats.org/officeDocument/2006/relationships" xmlns:p="http://schemas.openxmlformats.org/presentationml/2006/main">
   <p:cSld>
     <p:spTree>
@@ -16282,7 +17165,7 @@
 </p:sld>
 </file>
 
-<file path=ppt/slides/slide42.xml><?xml version="1.0" encoding="utf-8"?>
+<file path=ppt/slides/slide43.xml><?xml version="1.0" encoding="utf-8"?>
 <p:sld xmlns:a="http://schemas.openxmlformats.org/drawingml/2006/main" xmlns:r="http://schemas.openxmlformats.org/officeDocument/2006/relationships" xmlns:p="http://schemas.openxmlformats.org/presentationml/2006/main">
   <p:cSld>
     <p:spTree>
